--- a/temp.pptx
+++ b/temp.pptx
@@ -119,6 +119,59 @@
     </p:ext>
   </p:extLst>
 </p:presentation>
+</file>
+
+<file path=ppt/changesInfos/changesInfo1.xml><?xml version="1.0" encoding="utf-8"?>
+<pc:chgInfo xmlns:a="http://schemas.openxmlformats.org/drawingml/2006/main" xmlns:r="http://schemas.openxmlformats.org/officeDocument/2006/relationships" xmlns:ac="http://schemas.microsoft.com/office/drawing/2013/main/command" xmlns:pc="http://schemas.microsoft.com/office/powerpoint/2013/main/command">
+  <pc:docChgLst>
+    <pc:chgData name="Ginger 姜" userId="c023856596cfafbf" providerId="LiveId" clId="{55100307-50F8-439F-8605-F64E42D146BD}"/>
+    <pc:docChg chg="modSld modMainMaster">
+      <pc:chgData name="Ginger 姜" userId="c023856596cfafbf" providerId="LiveId" clId="{55100307-50F8-439F-8605-F64E42D146BD}" dt="2024-09-04T09:49:52.731" v="1" actId="113"/>
+      <pc:docMkLst>
+        <pc:docMk/>
+      </pc:docMkLst>
+      <pc:sldChg chg="modSp mod">
+        <pc:chgData name="Ginger 姜" userId="c023856596cfafbf" providerId="LiveId" clId="{55100307-50F8-439F-8605-F64E42D146BD}" dt="2024-09-04T09:49:33.920" v="0" actId="113"/>
+        <pc:sldMkLst>
+          <pc:docMk/>
+          <pc:sldMk cId="1116816764" sldId="256"/>
+        </pc:sldMkLst>
+        <pc:spChg chg="mod">
+          <ac:chgData name="Ginger 姜" userId="c023856596cfafbf" providerId="LiveId" clId="{55100307-50F8-439F-8605-F64E42D146BD}" dt="2024-09-04T09:49:33.920" v="0" actId="113"/>
+          <ac:spMkLst>
+            <pc:docMk/>
+            <pc:sldMk cId="1116816764" sldId="256"/>
+            <ac:spMk id="39" creationId="{DCDA0217-FA6E-2341-BD2B-C1AA7FDC5C84}"/>
+          </ac:spMkLst>
+        </pc:spChg>
+      </pc:sldChg>
+      <pc:sldMasterChg chg="modSldLayout">
+        <pc:chgData name="Ginger 姜" userId="c023856596cfafbf" providerId="LiveId" clId="{55100307-50F8-439F-8605-F64E42D146BD}" dt="2024-09-04T09:49:52.731" v="1" actId="113"/>
+        <pc:sldMasterMkLst>
+          <pc:docMk/>
+          <pc:sldMasterMk cId="3518605705" sldId="2147483648"/>
+        </pc:sldMasterMkLst>
+        <pc:sldLayoutChg chg="modSp mod">
+          <pc:chgData name="Ginger 姜" userId="c023856596cfafbf" providerId="LiveId" clId="{55100307-50F8-439F-8605-F64E42D146BD}" dt="2024-09-04T09:49:52.731" v="1" actId="113"/>
+          <pc:sldLayoutMkLst>
+            <pc:docMk/>
+            <pc:sldMasterMk cId="3518605705" sldId="2147483648"/>
+            <pc:sldLayoutMk cId="1459799580" sldId="2147483663"/>
+          </pc:sldLayoutMkLst>
+          <pc:spChg chg="mod">
+            <ac:chgData name="Ginger 姜" userId="c023856596cfafbf" providerId="LiveId" clId="{55100307-50F8-439F-8605-F64E42D146BD}" dt="2024-09-04T09:49:52.731" v="1" actId="113"/>
+            <ac:spMkLst>
+              <pc:docMk/>
+              <pc:sldMasterMk cId="3518605705" sldId="2147483648"/>
+              <pc:sldLayoutMk cId="1459799580" sldId="2147483663"/>
+              <ac:spMk id="18" creationId="{06295E2A-3E41-9B4F-A15C-7403DA4D8615}"/>
+            </ac:spMkLst>
+          </pc:spChg>
+        </pc:sldLayoutChg>
+      </pc:sldMasterChg>
+    </pc:docChg>
+  </pc:docChgLst>
+</pc:chgInfo>
 </file>
 
 <file path=ppt/diagrams/colors1.xml><?xml version="1.0" encoding="utf-8"?>
@@ -4485,7 +4538,7 @@
             </a:ln>
             <a:extLst>
               <a:ext uri="{C572A759-6A51-4108-AA02-DFA0A04FC94B}">
-                <ma14:wrappingTextBoxFlag xmlns="" xmlns:m="http://schemas.openxmlformats.org/officeDocument/2006/math" xmlns:a14="http://schemas.microsoft.com/office/drawing/2010/main" xmlns:ma14="http://schemas.microsoft.com/office/mac/drawingml/2011/main" val="1"/>
+                <ma14:wrappingTextBoxFlag xmlns:ma14="http://schemas.microsoft.com/office/mac/drawingml/2011/main" xmlns:a14="http://schemas.microsoft.com/office/drawing/2010/main" xmlns:m="http://schemas.openxmlformats.org/officeDocument/2006/math" xmlns="" val="1"/>
               </a:ext>
             </a:extLst>
           </p:spPr>
@@ -5534,7 +5587,7 @@
             </a:ln>
             <a:extLst>
               <a:ext uri="{C572A759-6A51-4108-AA02-DFA0A04FC94B}">
-                <ma14:wrappingTextBoxFlag xmlns="" xmlns:m="http://schemas.openxmlformats.org/officeDocument/2006/math" xmlns:a14="http://schemas.microsoft.com/office/drawing/2010/main" xmlns:ma14="http://schemas.microsoft.com/office/mac/drawingml/2011/main" val="1"/>
+                <ma14:wrappingTextBoxFlag xmlns:ma14="http://schemas.microsoft.com/office/mac/drawingml/2011/main" xmlns:a14="http://schemas.microsoft.com/office/drawing/2010/main" xmlns:m="http://schemas.openxmlformats.org/officeDocument/2006/math" xmlns="" val="1"/>
               </a:ext>
             </a:extLst>
           </p:spPr>
@@ -5601,14 +5654,14 @@
                 <a:t>的文本交互系</a:t>
               </a:r>
               <a:r>
-                <a:rPr lang="zh-CN" altLang="en-US" sz="2000" b="1" dirty="0">
+                <a:rPr lang="zh-CN" altLang="en-US" sz="2000" b="0" dirty="0">
                   <a:solidFill>
                     <a:schemeClr val="tx2"/>
                   </a:solidFill>
                 </a:rPr>
                 <a:t>统</a:t>
               </a:r>
-              <a:endParaRPr lang="en-US" sz="2000" b="1" spc="170" dirty="0">
+              <a:endParaRPr lang="en-US" sz="2000" b="0" spc="170" dirty="0">
                 <a:solidFill>
                   <a:schemeClr val="accent3"/>
                 </a:solidFill>
@@ -6929,7 +6982,7 @@
             </a:ln>
             <a:extLst>
               <a:ext uri="{C572A759-6A51-4108-AA02-DFA0A04FC94B}">
-                <ma14:wrappingTextBoxFlag xmlns="" xmlns:m="http://schemas.openxmlformats.org/officeDocument/2006/math" xmlns:a14="http://schemas.microsoft.com/office/drawing/2010/main" xmlns:ma14="http://schemas.microsoft.com/office/mac/drawingml/2011/main" val="1"/>
+                <ma14:wrappingTextBoxFlag xmlns:ma14="http://schemas.microsoft.com/office/mac/drawingml/2011/main" xmlns:a14="http://schemas.microsoft.com/office/drawing/2010/main" xmlns:m="http://schemas.openxmlformats.org/officeDocument/2006/math" xmlns="" val="1"/>
               </a:ext>
             </a:extLst>
           </p:spPr>
@@ -11896,7 +11949,7 @@
             </a:ln>
             <a:extLst>
               <a:ext uri="{C572A759-6A51-4108-AA02-DFA0A04FC94B}">
-                <ma14:wrappingTextBoxFlag xmlns="" xmlns:m="http://schemas.openxmlformats.org/officeDocument/2006/math" xmlns:a14="http://schemas.microsoft.com/office/drawing/2010/main" xmlns:ma14="http://schemas.microsoft.com/office/mac/drawingml/2011/main" val="1"/>
+                <ma14:wrappingTextBoxFlag xmlns:ma14="http://schemas.microsoft.com/office/mac/drawingml/2011/main" xmlns:a14="http://schemas.microsoft.com/office/drawing/2010/main" xmlns:m="http://schemas.openxmlformats.org/officeDocument/2006/math" xmlns="" val="1"/>
               </a:ext>
             </a:extLst>
           </p:spPr>
@@ -12983,7 +13036,7 @@
             </a:ln>
             <a:extLst>
               <a:ext uri="{C572A759-6A51-4108-AA02-DFA0A04FC94B}">
-                <ma14:wrappingTextBoxFlag xmlns="" xmlns:m="http://schemas.openxmlformats.org/officeDocument/2006/math" xmlns:a14="http://schemas.microsoft.com/office/drawing/2010/main" xmlns:ma14="http://schemas.microsoft.com/office/mac/drawingml/2011/main" val="1"/>
+                <ma14:wrappingTextBoxFlag xmlns:ma14="http://schemas.microsoft.com/office/mac/drawingml/2011/main" xmlns:a14="http://schemas.microsoft.com/office/drawing/2010/main" xmlns:m="http://schemas.openxmlformats.org/officeDocument/2006/math" xmlns="" val="1"/>
               </a:ext>
             </a:extLst>
           </p:spPr>
@@ -14274,7 +14327,7 @@
             </a:ln>
             <a:extLst>
               <a:ext uri="{C572A759-6A51-4108-AA02-DFA0A04FC94B}">
-                <ma14:wrappingTextBoxFlag xmlns="" xmlns:m="http://schemas.openxmlformats.org/officeDocument/2006/math" xmlns:a14="http://schemas.microsoft.com/office/drawing/2010/main" xmlns:ma14="http://schemas.microsoft.com/office/mac/drawingml/2011/main" val="1"/>
+                <ma14:wrappingTextBoxFlag xmlns:ma14="http://schemas.microsoft.com/office/mac/drawingml/2011/main" xmlns:a14="http://schemas.microsoft.com/office/drawing/2010/main" xmlns:m="http://schemas.openxmlformats.org/officeDocument/2006/math" xmlns="" val="1"/>
               </a:ext>
             </a:extLst>
           </p:spPr>
@@ -15409,7 +15462,7 @@
             </a:ln>
             <a:extLst>
               <a:ext uri="{C572A759-6A51-4108-AA02-DFA0A04FC94B}">
-                <ma14:wrappingTextBoxFlag xmlns="" xmlns:m="http://schemas.openxmlformats.org/officeDocument/2006/math" xmlns:a14="http://schemas.microsoft.com/office/drawing/2010/main" xmlns:ma14="http://schemas.microsoft.com/office/mac/drawingml/2011/main" val="1"/>
+                <ma14:wrappingTextBoxFlag xmlns:ma14="http://schemas.microsoft.com/office/mac/drawingml/2011/main" xmlns:a14="http://schemas.microsoft.com/office/drawing/2010/main" xmlns:m="http://schemas.openxmlformats.org/officeDocument/2006/math" xmlns="" val="1"/>
               </a:ext>
             </a:extLst>
           </p:spPr>
@@ -17071,7 +17124,7 @@
           </a:ln>
           <a:extLst>
             <a:ext uri="{C572A759-6A51-4108-AA02-DFA0A04FC94B}">
-              <ma14:wrappingTextBoxFlag xmlns="" xmlns:m="http://schemas.openxmlformats.org/officeDocument/2006/math" xmlns:a14="http://schemas.microsoft.com/office/drawing/2010/main" xmlns:ma14="http://schemas.microsoft.com/office/mac/drawingml/2011/main" val="1"/>
+              <ma14:wrappingTextBoxFlag xmlns:ma14="http://schemas.microsoft.com/office/mac/drawingml/2011/main" xmlns:a14="http://schemas.microsoft.com/office/drawing/2010/main" xmlns:m="http://schemas.openxmlformats.org/officeDocument/2006/math" xmlns="" val="1"/>
             </a:ext>
           </a:extLst>
         </p:spPr>
@@ -19904,7 +19957,7 @@
           </a:ln>
           <a:extLst>
             <a:ext uri="{C572A759-6A51-4108-AA02-DFA0A04FC94B}">
-              <ma14:wrappingTextBoxFlag xmlns="" xmlns:m="http://schemas.openxmlformats.org/officeDocument/2006/math" xmlns:a14="http://schemas.microsoft.com/office/drawing/2010/main" xmlns:ma14="http://schemas.microsoft.com/office/mac/drawingml/2011/main" val="1"/>
+              <ma14:wrappingTextBoxFlag xmlns:ma14="http://schemas.microsoft.com/office/mac/drawingml/2011/main" xmlns:a14="http://schemas.microsoft.com/office/drawing/2010/main" xmlns:m="http://schemas.openxmlformats.org/officeDocument/2006/math" xmlns="" val="1"/>
             </a:ext>
           </a:extLst>
         </p:spPr>
@@ -19958,17 +20011,9 @@
                   <a:schemeClr val="bg1"/>
                 </a:solidFill>
               </a:rPr>
-              <a:t>的文本交互系</a:t>
+              <a:t>的文本交互系统</a:t>
             </a:r>
-            <a:r>
-              <a:rPr lang="zh-CN" altLang="en-US" sz="6600" b="1" dirty="0">
-                <a:solidFill>
-                  <a:schemeClr val="bg1"/>
-                </a:solidFill>
-              </a:rPr>
-              <a:t>统</a:t>
-            </a:r>
-            <a:endParaRPr sz="6600" b="1" spc="170" dirty="0">
+            <a:endParaRPr sz="6600" spc="170" dirty="0">
               <a:solidFill>
                 <a:schemeClr val="bg1"/>
               </a:solidFill>

--- a/temp.pptx
+++ b/temp.pptx
@@ -119,59 +119,6 @@
     </p:ext>
   </p:extLst>
 </p:presentation>
-</file>
-
-<file path=ppt/changesInfos/changesInfo1.xml><?xml version="1.0" encoding="utf-8"?>
-<pc:chgInfo xmlns:a="http://schemas.openxmlformats.org/drawingml/2006/main" xmlns:r="http://schemas.openxmlformats.org/officeDocument/2006/relationships" xmlns:ac="http://schemas.microsoft.com/office/drawing/2013/main/command" xmlns:pc="http://schemas.microsoft.com/office/powerpoint/2013/main/command">
-  <pc:docChgLst>
-    <pc:chgData name="Ginger 姜" userId="c023856596cfafbf" providerId="LiveId" clId="{55100307-50F8-439F-8605-F64E42D146BD}"/>
-    <pc:docChg chg="modSld modMainMaster">
-      <pc:chgData name="Ginger 姜" userId="c023856596cfafbf" providerId="LiveId" clId="{55100307-50F8-439F-8605-F64E42D146BD}" dt="2024-09-04T09:49:52.731" v="1" actId="113"/>
-      <pc:docMkLst>
-        <pc:docMk/>
-      </pc:docMkLst>
-      <pc:sldChg chg="modSp mod">
-        <pc:chgData name="Ginger 姜" userId="c023856596cfafbf" providerId="LiveId" clId="{55100307-50F8-439F-8605-F64E42D146BD}" dt="2024-09-04T09:49:33.920" v="0" actId="113"/>
-        <pc:sldMkLst>
-          <pc:docMk/>
-          <pc:sldMk cId="1116816764" sldId="256"/>
-        </pc:sldMkLst>
-        <pc:spChg chg="mod">
-          <ac:chgData name="Ginger 姜" userId="c023856596cfafbf" providerId="LiveId" clId="{55100307-50F8-439F-8605-F64E42D146BD}" dt="2024-09-04T09:49:33.920" v="0" actId="113"/>
-          <ac:spMkLst>
-            <pc:docMk/>
-            <pc:sldMk cId="1116816764" sldId="256"/>
-            <ac:spMk id="39" creationId="{DCDA0217-FA6E-2341-BD2B-C1AA7FDC5C84}"/>
-          </ac:spMkLst>
-        </pc:spChg>
-      </pc:sldChg>
-      <pc:sldMasterChg chg="modSldLayout">
-        <pc:chgData name="Ginger 姜" userId="c023856596cfafbf" providerId="LiveId" clId="{55100307-50F8-439F-8605-F64E42D146BD}" dt="2024-09-04T09:49:52.731" v="1" actId="113"/>
-        <pc:sldMasterMkLst>
-          <pc:docMk/>
-          <pc:sldMasterMk cId="3518605705" sldId="2147483648"/>
-        </pc:sldMasterMkLst>
-        <pc:sldLayoutChg chg="modSp mod">
-          <pc:chgData name="Ginger 姜" userId="c023856596cfafbf" providerId="LiveId" clId="{55100307-50F8-439F-8605-F64E42D146BD}" dt="2024-09-04T09:49:52.731" v="1" actId="113"/>
-          <pc:sldLayoutMkLst>
-            <pc:docMk/>
-            <pc:sldMasterMk cId="3518605705" sldId="2147483648"/>
-            <pc:sldLayoutMk cId="1459799580" sldId="2147483663"/>
-          </pc:sldLayoutMkLst>
-          <pc:spChg chg="mod">
-            <ac:chgData name="Ginger 姜" userId="c023856596cfafbf" providerId="LiveId" clId="{55100307-50F8-439F-8605-F64E42D146BD}" dt="2024-09-04T09:49:52.731" v="1" actId="113"/>
-            <ac:spMkLst>
-              <pc:docMk/>
-              <pc:sldMasterMk cId="3518605705" sldId="2147483648"/>
-              <pc:sldLayoutMk cId="1459799580" sldId="2147483663"/>
-              <ac:spMk id="18" creationId="{06295E2A-3E41-9B4F-A15C-7403DA4D8615}"/>
-            </ac:spMkLst>
-          </pc:spChg>
-        </pc:sldLayoutChg>
-      </pc:sldMasterChg>
-    </pc:docChg>
-  </pc:docChgLst>
-</pc:chgInfo>
 </file>
 
 <file path=ppt/diagrams/colors1.xml><?xml version="1.0" encoding="utf-8"?>
@@ -4039,590 +3986,6 @@
       </p:cxnSp>
       <p:grpSp>
         <p:nvGrpSpPr>
-          <p:cNvPr id="3" name="Group 19">
-            <a:extLst>
-              <a:ext uri="{FF2B5EF4-FFF2-40B4-BE49-F238E27FC236}">
-                <a16:creationId xmlns:a16="http://schemas.microsoft.com/office/drawing/2014/main" id="{1DEA4135-82DA-7403-0319-F5EFC064357D}"/>
-              </a:ext>
-            </a:extLst>
-          </p:cNvPr>
-          <p:cNvGrpSpPr/>
-          <p:nvPr userDrawn="1"/>
-        </p:nvGrpSpPr>
-        <p:grpSpPr>
-          <a:xfrm>
-            <a:off x="494469" y="6247857"/>
-            <a:ext cx="5887702" cy="511448"/>
-            <a:chOff x="1832720" y="5446059"/>
-            <a:chExt cx="5887702" cy="511448"/>
-          </a:xfrm>
-        </p:grpSpPr>
-        <p:sp>
-          <p:nvSpPr>
-            <p:cNvPr id="4" name="Shape">
-              <a:extLst>
-                <a:ext uri="{FF2B5EF4-FFF2-40B4-BE49-F238E27FC236}">
-                  <a16:creationId xmlns:a16="http://schemas.microsoft.com/office/drawing/2014/main" id="{D1E15801-0636-290C-3C4A-F448AE9812D3}"/>
-                </a:ext>
-              </a:extLst>
-            </p:cNvPr>
-            <p:cNvSpPr/>
-            <p:nvPr userDrawn="1"/>
-          </p:nvSpPr>
-          <p:spPr>
-            <a:xfrm>
-              <a:off x="1944118" y="5505141"/>
-              <a:ext cx="103773" cy="57696"/>
-            </a:xfrm>
-            <a:custGeom>
-              <a:avLst/>
-              <a:gdLst/>
-              <a:ahLst/>
-              <a:cxnLst>
-                <a:cxn ang="0">
-                  <a:pos x="wd2" y="hd2"/>
-                </a:cxn>
-                <a:cxn ang="5400000">
-                  <a:pos x="wd2" y="hd2"/>
-                </a:cxn>
-                <a:cxn ang="10800000">
-                  <a:pos x="wd2" y="hd2"/>
-                </a:cxn>
-                <a:cxn ang="16200000">
-                  <a:pos x="wd2" y="hd2"/>
-                </a:cxn>
-              </a:cxnLst>
-              <a:rect l="0" t="0" r="r" b="b"/>
-              <a:pathLst>
-                <a:path w="21600" h="21600" extrusionOk="0">
-                  <a:moveTo>
-                    <a:pt x="6149" y="19425"/>
-                  </a:moveTo>
-                  <a:cubicBezTo>
-                    <a:pt x="6149" y="14812"/>
-                    <a:pt x="8235" y="11059"/>
-                    <a:pt x="10800" y="11059"/>
-                  </a:cubicBezTo>
-                  <a:cubicBezTo>
-                    <a:pt x="13365" y="11059"/>
-                    <a:pt x="15451" y="14812"/>
-                    <a:pt x="15451" y="19425"/>
-                  </a:cubicBezTo>
-                  <a:lnTo>
-                    <a:pt x="15451" y="21600"/>
-                  </a:lnTo>
-                  <a:lnTo>
-                    <a:pt x="21600" y="21600"/>
-                  </a:lnTo>
-                  <a:lnTo>
-                    <a:pt x="21600" y="19425"/>
-                  </a:lnTo>
-                  <a:cubicBezTo>
-                    <a:pt x="21600" y="8714"/>
-                    <a:pt x="16755" y="0"/>
-                    <a:pt x="10800" y="0"/>
-                  </a:cubicBezTo>
-                  <a:cubicBezTo>
-                    <a:pt x="4845" y="0"/>
-                    <a:pt x="0" y="8714"/>
-                    <a:pt x="0" y="19425"/>
-                  </a:cubicBezTo>
-                  <a:lnTo>
-                    <a:pt x="0" y="21600"/>
-                  </a:lnTo>
-                  <a:lnTo>
-                    <a:pt x="6149" y="21600"/>
-                  </a:lnTo>
-                  <a:cubicBezTo>
-                    <a:pt x="6149" y="21600"/>
-                    <a:pt x="6149" y="19425"/>
-                    <a:pt x="6149" y="19425"/>
-                  </a:cubicBezTo>
-                  <a:close/>
-                </a:path>
-              </a:pathLst>
-            </a:custGeom>
-            <a:solidFill>
-              <a:schemeClr val="accent3"/>
-            </a:solidFill>
-            <a:ln w="12700">
-              <a:miter lim="400000"/>
-            </a:ln>
-          </p:spPr>
-          <p:txBody>
-            <a:bodyPr lIns="38100" tIns="38100" rIns="38100" bIns="38100" anchor="ctr"/>
-            <a:lstStyle/>
-            <a:p>
-              <a:pPr>
-                <a:defRPr sz="3000">
-                  <a:solidFill>
-                    <a:srgbClr val="FFFFFF"/>
-                  </a:solidFill>
-                  <a:effectLst>
-                    <a:outerShdw blurRad="38100" dist="12700" dir="5400000" rotWithShape="0">
-                      <a:srgbClr val="000000">
-                        <a:alpha val="50000"/>
-                      </a:srgbClr>
-                    </a:outerShdw>
-                  </a:effectLst>
-                </a:defRPr>
-              </a:pPr>
-              <a:endParaRPr/>
-            </a:p>
-          </p:txBody>
-        </p:sp>
-        <p:sp>
-          <p:nvSpPr>
-            <p:cNvPr id="8" name="Shape">
-              <a:extLst>
-                <a:ext uri="{FF2B5EF4-FFF2-40B4-BE49-F238E27FC236}">
-                  <a16:creationId xmlns:a16="http://schemas.microsoft.com/office/drawing/2014/main" id="{09769116-FAFB-A5C0-1ACC-984D489EE0E2}"/>
-                </a:ext>
-              </a:extLst>
-            </p:cNvPr>
-            <p:cNvSpPr/>
-            <p:nvPr userDrawn="1"/>
-          </p:nvSpPr>
-          <p:spPr>
-            <a:xfrm>
-              <a:off x="1944118" y="5840730"/>
-              <a:ext cx="103773" cy="57694"/>
-            </a:xfrm>
-            <a:custGeom>
-              <a:avLst/>
-              <a:gdLst/>
-              <a:ahLst/>
-              <a:cxnLst>
-                <a:cxn ang="0">
-                  <a:pos x="wd2" y="hd2"/>
-                </a:cxn>
-                <a:cxn ang="5400000">
-                  <a:pos x="wd2" y="hd2"/>
-                </a:cxn>
-                <a:cxn ang="10800000">
-                  <a:pos x="wd2" y="hd2"/>
-                </a:cxn>
-                <a:cxn ang="16200000">
-                  <a:pos x="wd2" y="hd2"/>
-                </a:cxn>
-              </a:cxnLst>
-              <a:rect l="0" t="0" r="r" b="b"/>
-              <a:pathLst>
-                <a:path w="21600" h="21600" extrusionOk="0">
-                  <a:moveTo>
-                    <a:pt x="15451" y="2174"/>
-                  </a:moveTo>
-                  <a:cubicBezTo>
-                    <a:pt x="15451" y="6787"/>
-                    <a:pt x="13365" y="10540"/>
-                    <a:pt x="10800" y="10540"/>
-                  </a:cubicBezTo>
-                  <a:cubicBezTo>
-                    <a:pt x="8235" y="10540"/>
-                    <a:pt x="6149" y="6787"/>
-                    <a:pt x="6149" y="2174"/>
-                  </a:cubicBezTo>
-                  <a:lnTo>
-                    <a:pt x="6149" y="0"/>
-                  </a:lnTo>
-                  <a:lnTo>
-                    <a:pt x="0" y="0"/>
-                  </a:lnTo>
-                  <a:lnTo>
-                    <a:pt x="0" y="2174"/>
-                  </a:lnTo>
-                  <a:cubicBezTo>
-                    <a:pt x="0" y="12886"/>
-                    <a:pt x="4845" y="21600"/>
-                    <a:pt x="10800" y="21600"/>
-                  </a:cubicBezTo>
-                  <a:cubicBezTo>
-                    <a:pt x="16755" y="21600"/>
-                    <a:pt x="21600" y="12886"/>
-                    <a:pt x="21600" y="2174"/>
-                  </a:cubicBezTo>
-                  <a:lnTo>
-                    <a:pt x="21600" y="0"/>
-                  </a:lnTo>
-                  <a:lnTo>
-                    <a:pt x="15451" y="0"/>
-                  </a:lnTo>
-                  <a:cubicBezTo>
-                    <a:pt x="15451" y="0"/>
-                    <a:pt x="15451" y="2174"/>
-                    <a:pt x="15451" y="2174"/>
-                  </a:cubicBezTo>
-                  <a:close/>
-                </a:path>
-              </a:pathLst>
-            </a:custGeom>
-            <a:solidFill>
-              <a:schemeClr val="accent3"/>
-            </a:solidFill>
-            <a:ln w="12700">
-              <a:miter lim="400000"/>
-            </a:ln>
-          </p:spPr>
-          <p:txBody>
-            <a:bodyPr lIns="38100" tIns="38100" rIns="38100" bIns="38100" anchor="ctr"/>
-            <a:lstStyle/>
-            <a:p>
-              <a:pPr>
-                <a:defRPr sz="3000">
-                  <a:solidFill>
-                    <a:srgbClr val="FFFFFF"/>
-                  </a:solidFill>
-                  <a:effectLst>
-                    <a:outerShdw blurRad="38100" dist="12700" dir="5400000" rotWithShape="0">
-                      <a:srgbClr val="000000">
-                        <a:alpha val="50000"/>
-                      </a:srgbClr>
-                    </a:outerShdw>
-                  </a:effectLst>
-                </a:defRPr>
-              </a:pPr>
-              <a:endParaRPr/>
-            </a:p>
-          </p:txBody>
-        </p:sp>
-        <p:sp>
-          <p:nvSpPr>
-            <p:cNvPr id="14" name="Shape">
-              <a:extLst>
-                <a:ext uri="{FF2B5EF4-FFF2-40B4-BE49-F238E27FC236}">
-                  <a16:creationId xmlns:a16="http://schemas.microsoft.com/office/drawing/2014/main" id="{E3BB2D85-7AA3-4AA7-A23A-81B25885691C}"/>
-                </a:ext>
-              </a:extLst>
-            </p:cNvPr>
-            <p:cNvSpPr/>
-            <p:nvPr userDrawn="1"/>
-          </p:nvSpPr>
-          <p:spPr>
-            <a:xfrm>
-              <a:off x="1885036" y="5446059"/>
-              <a:ext cx="221938" cy="116778"/>
-            </a:xfrm>
-            <a:custGeom>
-              <a:avLst/>
-              <a:gdLst/>
-              <a:ahLst/>
-              <a:cxnLst>
-                <a:cxn ang="0">
-                  <a:pos x="wd2" y="hd2"/>
-                </a:cxn>
-                <a:cxn ang="5400000">
-                  <a:pos x="wd2" y="hd2"/>
-                </a:cxn>
-                <a:cxn ang="10800000">
-                  <a:pos x="wd2" y="hd2"/>
-                </a:cxn>
-                <a:cxn ang="16200000">
-                  <a:pos x="wd2" y="hd2"/>
-                </a:cxn>
-              </a:cxnLst>
-              <a:rect l="0" t="0" r="r" b="b"/>
-              <a:pathLst>
-                <a:path w="21600" h="21600" extrusionOk="0">
-                  <a:moveTo>
-                    <a:pt x="2875" y="20525"/>
-                  </a:moveTo>
-                  <a:cubicBezTo>
-                    <a:pt x="2875" y="12221"/>
-                    <a:pt x="6430" y="5464"/>
-                    <a:pt x="10800" y="5464"/>
-                  </a:cubicBezTo>
-                  <a:cubicBezTo>
-                    <a:pt x="15170" y="5464"/>
-                    <a:pt x="18725" y="12221"/>
-                    <a:pt x="18725" y="20525"/>
-                  </a:cubicBezTo>
-                  <a:lnTo>
-                    <a:pt x="18725" y="21600"/>
-                  </a:lnTo>
-                  <a:lnTo>
-                    <a:pt x="21600" y="21600"/>
-                  </a:lnTo>
-                  <a:lnTo>
-                    <a:pt x="21600" y="20526"/>
-                  </a:lnTo>
-                  <a:cubicBezTo>
-                    <a:pt x="21600" y="9190"/>
-                    <a:pt x="16765" y="0"/>
-                    <a:pt x="10800" y="0"/>
-                  </a:cubicBezTo>
-                  <a:cubicBezTo>
-                    <a:pt x="4835" y="0"/>
-                    <a:pt x="0" y="9190"/>
-                    <a:pt x="0" y="20526"/>
-                  </a:cubicBezTo>
-                  <a:lnTo>
-                    <a:pt x="0" y="21600"/>
-                  </a:lnTo>
-                  <a:lnTo>
-                    <a:pt x="2875" y="21600"/>
-                  </a:lnTo>
-                  <a:cubicBezTo>
-                    <a:pt x="2875" y="21600"/>
-                    <a:pt x="2875" y="20525"/>
-                    <a:pt x="2875" y="20525"/>
-                  </a:cubicBezTo>
-                  <a:close/>
-                </a:path>
-              </a:pathLst>
-            </a:custGeom>
-            <a:solidFill>
-              <a:schemeClr val="accent6"/>
-            </a:solidFill>
-            <a:ln w="12700">
-              <a:miter lim="400000"/>
-            </a:ln>
-          </p:spPr>
-          <p:txBody>
-            <a:bodyPr lIns="38100" tIns="38100" rIns="38100" bIns="38100" anchor="ctr"/>
-            <a:lstStyle/>
-            <a:p>
-              <a:pPr>
-                <a:defRPr sz="3000">
-                  <a:solidFill>
-                    <a:srgbClr val="FFFFFF"/>
-                  </a:solidFill>
-                  <a:effectLst>
-                    <a:outerShdw blurRad="38100" dist="12700" dir="5400000" rotWithShape="0">
-                      <a:srgbClr val="000000">
-                        <a:alpha val="50000"/>
-                      </a:srgbClr>
-                    </a:outerShdw>
-                  </a:effectLst>
-                </a:defRPr>
-              </a:pPr>
-              <a:endParaRPr/>
-            </a:p>
-          </p:txBody>
-        </p:sp>
-        <p:sp>
-          <p:nvSpPr>
-            <p:cNvPr id="15" name="Shape">
-              <a:extLst>
-                <a:ext uri="{FF2B5EF4-FFF2-40B4-BE49-F238E27FC236}">
-                  <a16:creationId xmlns:a16="http://schemas.microsoft.com/office/drawing/2014/main" id="{700F473C-D0FA-306D-84AA-36FDB7D9D43B}"/>
-                </a:ext>
-              </a:extLst>
-            </p:cNvPr>
-            <p:cNvSpPr/>
-            <p:nvPr userDrawn="1"/>
-          </p:nvSpPr>
-          <p:spPr>
-            <a:xfrm>
-              <a:off x="1885036" y="5840730"/>
-              <a:ext cx="221938" cy="116777"/>
-            </a:xfrm>
-            <a:custGeom>
-              <a:avLst/>
-              <a:gdLst/>
-              <a:ahLst/>
-              <a:cxnLst>
-                <a:cxn ang="0">
-                  <a:pos x="wd2" y="hd2"/>
-                </a:cxn>
-                <a:cxn ang="5400000">
-                  <a:pos x="wd2" y="hd2"/>
-                </a:cxn>
-                <a:cxn ang="10800000">
-                  <a:pos x="wd2" y="hd2"/>
-                </a:cxn>
-                <a:cxn ang="16200000">
-                  <a:pos x="wd2" y="hd2"/>
-                </a:cxn>
-              </a:cxnLst>
-              <a:rect l="0" t="0" r="r" b="b"/>
-              <a:pathLst>
-                <a:path w="21600" h="21600" extrusionOk="0">
-                  <a:moveTo>
-                    <a:pt x="18725" y="1074"/>
-                  </a:moveTo>
-                  <a:cubicBezTo>
-                    <a:pt x="18725" y="9379"/>
-                    <a:pt x="15170" y="16136"/>
-                    <a:pt x="10800" y="16136"/>
-                  </a:cubicBezTo>
-                  <a:cubicBezTo>
-                    <a:pt x="6430" y="16136"/>
-                    <a:pt x="2875" y="9379"/>
-                    <a:pt x="2875" y="1074"/>
-                  </a:cubicBezTo>
-                  <a:lnTo>
-                    <a:pt x="2875" y="0"/>
-                  </a:lnTo>
-                  <a:lnTo>
-                    <a:pt x="0" y="0"/>
-                  </a:lnTo>
-                  <a:lnTo>
-                    <a:pt x="0" y="1074"/>
-                  </a:lnTo>
-                  <a:cubicBezTo>
-                    <a:pt x="0" y="12410"/>
-                    <a:pt x="4835" y="21600"/>
-                    <a:pt x="10800" y="21600"/>
-                  </a:cubicBezTo>
-                  <a:cubicBezTo>
-                    <a:pt x="16765" y="21600"/>
-                    <a:pt x="21600" y="12410"/>
-                    <a:pt x="21600" y="1074"/>
-                  </a:cubicBezTo>
-                  <a:lnTo>
-                    <a:pt x="21600" y="0"/>
-                  </a:lnTo>
-                  <a:lnTo>
-                    <a:pt x="18725" y="0"/>
-                  </a:lnTo>
-                  <a:cubicBezTo>
-                    <a:pt x="18725" y="0"/>
-                    <a:pt x="18725" y="1074"/>
-                    <a:pt x="18725" y="1074"/>
-                  </a:cubicBezTo>
-                  <a:close/>
-                </a:path>
-              </a:pathLst>
-            </a:custGeom>
-            <a:solidFill>
-              <a:schemeClr val="accent6"/>
-            </a:solidFill>
-            <a:ln w="12700">
-              <a:miter lim="400000"/>
-            </a:ln>
-          </p:spPr>
-          <p:txBody>
-            <a:bodyPr lIns="38100" tIns="38100" rIns="38100" bIns="38100" anchor="ctr"/>
-            <a:lstStyle/>
-            <a:p>
-              <a:pPr>
-                <a:defRPr sz="3000">
-                  <a:solidFill>
-                    <a:srgbClr val="FFFFFF"/>
-                  </a:solidFill>
-                  <a:effectLst>
-                    <a:outerShdw blurRad="38100" dist="12700" dir="5400000" rotWithShape="0">
-                      <a:srgbClr val="000000">
-                        <a:alpha val="50000"/>
-                      </a:srgbClr>
-                    </a:outerShdw>
-                  </a:effectLst>
-                </a:defRPr>
-              </a:pPr>
-              <a:endParaRPr/>
-            </a:p>
-          </p:txBody>
-        </p:sp>
-        <p:sp>
-          <p:nvSpPr>
-            <p:cNvPr id="16" name="POWERPOINT TEMPLATE">
-              <a:extLst>
-                <a:ext uri="{FF2B5EF4-FFF2-40B4-BE49-F238E27FC236}">
-                  <a16:creationId xmlns:a16="http://schemas.microsoft.com/office/drawing/2014/main" id="{4BC15E12-958D-EA42-1552-FE477897830D}"/>
-                </a:ext>
-              </a:extLst>
-            </p:cNvPr>
-            <p:cNvSpPr/>
-            <p:nvPr userDrawn="1"/>
-          </p:nvSpPr>
-          <p:spPr>
-            <a:xfrm>
-              <a:off x="1832720" y="5510100"/>
-              <a:ext cx="5887702" cy="384721"/>
-            </a:xfrm>
-            <a:prstGeom prst="rect">
-              <a:avLst/>
-            </a:prstGeom>
-            <a:ln w="12700">
-              <a:miter lim="400000"/>
-            </a:ln>
-            <a:extLst>
-              <a:ext uri="{C572A759-6A51-4108-AA02-DFA0A04FC94B}">
-                <ma14:wrappingTextBoxFlag xmlns:ma14="http://schemas.microsoft.com/office/mac/drawingml/2011/main" xmlns:a14="http://schemas.microsoft.com/office/drawing/2010/main" xmlns:m="http://schemas.openxmlformats.org/officeDocument/2006/math" xmlns="" val="1"/>
-              </a:ext>
-            </a:extLst>
-          </p:spPr>
-          <p:txBody>
-            <a:bodyPr wrap="none" lIns="38100" tIns="38100" rIns="38100" bIns="38100" anchor="ctr">
-              <a:spAutoFit/>
-            </a:bodyPr>
-            <a:lstStyle>
-              <a:lvl1pPr>
-                <a:lnSpc>
-                  <a:spcPts val="4500"/>
-                </a:lnSpc>
-                <a:tabLst>
-                  <a:tab pos="1066800" algn="l"/>
-                </a:tabLst>
-                <a:defRPr sz="3821">
-                  <a:latin typeface="Arial"/>
-                  <a:ea typeface="Arial"/>
-                  <a:cs typeface="Arial"/>
-                  <a:sym typeface="Arial"/>
-                </a:defRPr>
-              </a:lvl1pPr>
-            </a:lstStyle>
-            <a:p>
-              <a:pPr algn="l">
-                <a:lnSpc>
-                  <a:spcPct val="100000"/>
-                </a:lnSpc>
-              </a:pPr>
-              <a:r>
-                <a:rPr lang="zh-CN" altLang="en-US" sz="2000" dirty="0">
-                  <a:solidFill>
-                    <a:schemeClr val="tx2"/>
-                  </a:solidFill>
-                </a:rPr>
-                <a:t>基于</a:t>
-              </a:r>
-              <a:r>
-                <a:rPr lang="en-US" sz="2000" dirty="0">
-                  <a:solidFill>
-                    <a:schemeClr val="accent3"/>
-                  </a:solidFill>
-                  <a:latin typeface="Arial Black" panose="020B0604020202020204" pitchFamily="34" charset="0"/>
-                  <a:cs typeface="Arial Black" panose="020B0604020202020204" pitchFamily="34" charset="0"/>
-                </a:rPr>
-                <a:t>V</a:t>
-              </a:r>
-              <a:r>
-                <a:rPr lang="en-US" altLang="zh-CN" sz="2000" dirty="0">
-                  <a:solidFill>
-                    <a:schemeClr val="accent3"/>
-                  </a:solidFill>
-                  <a:latin typeface="Arial Black" panose="020B0604020202020204" pitchFamily="34" charset="0"/>
-                  <a:cs typeface="Arial Black" panose="020B0604020202020204" pitchFamily="34" charset="0"/>
-                </a:rPr>
-                <a:t>isual Texture Exchange</a:t>
-              </a:r>
-              <a:r>
-                <a:rPr lang="zh-CN" altLang="en-US" sz="2000" dirty="0">
-                  <a:solidFill>
-                    <a:schemeClr val="tx2"/>
-                  </a:solidFill>
-                </a:rPr>
-                <a:t>的文本交互系</a:t>
-              </a:r>
-              <a:r>
-                <a:rPr lang="zh-CN" altLang="en-US" sz="2000" b="1" dirty="0">
-                  <a:solidFill>
-                    <a:schemeClr val="tx2"/>
-                  </a:solidFill>
-                </a:rPr>
-                <a:t>统</a:t>
-              </a:r>
-              <a:endParaRPr lang="en-US" sz="2000" b="1" spc="170" dirty="0">
-                <a:solidFill>
-                  <a:schemeClr val="accent3"/>
-                </a:solidFill>
-              </a:endParaRPr>
-            </a:p>
-          </p:txBody>
-        </p:sp>
-      </p:grpSp>
-      <p:grpSp>
-        <p:nvGrpSpPr>
           <p:cNvPr id="17" name="Group 31">
             <a:extLst>
               <a:ext uri="{FF2B5EF4-FFF2-40B4-BE49-F238E27FC236}">
@@ -4902,6 +4265,582 @@
           </p:txBody>
         </p:sp>
       </p:grpSp>
+      <p:grpSp>
+        <p:nvGrpSpPr>
+          <p:cNvPr id="9" name="Group 19">
+            <a:extLst>
+              <a:ext uri="{FF2B5EF4-FFF2-40B4-BE49-F238E27FC236}">
+                <a16:creationId xmlns:a16="http://schemas.microsoft.com/office/drawing/2014/main" id="{415EFAEC-91AD-F1FA-4CB3-E5B23B1658E9}"/>
+              </a:ext>
+            </a:extLst>
+          </p:cNvPr>
+          <p:cNvGrpSpPr/>
+          <p:nvPr userDrawn="1"/>
+        </p:nvGrpSpPr>
+        <p:grpSpPr>
+          <a:xfrm>
+            <a:off x="494469" y="6247857"/>
+            <a:ext cx="5887702" cy="511448"/>
+            <a:chOff x="1832720" y="5446059"/>
+            <a:chExt cx="5887702" cy="511448"/>
+          </a:xfrm>
+        </p:grpSpPr>
+        <p:sp>
+          <p:nvSpPr>
+            <p:cNvPr id="10" name="Shape">
+              <a:extLst>
+                <a:ext uri="{FF2B5EF4-FFF2-40B4-BE49-F238E27FC236}">
+                  <a16:creationId xmlns:a16="http://schemas.microsoft.com/office/drawing/2014/main" id="{61C96FFD-89C9-3A3D-6CD2-6B48A12FCB82}"/>
+                </a:ext>
+              </a:extLst>
+            </p:cNvPr>
+            <p:cNvSpPr/>
+            <p:nvPr userDrawn="1"/>
+          </p:nvSpPr>
+          <p:spPr>
+            <a:xfrm>
+              <a:off x="1944118" y="5505141"/>
+              <a:ext cx="103773" cy="57696"/>
+            </a:xfrm>
+            <a:custGeom>
+              <a:avLst/>
+              <a:gdLst/>
+              <a:ahLst/>
+              <a:cxnLst>
+                <a:cxn ang="0">
+                  <a:pos x="wd2" y="hd2"/>
+                </a:cxn>
+                <a:cxn ang="5400000">
+                  <a:pos x="wd2" y="hd2"/>
+                </a:cxn>
+                <a:cxn ang="10800000">
+                  <a:pos x="wd2" y="hd2"/>
+                </a:cxn>
+                <a:cxn ang="16200000">
+                  <a:pos x="wd2" y="hd2"/>
+                </a:cxn>
+              </a:cxnLst>
+              <a:rect l="0" t="0" r="r" b="b"/>
+              <a:pathLst>
+                <a:path w="21600" h="21600" extrusionOk="0">
+                  <a:moveTo>
+                    <a:pt x="6149" y="19425"/>
+                  </a:moveTo>
+                  <a:cubicBezTo>
+                    <a:pt x="6149" y="14812"/>
+                    <a:pt x="8235" y="11059"/>
+                    <a:pt x="10800" y="11059"/>
+                  </a:cubicBezTo>
+                  <a:cubicBezTo>
+                    <a:pt x="13365" y="11059"/>
+                    <a:pt x="15451" y="14812"/>
+                    <a:pt x="15451" y="19425"/>
+                  </a:cubicBezTo>
+                  <a:lnTo>
+                    <a:pt x="15451" y="21600"/>
+                  </a:lnTo>
+                  <a:lnTo>
+                    <a:pt x="21600" y="21600"/>
+                  </a:lnTo>
+                  <a:lnTo>
+                    <a:pt x="21600" y="19425"/>
+                  </a:lnTo>
+                  <a:cubicBezTo>
+                    <a:pt x="21600" y="8714"/>
+                    <a:pt x="16755" y="0"/>
+                    <a:pt x="10800" y="0"/>
+                  </a:cubicBezTo>
+                  <a:cubicBezTo>
+                    <a:pt x="4845" y="0"/>
+                    <a:pt x="0" y="8714"/>
+                    <a:pt x="0" y="19425"/>
+                  </a:cubicBezTo>
+                  <a:lnTo>
+                    <a:pt x="0" y="21600"/>
+                  </a:lnTo>
+                  <a:lnTo>
+                    <a:pt x="6149" y="21600"/>
+                  </a:lnTo>
+                  <a:cubicBezTo>
+                    <a:pt x="6149" y="21600"/>
+                    <a:pt x="6149" y="19425"/>
+                    <a:pt x="6149" y="19425"/>
+                  </a:cubicBezTo>
+                  <a:close/>
+                </a:path>
+              </a:pathLst>
+            </a:custGeom>
+            <a:solidFill>
+              <a:schemeClr val="accent3"/>
+            </a:solidFill>
+            <a:ln w="12700">
+              <a:miter lim="400000"/>
+            </a:ln>
+          </p:spPr>
+          <p:txBody>
+            <a:bodyPr lIns="38100" tIns="38100" rIns="38100" bIns="38100" anchor="ctr"/>
+            <a:lstStyle/>
+            <a:p>
+              <a:pPr>
+                <a:defRPr sz="3000">
+                  <a:solidFill>
+                    <a:srgbClr val="FFFFFF"/>
+                  </a:solidFill>
+                  <a:effectLst>
+                    <a:outerShdw blurRad="38100" dist="12700" dir="5400000" rotWithShape="0">
+                      <a:srgbClr val="000000">
+                        <a:alpha val="50000"/>
+                      </a:srgbClr>
+                    </a:outerShdw>
+                  </a:effectLst>
+                </a:defRPr>
+              </a:pPr>
+              <a:endParaRPr/>
+            </a:p>
+          </p:txBody>
+        </p:sp>
+        <p:sp>
+          <p:nvSpPr>
+            <p:cNvPr id="11" name="Shape">
+              <a:extLst>
+                <a:ext uri="{FF2B5EF4-FFF2-40B4-BE49-F238E27FC236}">
+                  <a16:creationId xmlns:a16="http://schemas.microsoft.com/office/drawing/2014/main" id="{3FF8F937-16F7-AB39-6C88-0DBA020B19D0}"/>
+                </a:ext>
+              </a:extLst>
+            </p:cNvPr>
+            <p:cNvSpPr/>
+            <p:nvPr userDrawn="1"/>
+          </p:nvSpPr>
+          <p:spPr>
+            <a:xfrm>
+              <a:off x="1944118" y="5840730"/>
+              <a:ext cx="103773" cy="57694"/>
+            </a:xfrm>
+            <a:custGeom>
+              <a:avLst/>
+              <a:gdLst/>
+              <a:ahLst/>
+              <a:cxnLst>
+                <a:cxn ang="0">
+                  <a:pos x="wd2" y="hd2"/>
+                </a:cxn>
+                <a:cxn ang="5400000">
+                  <a:pos x="wd2" y="hd2"/>
+                </a:cxn>
+                <a:cxn ang="10800000">
+                  <a:pos x="wd2" y="hd2"/>
+                </a:cxn>
+                <a:cxn ang="16200000">
+                  <a:pos x="wd2" y="hd2"/>
+                </a:cxn>
+              </a:cxnLst>
+              <a:rect l="0" t="0" r="r" b="b"/>
+              <a:pathLst>
+                <a:path w="21600" h="21600" extrusionOk="0">
+                  <a:moveTo>
+                    <a:pt x="15451" y="2174"/>
+                  </a:moveTo>
+                  <a:cubicBezTo>
+                    <a:pt x="15451" y="6787"/>
+                    <a:pt x="13365" y="10540"/>
+                    <a:pt x="10800" y="10540"/>
+                  </a:cubicBezTo>
+                  <a:cubicBezTo>
+                    <a:pt x="8235" y="10540"/>
+                    <a:pt x="6149" y="6787"/>
+                    <a:pt x="6149" y="2174"/>
+                  </a:cubicBezTo>
+                  <a:lnTo>
+                    <a:pt x="6149" y="0"/>
+                  </a:lnTo>
+                  <a:lnTo>
+                    <a:pt x="0" y="0"/>
+                  </a:lnTo>
+                  <a:lnTo>
+                    <a:pt x="0" y="2174"/>
+                  </a:lnTo>
+                  <a:cubicBezTo>
+                    <a:pt x="0" y="12886"/>
+                    <a:pt x="4845" y="21600"/>
+                    <a:pt x="10800" y="21600"/>
+                  </a:cubicBezTo>
+                  <a:cubicBezTo>
+                    <a:pt x="16755" y="21600"/>
+                    <a:pt x="21600" y="12886"/>
+                    <a:pt x="21600" y="2174"/>
+                  </a:cubicBezTo>
+                  <a:lnTo>
+                    <a:pt x="21600" y="0"/>
+                  </a:lnTo>
+                  <a:lnTo>
+                    <a:pt x="15451" y="0"/>
+                  </a:lnTo>
+                  <a:cubicBezTo>
+                    <a:pt x="15451" y="0"/>
+                    <a:pt x="15451" y="2174"/>
+                    <a:pt x="15451" y="2174"/>
+                  </a:cubicBezTo>
+                  <a:close/>
+                </a:path>
+              </a:pathLst>
+            </a:custGeom>
+            <a:solidFill>
+              <a:schemeClr val="accent3"/>
+            </a:solidFill>
+            <a:ln w="12700">
+              <a:miter lim="400000"/>
+            </a:ln>
+          </p:spPr>
+          <p:txBody>
+            <a:bodyPr lIns="38100" tIns="38100" rIns="38100" bIns="38100" anchor="ctr"/>
+            <a:lstStyle/>
+            <a:p>
+              <a:pPr>
+                <a:defRPr sz="3000">
+                  <a:solidFill>
+                    <a:srgbClr val="FFFFFF"/>
+                  </a:solidFill>
+                  <a:effectLst>
+                    <a:outerShdw blurRad="38100" dist="12700" dir="5400000" rotWithShape="0">
+                      <a:srgbClr val="000000">
+                        <a:alpha val="50000"/>
+                      </a:srgbClr>
+                    </a:outerShdw>
+                  </a:effectLst>
+                </a:defRPr>
+              </a:pPr>
+              <a:endParaRPr/>
+            </a:p>
+          </p:txBody>
+        </p:sp>
+        <p:sp>
+          <p:nvSpPr>
+            <p:cNvPr id="12" name="Shape">
+              <a:extLst>
+                <a:ext uri="{FF2B5EF4-FFF2-40B4-BE49-F238E27FC236}">
+                  <a16:creationId xmlns:a16="http://schemas.microsoft.com/office/drawing/2014/main" id="{0A54C287-DEBA-D951-BEE4-12448324EE8D}"/>
+                </a:ext>
+              </a:extLst>
+            </p:cNvPr>
+            <p:cNvSpPr/>
+            <p:nvPr userDrawn="1"/>
+          </p:nvSpPr>
+          <p:spPr>
+            <a:xfrm>
+              <a:off x="1885036" y="5446059"/>
+              <a:ext cx="221938" cy="116778"/>
+            </a:xfrm>
+            <a:custGeom>
+              <a:avLst/>
+              <a:gdLst/>
+              <a:ahLst/>
+              <a:cxnLst>
+                <a:cxn ang="0">
+                  <a:pos x="wd2" y="hd2"/>
+                </a:cxn>
+                <a:cxn ang="5400000">
+                  <a:pos x="wd2" y="hd2"/>
+                </a:cxn>
+                <a:cxn ang="10800000">
+                  <a:pos x="wd2" y="hd2"/>
+                </a:cxn>
+                <a:cxn ang="16200000">
+                  <a:pos x="wd2" y="hd2"/>
+                </a:cxn>
+              </a:cxnLst>
+              <a:rect l="0" t="0" r="r" b="b"/>
+              <a:pathLst>
+                <a:path w="21600" h="21600" extrusionOk="0">
+                  <a:moveTo>
+                    <a:pt x="2875" y="20525"/>
+                  </a:moveTo>
+                  <a:cubicBezTo>
+                    <a:pt x="2875" y="12221"/>
+                    <a:pt x="6430" y="5464"/>
+                    <a:pt x="10800" y="5464"/>
+                  </a:cubicBezTo>
+                  <a:cubicBezTo>
+                    <a:pt x="15170" y="5464"/>
+                    <a:pt x="18725" y="12221"/>
+                    <a:pt x="18725" y="20525"/>
+                  </a:cubicBezTo>
+                  <a:lnTo>
+                    <a:pt x="18725" y="21600"/>
+                  </a:lnTo>
+                  <a:lnTo>
+                    <a:pt x="21600" y="21600"/>
+                  </a:lnTo>
+                  <a:lnTo>
+                    <a:pt x="21600" y="20526"/>
+                  </a:lnTo>
+                  <a:cubicBezTo>
+                    <a:pt x="21600" y="9190"/>
+                    <a:pt x="16765" y="0"/>
+                    <a:pt x="10800" y="0"/>
+                  </a:cubicBezTo>
+                  <a:cubicBezTo>
+                    <a:pt x="4835" y="0"/>
+                    <a:pt x="0" y="9190"/>
+                    <a:pt x="0" y="20526"/>
+                  </a:cubicBezTo>
+                  <a:lnTo>
+                    <a:pt x="0" y="21600"/>
+                  </a:lnTo>
+                  <a:lnTo>
+                    <a:pt x="2875" y="21600"/>
+                  </a:lnTo>
+                  <a:cubicBezTo>
+                    <a:pt x="2875" y="21600"/>
+                    <a:pt x="2875" y="20525"/>
+                    <a:pt x="2875" y="20525"/>
+                  </a:cubicBezTo>
+                  <a:close/>
+                </a:path>
+              </a:pathLst>
+            </a:custGeom>
+            <a:solidFill>
+              <a:schemeClr val="accent6"/>
+            </a:solidFill>
+            <a:ln w="12700">
+              <a:miter lim="400000"/>
+            </a:ln>
+          </p:spPr>
+          <p:txBody>
+            <a:bodyPr lIns="38100" tIns="38100" rIns="38100" bIns="38100" anchor="ctr"/>
+            <a:lstStyle/>
+            <a:p>
+              <a:pPr>
+                <a:defRPr sz="3000">
+                  <a:solidFill>
+                    <a:srgbClr val="FFFFFF"/>
+                  </a:solidFill>
+                  <a:effectLst>
+                    <a:outerShdw blurRad="38100" dist="12700" dir="5400000" rotWithShape="0">
+                      <a:srgbClr val="000000">
+                        <a:alpha val="50000"/>
+                      </a:srgbClr>
+                    </a:outerShdw>
+                  </a:effectLst>
+                </a:defRPr>
+              </a:pPr>
+              <a:endParaRPr/>
+            </a:p>
+          </p:txBody>
+        </p:sp>
+        <p:sp>
+          <p:nvSpPr>
+            <p:cNvPr id="13" name="Shape">
+              <a:extLst>
+                <a:ext uri="{FF2B5EF4-FFF2-40B4-BE49-F238E27FC236}">
+                  <a16:creationId xmlns:a16="http://schemas.microsoft.com/office/drawing/2014/main" id="{8A1C9BC2-0B19-54C6-0C11-213514730C55}"/>
+                </a:ext>
+              </a:extLst>
+            </p:cNvPr>
+            <p:cNvSpPr/>
+            <p:nvPr userDrawn="1"/>
+          </p:nvSpPr>
+          <p:spPr>
+            <a:xfrm>
+              <a:off x="1885036" y="5840730"/>
+              <a:ext cx="221938" cy="116777"/>
+            </a:xfrm>
+            <a:custGeom>
+              <a:avLst/>
+              <a:gdLst/>
+              <a:ahLst/>
+              <a:cxnLst>
+                <a:cxn ang="0">
+                  <a:pos x="wd2" y="hd2"/>
+                </a:cxn>
+                <a:cxn ang="5400000">
+                  <a:pos x="wd2" y="hd2"/>
+                </a:cxn>
+                <a:cxn ang="10800000">
+                  <a:pos x="wd2" y="hd2"/>
+                </a:cxn>
+                <a:cxn ang="16200000">
+                  <a:pos x="wd2" y="hd2"/>
+                </a:cxn>
+              </a:cxnLst>
+              <a:rect l="0" t="0" r="r" b="b"/>
+              <a:pathLst>
+                <a:path w="21600" h="21600" extrusionOk="0">
+                  <a:moveTo>
+                    <a:pt x="18725" y="1074"/>
+                  </a:moveTo>
+                  <a:cubicBezTo>
+                    <a:pt x="18725" y="9379"/>
+                    <a:pt x="15170" y="16136"/>
+                    <a:pt x="10800" y="16136"/>
+                  </a:cubicBezTo>
+                  <a:cubicBezTo>
+                    <a:pt x="6430" y="16136"/>
+                    <a:pt x="2875" y="9379"/>
+                    <a:pt x="2875" y="1074"/>
+                  </a:cubicBezTo>
+                  <a:lnTo>
+                    <a:pt x="2875" y="0"/>
+                  </a:lnTo>
+                  <a:lnTo>
+                    <a:pt x="0" y="0"/>
+                  </a:lnTo>
+                  <a:lnTo>
+                    <a:pt x="0" y="1074"/>
+                  </a:lnTo>
+                  <a:cubicBezTo>
+                    <a:pt x="0" y="12410"/>
+                    <a:pt x="4835" y="21600"/>
+                    <a:pt x="10800" y="21600"/>
+                  </a:cubicBezTo>
+                  <a:cubicBezTo>
+                    <a:pt x="16765" y="21600"/>
+                    <a:pt x="21600" y="12410"/>
+                    <a:pt x="21600" y="1074"/>
+                  </a:cubicBezTo>
+                  <a:lnTo>
+                    <a:pt x="21600" y="0"/>
+                  </a:lnTo>
+                  <a:lnTo>
+                    <a:pt x="18725" y="0"/>
+                  </a:lnTo>
+                  <a:cubicBezTo>
+                    <a:pt x="18725" y="0"/>
+                    <a:pt x="18725" y="1074"/>
+                    <a:pt x="18725" y="1074"/>
+                  </a:cubicBezTo>
+                  <a:close/>
+                </a:path>
+              </a:pathLst>
+            </a:custGeom>
+            <a:solidFill>
+              <a:schemeClr val="accent6"/>
+            </a:solidFill>
+            <a:ln w="12700">
+              <a:miter lim="400000"/>
+            </a:ln>
+          </p:spPr>
+          <p:txBody>
+            <a:bodyPr lIns="38100" tIns="38100" rIns="38100" bIns="38100" anchor="ctr"/>
+            <a:lstStyle/>
+            <a:p>
+              <a:pPr>
+                <a:defRPr sz="3000">
+                  <a:solidFill>
+                    <a:srgbClr val="FFFFFF"/>
+                  </a:solidFill>
+                  <a:effectLst>
+                    <a:outerShdw blurRad="38100" dist="12700" dir="5400000" rotWithShape="0">
+                      <a:srgbClr val="000000">
+                        <a:alpha val="50000"/>
+                      </a:srgbClr>
+                    </a:outerShdw>
+                  </a:effectLst>
+                </a:defRPr>
+              </a:pPr>
+              <a:endParaRPr/>
+            </a:p>
+          </p:txBody>
+        </p:sp>
+        <p:sp>
+          <p:nvSpPr>
+            <p:cNvPr id="18" name="POWERPOINT TEMPLATE">
+              <a:extLst>
+                <a:ext uri="{FF2B5EF4-FFF2-40B4-BE49-F238E27FC236}">
+                  <a16:creationId xmlns:a16="http://schemas.microsoft.com/office/drawing/2014/main" id="{50E7121B-C132-C02B-A431-41A0E3EE025C}"/>
+                </a:ext>
+              </a:extLst>
+            </p:cNvPr>
+            <p:cNvSpPr/>
+            <p:nvPr userDrawn="1"/>
+          </p:nvSpPr>
+          <p:spPr>
+            <a:xfrm>
+              <a:off x="1832720" y="5510100"/>
+              <a:ext cx="5887702" cy="384721"/>
+            </a:xfrm>
+            <a:prstGeom prst="rect">
+              <a:avLst/>
+            </a:prstGeom>
+            <a:ln w="12700">
+              <a:miter lim="400000"/>
+            </a:ln>
+            <a:extLst>
+              <a:ext uri="{C572A759-6A51-4108-AA02-DFA0A04FC94B}">
+                <ma14:wrappingTextBoxFlag xmlns:ma14="http://schemas.microsoft.com/office/mac/drawingml/2011/main" xmlns:a14="http://schemas.microsoft.com/office/drawing/2010/main" xmlns:m="http://schemas.openxmlformats.org/officeDocument/2006/math" xmlns="" val="1"/>
+              </a:ext>
+            </a:extLst>
+          </p:spPr>
+          <p:txBody>
+            <a:bodyPr wrap="none" lIns="38100" tIns="38100" rIns="38100" bIns="38100" anchor="ctr">
+              <a:spAutoFit/>
+            </a:bodyPr>
+            <a:lstStyle>
+              <a:lvl1pPr>
+                <a:lnSpc>
+                  <a:spcPts val="4500"/>
+                </a:lnSpc>
+                <a:tabLst>
+                  <a:tab pos="1066800" algn="l"/>
+                </a:tabLst>
+                <a:defRPr sz="3821">
+                  <a:latin typeface="Arial"/>
+                  <a:ea typeface="Arial"/>
+                  <a:cs typeface="Arial"/>
+                  <a:sym typeface="Arial"/>
+                </a:defRPr>
+              </a:lvl1pPr>
+            </a:lstStyle>
+            <a:p>
+              <a:pPr algn="l">
+                <a:lnSpc>
+                  <a:spcPct val="100000"/>
+                </a:lnSpc>
+              </a:pPr>
+              <a:r>
+                <a:rPr lang="zh-CN" altLang="en-US" sz="2000" b="1" dirty="0">
+                  <a:solidFill>
+                    <a:schemeClr val="tx2"/>
+                  </a:solidFill>
+                </a:rPr>
+                <a:t>基于</a:t>
+              </a:r>
+              <a:r>
+                <a:rPr lang="en-US" sz="2000" dirty="0">
+                  <a:solidFill>
+                    <a:schemeClr val="accent3"/>
+                  </a:solidFill>
+                  <a:latin typeface="Arial Black" panose="020B0604020202020204" pitchFamily="34" charset="0"/>
+                  <a:cs typeface="Arial Black" panose="020B0604020202020204" pitchFamily="34" charset="0"/>
+                </a:rPr>
+                <a:t>V</a:t>
+              </a:r>
+              <a:r>
+                <a:rPr lang="en-US" altLang="zh-CN" sz="2000" dirty="0">
+                  <a:solidFill>
+                    <a:schemeClr val="accent3"/>
+                  </a:solidFill>
+                  <a:latin typeface="Arial Black" panose="020B0604020202020204" pitchFamily="34" charset="0"/>
+                  <a:cs typeface="Arial Black" panose="020B0604020202020204" pitchFamily="34" charset="0"/>
+                </a:rPr>
+                <a:t>isual Texture Exchange</a:t>
+              </a:r>
+              <a:r>
+                <a:rPr lang="zh-CN" altLang="en-US" sz="2000" b="1" dirty="0">
+                  <a:solidFill>
+                    <a:schemeClr val="tx2"/>
+                  </a:solidFill>
+                </a:rPr>
+                <a:t>的文本交互系统</a:t>
+              </a:r>
+              <a:endParaRPr lang="en-US" sz="2000" b="1" spc="170" dirty="0">
+                <a:solidFill>
+                  <a:schemeClr val="accent3"/>
+                </a:solidFill>
+              </a:endParaRPr>
+            </a:p>
+          </p:txBody>
+        </p:sp>
+      </p:grpSp>
     </p:spTree>
     <p:extLst>
       <p:ext uri="{BB962C8B-B14F-4D97-AF65-F5344CB8AC3E}">
@@ -5086,590 +5025,6 @@
           </a:p>
         </p:txBody>
       </p:sp>
-      <p:grpSp>
-        <p:nvGrpSpPr>
-          <p:cNvPr id="20" name="Group 19">
-            <a:extLst>
-              <a:ext uri="{FF2B5EF4-FFF2-40B4-BE49-F238E27FC236}">
-                <a16:creationId xmlns:a16="http://schemas.microsoft.com/office/drawing/2014/main" id="{CA62DD16-908C-FE45-A7ED-87680FDA939A}"/>
-              </a:ext>
-            </a:extLst>
-          </p:cNvPr>
-          <p:cNvGrpSpPr/>
-          <p:nvPr userDrawn="1"/>
-        </p:nvGrpSpPr>
-        <p:grpSpPr>
-          <a:xfrm>
-            <a:off x="494469" y="6247857"/>
-            <a:ext cx="5887702" cy="511448"/>
-            <a:chOff x="1832720" y="5446059"/>
-            <a:chExt cx="5887702" cy="511448"/>
-          </a:xfrm>
-        </p:grpSpPr>
-        <p:sp>
-          <p:nvSpPr>
-            <p:cNvPr id="10" name="Shape">
-              <a:extLst>
-                <a:ext uri="{FF2B5EF4-FFF2-40B4-BE49-F238E27FC236}">
-                  <a16:creationId xmlns:a16="http://schemas.microsoft.com/office/drawing/2014/main" id="{DAD6223F-C12E-0A4D-A4F9-E1488125F002}"/>
-                </a:ext>
-              </a:extLst>
-            </p:cNvPr>
-            <p:cNvSpPr/>
-            <p:nvPr userDrawn="1"/>
-          </p:nvSpPr>
-          <p:spPr>
-            <a:xfrm>
-              <a:off x="1944118" y="5505141"/>
-              <a:ext cx="103773" cy="57696"/>
-            </a:xfrm>
-            <a:custGeom>
-              <a:avLst/>
-              <a:gdLst/>
-              <a:ahLst/>
-              <a:cxnLst>
-                <a:cxn ang="0">
-                  <a:pos x="wd2" y="hd2"/>
-                </a:cxn>
-                <a:cxn ang="5400000">
-                  <a:pos x="wd2" y="hd2"/>
-                </a:cxn>
-                <a:cxn ang="10800000">
-                  <a:pos x="wd2" y="hd2"/>
-                </a:cxn>
-                <a:cxn ang="16200000">
-                  <a:pos x="wd2" y="hd2"/>
-                </a:cxn>
-              </a:cxnLst>
-              <a:rect l="0" t="0" r="r" b="b"/>
-              <a:pathLst>
-                <a:path w="21600" h="21600" extrusionOk="0">
-                  <a:moveTo>
-                    <a:pt x="6149" y="19425"/>
-                  </a:moveTo>
-                  <a:cubicBezTo>
-                    <a:pt x="6149" y="14812"/>
-                    <a:pt x="8235" y="11059"/>
-                    <a:pt x="10800" y="11059"/>
-                  </a:cubicBezTo>
-                  <a:cubicBezTo>
-                    <a:pt x="13365" y="11059"/>
-                    <a:pt x="15451" y="14812"/>
-                    <a:pt x="15451" y="19425"/>
-                  </a:cubicBezTo>
-                  <a:lnTo>
-                    <a:pt x="15451" y="21600"/>
-                  </a:lnTo>
-                  <a:lnTo>
-                    <a:pt x="21600" y="21600"/>
-                  </a:lnTo>
-                  <a:lnTo>
-                    <a:pt x="21600" y="19425"/>
-                  </a:lnTo>
-                  <a:cubicBezTo>
-                    <a:pt x="21600" y="8714"/>
-                    <a:pt x="16755" y="0"/>
-                    <a:pt x="10800" y="0"/>
-                  </a:cubicBezTo>
-                  <a:cubicBezTo>
-                    <a:pt x="4845" y="0"/>
-                    <a:pt x="0" y="8714"/>
-                    <a:pt x="0" y="19425"/>
-                  </a:cubicBezTo>
-                  <a:lnTo>
-                    <a:pt x="0" y="21600"/>
-                  </a:lnTo>
-                  <a:lnTo>
-                    <a:pt x="6149" y="21600"/>
-                  </a:lnTo>
-                  <a:cubicBezTo>
-                    <a:pt x="6149" y="21600"/>
-                    <a:pt x="6149" y="19425"/>
-                    <a:pt x="6149" y="19425"/>
-                  </a:cubicBezTo>
-                  <a:close/>
-                </a:path>
-              </a:pathLst>
-            </a:custGeom>
-            <a:solidFill>
-              <a:schemeClr val="accent3"/>
-            </a:solidFill>
-            <a:ln w="12700">
-              <a:miter lim="400000"/>
-            </a:ln>
-          </p:spPr>
-          <p:txBody>
-            <a:bodyPr lIns="38100" tIns="38100" rIns="38100" bIns="38100" anchor="ctr"/>
-            <a:lstStyle/>
-            <a:p>
-              <a:pPr>
-                <a:defRPr sz="3000">
-                  <a:solidFill>
-                    <a:srgbClr val="FFFFFF"/>
-                  </a:solidFill>
-                  <a:effectLst>
-                    <a:outerShdw blurRad="38100" dist="12700" dir="5400000" rotWithShape="0">
-                      <a:srgbClr val="000000">
-                        <a:alpha val="50000"/>
-                      </a:srgbClr>
-                    </a:outerShdw>
-                  </a:effectLst>
-                </a:defRPr>
-              </a:pPr>
-              <a:endParaRPr/>
-            </a:p>
-          </p:txBody>
-        </p:sp>
-        <p:sp>
-          <p:nvSpPr>
-            <p:cNvPr id="11" name="Shape">
-              <a:extLst>
-                <a:ext uri="{FF2B5EF4-FFF2-40B4-BE49-F238E27FC236}">
-                  <a16:creationId xmlns:a16="http://schemas.microsoft.com/office/drawing/2014/main" id="{C90BBA63-DD83-0B48-9978-7E03F4CBCB58}"/>
-                </a:ext>
-              </a:extLst>
-            </p:cNvPr>
-            <p:cNvSpPr/>
-            <p:nvPr userDrawn="1"/>
-          </p:nvSpPr>
-          <p:spPr>
-            <a:xfrm>
-              <a:off x="1944118" y="5840730"/>
-              <a:ext cx="103773" cy="57694"/>
-            </a:xfrm>
-            <a:custGeom>
-              <a:avLst/>
-              <a:gdLst/>
-              <a:ahLst/>
-              <a:cxnLst>
-                <a:cxn ang="0">
-                  <a:pos x="wd2" y="hd2"/>
-                </a:cxn>
-                <a:cxn ang="5400000">
-                  <a:pos x="wd2" y="hd2"/>
-                </a:cxn>
-                <a:cxn ang="10800000">
-                  <a:pos x="wd2" y="hd2"/>
-                </a:cxn>
-                <a:cxn ang="16200000">
-                  <a:pos x="wd2" y="hd2"/>
-                </a:cxn>
-              </a:cxnLst>
-              <a:rect l="0" t="0" r="r" b="b"/>
-              <a:pathLst>
-                <a:path w="21600" h="21600" extrusionOk="0">
-                  <a:moveTo>
-                    <a:pt x="15451" y="2174"/>
-                  </a:moveTo>
-                  <a:cubicBezTo>
-                    <a:pt x="15451" y="6787"/>
-                    <a:pt x="13365" y="10540"/>
-                    <a:pt x="10800" y="10540"/>
-                  </a:cubicBezTo>
-                  <a:cubicBezTo>
-                    <a:pt x="8235" y="10540"/>
-                    <a:pt x="6149" y="6787"/>
-                    <a:pt x="6149" y="2174"/>
-                  </a:cubicBezTo>
-                  <a:lnTo>
-                    <a:pt x="6149" y="0"/>
-                  </a:lnTo>
-                  <a:lnTo>
-                    <a:pt x="0" y="0"/>
-                  </a:lnTo>
-                  <a:lnTo>
-                    <a:pt x="0" y="2174"/>
-                  </a:lnTo>
-                  <a:cubicBezTo>
-                    <a:pt x="0" y="12886"/>
-                    <a:pt x="4845" y="21600"/>
-                    <a:pt x="10800" y="21600"/>
-                  </a:cubicBezTo>
-                  <a:cubicBezTo>
-                    <a:pt x="16755" y="21600"/>
-                    <a:pt x="21600" y="12886"/>
-                    <a:pt x="21600" y="2174"/>
-                  </a:cubicBezTo>
-                  <a:lnTo>
-                    <a:pt x="21600" y="0"/>
-                  </a:lnTo>
-                  <a:lnTo>
-                    <a:pt x="15451" y="0"/>
-                  </a:lnTo>
-                  <a:cubicBezTo>
-                    <a:pt x="15451" y="0"/>
-                    <a:pt x="15451" y="2174"/>
-                    <a:pt x="15451" y="2174"/>
-                  </a:cubicBezTo>
-                  <a:close/>
-                </a:path>
-              </a:pathLst>
-            </a:custGeom>
-            <a:solidFill>
-              <a:schemeClr val="accent3"/>
-            </a:solidFill>
-            <a:ln w="12700">
-              <a:miter lim="400000"/>
-            </a:ln>
-          </p:spPr>
-          <p:txBody>
-            <a:bodyPr lIns="38100" tIns="38100" rIns="38100" bIns="38100" anchor="ctr"/>
-            <a:lstStyle/>
-            <a:p>
-              <a:pPr>
-                <a:defRPr sz="3000">
-                  <a:solidFill>
-                    <a:srgbClr val="FFFFFF"/>
-                  </a:solidFill>
-                  <a:effectLst>
-                    <a:outerShdw blurRad="38100" dist="12700" dir="5400000" rotWithShape="0">
-                      <a:srgbClr val="000000">
-                        <a:alpha val="50000"/>
-                      </a:srgbClr>
-                    </a:outerShdw>
-                  </a:effectLst>
-                </a:defRPr>
-              </a:pPr>
-              <a:endParaRPr/>
-            </a:p>
-          </p:txBody>
-        </p:sp>
-        <p:sp>
-          <p:nvSpPr>
-            <p:cNvPr id="12" name="Shape">
-              <a:extLst>
-                <a:ext uri="{FF2B5EF4-FFF2-40B4-BE49-F238E27FC236}">
-                  <a16:creationId xmlns:a16="http://schemas.microsoft.com/office/drawing/2014/main" id="{12DDF70E-76E8-BC48-8899-4A05678668E4}"/>
-                </a:ext>
-              </a:extLst>
-            </p:cNvPr>
-            <p:cNvSpPr/>
-            <p:nvPr userDrawn="1"/>
-          </p:nvSpPr>
-          <p:spPr>
-            <a:xfrm>
-              <a:off x="1885036" y="5446059"/>
-              <a:ext cx="221938" cy="116778"/>
-            </a:xfrm>
-            <a:custGeom>
-              <a:avLst/>
-              <a:gdLst/>
-              <a:ahLst/>
-              <a:cxnLst>
-                <a:cxn ang="0">
-                  <a:pos x="wd2" y="hd2"/>
-                </a:cxn>
-                <a:cxn ang="5400000">
-                  <a:pos x="wd2" y="hd2"/>
-                </a:cxn>
-                <a:cxn ang="10800000">
-                  <a:pos x="wd2" y="hd2"/>
-                </a:cxn>
-                <a:cxn ang="16200000">
-                  <a:pos x="wd2" y="hd2"/>
-                </a:cxn>
-              </a:cxnLst>
-              <a:rect l="0" t="0" r="r" b="b"/>
-              <a:pathLst>
-                <a:path w="21600" h="21600" extrusionOk="0">
-                  <a:moveTo>
-                    <a:pt x="2875" y="20525"/>
-                  </a:moveTo>
-                  <a:cubicBezTo>
-                    <a:pt x="2875" y="12221"/>
-                    <a:pt x="6430" y="5464"/>
-                    <a:pt x="10800" y="5464"/>
-                  </a:cubicBezTo>
-                  <a:cubicBezTo>
-                    <a:pt x="15170" y="5464"/>
-                    <a:pt x="18725" y="12221"/>
-                    <a:pt x="18725" y="20525"/>
-                  </a:cubicBezTo>
-                  <a:lnTo>
-                    <a:pt x="18725" y="21600"/>
-                  </a:lnTo>
-                  <a:lnTo>
-                    <a:pt x="21600" y="21600"/>
-                  </a:lnTo>
-                  <a:lnTo>
-                    <a:pt x="21600" y="20526"/>
-                  </a:lnTo>
-                  <a:cubicBezTo>
-                    <a:pt x="21600" y="9190"/>
-                    <a:pt x="16765" y="0"/>
-                    <a:pt x="10800" y="0"/>
-                  </a:cubicBezTo>
-                  <a:cubicBezTo>
-                    <a:pt x="4835" y="0"/>
-                    <a:pt x="0" y="9190"/>
-                    <a:pt x="0" y="20526"/>
-                  </a:cubicBezTo>
-                  <a:lnTo>
-                    <a:pt x="0" y="21600"/>
-                  </a:lnTo>
-                  <a:lnTo>
-                    <a:pt x="2875" y="21600"/>
-                  </a:lnTo>
-                  <a:cubicBezTo>
-                    <a:pt x="2875" y="21600"/>
-                    <a:pt x="2875" y="20525"/>
-                    <a:pt x="2875" y="20525"/>
-                  </a:cubicBezTo>
-                  <a:close/>
-                </a:path>
-              </a:pathLst>
-            </a:custGeom>
-            <a:solidFill>
-              <a:schemeClr val="accent6"/>
-            </a:solidFill>
-            <a:ln w="12700">
-              <a:miter lim="400000"/>
-            </a:ln>
-          </p:spPr>
-          <p:txBody>
-            <a:bodyPr lIns="38100" tIns="38100" rIns="38100" bIns="38100" anchor="ctr"/>
-            <a:lstStyle/>
-            <a:p>
-              <a:pPr>
-                <a:defRPr sz="3000">
-                  <a:solidFill>
-                    <a:srgbClr val="FFFFFF"/>
-                  </a:solidFill>
-                  <a:effectLst>
-                    <a:outerShdw blurRad="38100" dist="12700" dir="5400000" rotWithShape="0">
-                      <a:srgbClr val="000000">
-                        <a:alpha val="50000"/>
-                      </a:srgbClr>
-                    </a:outerShdw>
-                  </a:effectLst>
-                </a:defRPr>
-              </a:pPr>
-              <a:endParaRPr/>
-            </a:p>
-          </p:txBody>
-        </p:sp>
-        <p:sp>
-          <p:nvSpPr>
-            <p:cNvPr id="13" name="Shape">
-              <a:extLst>
-                <a:ext uri="{FF2B5EF4-FFF2-40B4-BE49-F238E27FC236}">
-                  <a16:creationId xmlns:a16="http://schemas.microsoft.com/office/drawing/2014/main" id="{D0782FF0-04AD-4B4A-B419-2DD41623611C}"/>
-                </a:ext>
-              </a:extLst>
-            </p:cNvPr>
-            <p:cNvSpPr/>
-            <p:nvPr userDrawn="1"/>
-          </p:nvSpPr>
-          <p:spPr>
-            <a:xfrm>
-              <a:off x="1885036" y="5840730"/>
-              <a:ext cx="221938" cy="116777"/>
-            </a:xfrm>
-            <a:custGeom>
-              <a:avLst/>
-              <a:gdLst/>
-              <a:ahLst/>
-              <a:cxnLst>
-                <a:cxn ang="0">
-                  <a:pos x="wd2" y="hd2"/>
-                </a:cxn>
-                <a:cxn ang="5400000">
-                  <a:pos x="wd2" y="hd2"/>
-                </a:cxn>
-                <a:cxn ang="10800000">
-                  <a:pos x="wd2" y="hd2"/>
-                </a:cxn>
-                <a:cxn ang="16200000">
-                  <a:pos x="wd2" y="hd2"/>
-                </a:cxn>
-              </a:cxnLst>
-              <a:rect l="0" t="0" r="r" b="b"/>
-              <a:pathLst>
-                <a:path w="21600" h="21600" extrusionOk="0">
-                  <a:moveTo>
-                    <a:pt x="18725" y="1074"/>
-                  </a:moveTo>
-                  <a:cubicBezTo>
-                    <a:pt x="18725" y="9379"/>
-                    <a:pt x="15170" y="16136"/>
-                    <a:pt x="10800" y="16136"/>
-                  </a:cubicBezTo>
-                  <a:cubicBezTo>
-                    <a:pt x="6430" y="16136"/>
-                    <a:pt x="2875" y="9379"/>
-                    <a:pt x="2875" y="1074"/>
-                  </a:cubicBezTo>
-                  <a:lnTo>
-                    <a:pt x="2875" y="0"/>
-                  </a:lnTo>
-                  <a:lnTo>
-                    <a:pt x="0" y="0"/>
-                  </a:lnTo>
-                  <a:lnTo>
-                    <a:pt x="0" y="1074"/>
-                  </a:lnTo>
-                  <a:cubicBezTo>
-                    <a:pt x="0" y="12410"/>
-                    <a:pt x="4835" y="21600"/>
-                    <a:pt x="10800" y="21600"/>
-                  </a:cubicBezTo>
-                  <a:cubicBezTo>
-                    <a:pt x="16765" y="21600"/>
-                    <a:pt x="21600" y="12410"/>
-                    <a:pt x="21600" y="1074"/>
-                  </a:cubicBezTo>
-                  <a:lnTo>
-                    <a:pt x="21600" y="0"/>
-                  </a:lnTo>
-                  <a:lnTo>
-                    <a:pt x="18725" y="0"/>
-                  </a:lnTo>
-                  <a:cubicBezTo>
-                    <a:pt x="18725" y="0"/>
-                    <a:pt x="18725" y="1074"/>
-                    <a:pt x="18725" y="1074"/>
-                  </a:cubicBezTo>
-                  <a:close/>
-                </a:path>
-              </a:pathLst>
-            </a:custGeom>
-            <a:solidFill>
-              <a:schemeClr val="accent6"/>
-            </a:solidFill>
-            <a:ln w="12700">
-              <a:miter lim="400000"/>
-            </a:ln>
-          </p:spPr>
-          <p:txBody>
-            <a:bodyPr lIns="38100" tIns="38100" rIns="38100" bIns="38100" anchor="ctr"/>
-            <a:lstStyle/>
-            <a:p>
-              <a:pPr>
-                <a:defRPr sz="3000">
-                  <a:solidFill>
-                    <a:srgbClr val="FFFFFF"/>
-                  </a:solidFill>
-                  <a:effectLst>
-                    <a:outerShdw blurRad="38100" dist="12700" dir="5400000" rotWithShape="0">
-                      <a:srgbClr val="000000">
-                        <a:alpha val="50000"/>
-                      </a:srgbClr>
-                    </a:outerShdw>
-                  </a:effectLst>
-                </a:defRPr>
-              </a:pPr>
-              <a:endParaRPr/>
-            </a:p>
-          </p:txBody>
-        </p:sp>
-        <p:sp>
-          <p:nvSpPr>
-            <p:cNvPr id="18" name="POWERPOINT TEMPLATE">
-              <a:extLst>
-                <a:ext uri="{FF2B5EF4-FFF2-40B4-BE49-F238E27FC236}">
-                  <a16:creationId xmlns:a16="http://schemas.microsoft.com/office/drawing/2014/main" id="{06295E2A-3E41-9B4F-A15C-7403DA4D8615}"/>
-                </a:ext>
-              </a:extLst>
-            </p:cNvPr>
-            <p:cNvSpPr/>
-            <p:nvPr userDrawn="1"/>
-          </p:nvSpPr>
-          <p:spPr>
-            <a:xfrm>
-              <a:off x="1832720" y="5510100"/>
-              <a:ext cx="5887702" cy="384721"/>
-            </a:xfrm>
-            <a:prstGeom prst="rect">
-              <a:avLst/>
-            </a:prstGeom>
-            <a:ln w="12700">
-              <a:miter lim="400000"/>
-            </a:ln>
-            <a:extLst>
-              <a:ext uri="{C572A759-6A51-4108-AA02-DFA0A04FC94B}">
-                <ma14:wrappingTextBoxFlag xmlns:ma14="http://schemas.microsoft.com/office/mac/drawingml/2011/main" xmlns:a14="http://schemas.microsoft.com/office/drawing/2010/main" xmlns:m="http://schemas.openxmlformats.org/officeDocument/2006/math" xmlns="" val="1"/>
-              </a:ext>
-            </a:extLst>
-          </p:spPr>
-          <p:txBody>
-            <a:bodyPr wrap="none" lIns="38100" tIns="38100" rIns="38100" bIns="38100" anchor="ctr">
-              <a:spAutoFit/>
-            </a:bodyPr>
-            <a:lstStyle>
-              <a:lvl1pPr>
-                <a:lnSpc>
-                  <a:spcPts val="4500"/>
-                </a:lnSpc>
-                <a:tabLst>
-                  <a:tab pos="1066800" algn="l"/>
-                </a:tabLst>
-                <a:defRPr sz="3821">
-                  <a:latin typeface="Arial"/>
-                  <a:ea typeface="Arial"/>
-                  <a:cs typeface="Arial"/>
-                  <a:sym typeface="Arial"/>
-                </a:defRPr>
-              </a:lvl1pPr>
-            </a:lstStyle>
-            <a:p>
-              <a:pPr algn="l">
-                <a:lnSpc>
-                  <a:spcPct val="100000"/>
-                </a:lnSpc>
-              </a:pPr>
-              <a:r>
-                <a:rPr lang="zh-CN" altLang="en-US" sz="2000" dirty="0">
-                  <a:solidFill>
-                    <a:schemeClr val="tx2"/>
-                  </a:solidFill>
-                </a:rPr>
-                <a:t>基于</a:t>
-              </a:r>
-              <a:r>
-                <a:rPr lang="en-US" sz="2000" dirty="0">
-                  <a:solidFill>
-                    <a:schemeClr val="accent3"/>
-                  </a:solidFill>
-                  <a:latin typeface="Arial Black" panose="020B0604020202020204" pitchFamily="34" charset="0"/>
-                  <a:cs typeface="Arial Black" panose="020B0604020202020204" pitchFamily="34" charset="0"/>
-                </a:rPr>
-                <a:t>V</a:t>
-              </a:r>
-              <a:r>
-                <a:rPr lang="en-US" altLang="zh-CN" sz="2000" dirty="0">
-                  <a:solidFill>
-                    <a:schemeClr val="accent3"/>
-                  </a:solidFill>
-                  <a:latin typeface="Arial Black" panose="020B0604020202020204" pitchFamily="34" charset="0"/>
-                  <a:cs typeface="Arial Black" panose="020B0604020202020204" pitchFamily="34" charset="0"/>
-                </a:rPr>
-                <a:t>isual Texture Exchange</a:t>
-              </a:r>
-              <a:r>
-                <a:rPr lang="zh-CN" altLang="en-US" sz="2000" dirty="0">
-                  <a:solidFill>
-                    <a:schemeClr val="tx2"/>
-                  </a:solidFill>
-                </a:rPr>
-                <a:t>的文本交互系</a:t>
-              </a:r>
-              <a:r>
-                <a:rPr lang="zh-CN" altLang="en-US" sz="2000" b="0" dirty="0">
-                  <a:solidFill>
-                    <a:schemeClr val="tx2"/>
-                  </a:solidFill>
-                </a:rPr>
-                <a:t>统</a:t>
-              </a:r>
-              <a:endParaRPr lang="en-US" sz="2000" b="0" spc="170" dirty="0">
-                <a:solidFill>
-                  <a:schemeClr val="accent3"/>
-                </a:solidFill>
-              </a:endParaRPr>
-            </a:p>
-          </p:txBody>
-        </p:sp>
-      </p:grpSp>
       <p:cxnSp>
         <p:nvCxnSpPr>
           <p:cNvPr id="23" name="Straight Connector 22">
@@ -6079,6 +5434,582 @@
           </a:p>
         </p:txBody>
       </p:sp>
+      <p:grpSp>
+        <p:nvGrpSpPr>
+          <p:cNvPr id="3" name="Group 19">
+            <a:extLst>
+              <a:ext uri="{FF2B5EF4-FFF2-40B4-BE49-F238E27FC236}">
+                <a16:creationId xmlns:a16="http://schemas.microsoft.com/office/drawing/2014/main" id="{1C778A8F-CBBF-1AF8-9CF7-54AF65BFA260}"/>
+              </a:ext>
+            </a:extLst>
+          </p:cNvPr>
+          <p:cNvGrpSpPr/>
+          <p:nvPr userDrawn="1"/>
+        </p:nvGrpSpPr>
+        <p:grpSpPr>
+          <a:xfrm>
+            <a:off x="494469" y="6247857"/>
+            <a:ext cx="5887702" cy="511448"/>
+            <a:chOff x="1832720" y="5446059"/>
+            <a:chExt cx="5887702" cy="511448"/>
+          </a:xfrm>
+        </p:grpSpPr>
+        <p:sp>
+          <p:nvSpPr>
+            <p:cNvPr id="7" name="Shape">
+              <a:extLst>
+                <a:ext uri="{FF2B5EF4-FFF2-40B4-BE49-F238E27FC236}">
+                  <a16:creationId xmlns:a16="http://schemas.microsoft.com/office/drawing/2014/main" id="{0AC0896B-49E2-1D67-9BFF-B6D00F55D42F}"/>
+                </a:ext>
+              </a:extLst>
+            </p:cNvPr>
+            <p:cNvSpPr/>
+            <p:nvPr userDrawn="1"/>
+          </p:nvSpPr>
+          <p:spPr>
+            <a:xfrm>
+              <a:off x="1944118" y="5505141"/>
+              <a:ext cx="103773" cy="57696"/>
+            </a:xfrm>
+            <a:custGeom>
+              <a:avLst/>
+              <a:gdLst/>
+              <a:ahLst/>
+              <a:cxnLst>
+                <a:cxn ang="0">
+                  <a:pos x="wd2" y="hd2"/>
+                </a:cxn>
+                <a:cxn ang="5400000">
+                  <a:pos x="wd2" y="hd2"/>
+                </a:cxn>
+                <a:cxn ang="10800000">
+                  <a:pos x="wd2" y="hd2"/>
+                </a:cxn>
+                <a:cxn ang="16200000">
+                  <a:pos x="wd2" y="hd2"/>
+                </a:cxn>
+              </a:cxnLst>
+              <a:rect l="0" t="0" r="r" b="b"/>
+              <a:pathLst>
+                <a:path w="21600" h="21600" extrusionOk="0">
+                  <a:moveTo>
+                    <a:pt x="6149" y="19425"/>
+                  </a:moveTo>
+                  <a:cubicBezTo>
+                    <a:pt x="6149" y="14812"/>
+                    <a:pt x="8235" y="11059"/>
+                    <a:pt x="10800" y="11059"/>
+                  </a:cubicBezTo>
+                  <a:cubicBezTo>
+                    <a:pt x="13365" y="11059"/>
+                    <a:pt x="15451" y="14812"/>
+                    <a:pt x="15451" y="19425"/>
+                  </a:cubicBezTo>
+                  <a:lnTo>
+                    <a:pt x="15451" y="21600"/>
+                  </a:lnTo>
+                  <a:lnTo>
+                    <a:pt x="21600" y="21600"/>
+                  </a:lnTo>
+                  <a:lnTo>
+                    <a:pt x="21600" y="19425"/>
+                  </a:lnTo>
+                  <a:cubicBezTo>
+                    <a:pt x="21600" y="8714"/>
+                    <a:pt x="16755" y="0"/>
+                    <a:pt x="10800" y="0"/>
+                  </a:cubicBezTo>
+                  <a:cubicBezTo>
+                    <a:pt x="4845" y="0"/>
+                    <a:pt x="0" y="8714"/>
+                    <a:pt x="0" y="19425"/>
+                  </a:cubicBezTo>
+                  <a:lnTo>
+                    <a:pt x="0" y="21600"/>
+                  </a:lnTo>
+                  <a:lnTo>
+                    <a:pt x="6149" y="21600"/>
+                  </a:lnTo>
+                  <a:cubicBezTo>
+                    <a:pt x="6149" y="21600"/>
+                    <a:pt x="6149" y="19425"/>
+                    <a:pt x="6149" y="19425"/>
+                  </a:cubicBezTo>
+                  <a:close/>
+                </a:path>
+              </a:pathLst>
+            </a:custGeom>
+            <a:solidFill>
+              <a:schemeClr val="accent3"/>
+            </a:solidFill>
+            <a:ln w="12700">
+              <a:miter lim="400000"/>
+            </a:ln>
+          </p:spPr>
+          <p:txBody>
+            <a:bodyPr lIns="38100" tIns="38100" rIns="38100" bIns="38100" anchor="ctr"/>
+            <a:lstStyle/>
+            <a:p>
+              <a:pPr>
+                <a:defRPr sz="3000">
+                  <a:solidFill>
+                    <a:srgbClr val="FFFFFF"/>
+                  </a:solidFill>
+                  <a:effectLst>
+                    <a:outerShdw blurRad="38100" dist="12700" dir="5400000" rotWithShape="0">
+                      <a:srgbClr val="000000">
+                        <a:alpha val="50000"/>
+                      </a:srgbClr>
+                    </a:outerShdw>
+                  </a:effectLst>
+                </a:defRPr>
+              </a:pPr>
+              <a:endParaRPr/>
+            </a:p>
+          </p:txBody>
+        </p:sp>
+        <p:sp>
+          <p:nvSpPr>
+            <p:cNvPr id="8" name="Shape">
+              <a:extLst>
+                <a:ext uri="{FF2B5EF4-FFF2-40B4-BE49-F238E27FC236}">
+                  <a16:creationId xmlns:a16="http://schemas.microsoft.com/office/drawing/2014/main" id="{0281A48E-CFC7-9887-9EBB-45B62FAFD40C}"/>
+                </a:ext>
+              </a:extLst>
+            </p:cNvPr>
+            <p:cNvSpPr/>
+            <p:nvPr userDrawn="1"/>
+          </p:nvSpPr>
+          <p:spPr>
+            <a:xfrm>
+              <a:off x="1944118" y="5840730"/>
+              <a:ext cx="103773" cy="57694"/>
+            </a:xfrm>
+            <a:custGeom>
+              <a:avLst/>
+              <a:gdLst/>
+              <a:ahLst/>
+              <a:cxnLst>
+                <a:cxn ang="0">
+                  <a:pos x="wd2" y="hd2"/>
+                </a:cxn>
+                <a:cxn ang="5400000">
+                  <a:pos x="wd2" y="hd2"/>
+                </a:cxn>
+                <a:cxn ang="10800000">
+                  <a:pos x="wd2" y="hd2"/>
+                </a:cxn>
+                <a:cxn ang="16200000">
+                  <a:pos x="wd2" y="hd2"/>
+                </a:cxn>
+              </a:cxnLst>
+              <a:rect l="0" t="0" r="r" b="b"/>
+              <a:pathLst>
+                <a:path w="21600" h="21600" extrusionOk="0">
+                  <a:moveTo>
+                    <a:pt x="15451" y="2174"/>
+                  </a:moveTo>
+                  <a:cubicBezTo>
+                    <a:pt x="15451" y="6787"/>
+                    <a:pt x="13365" y="10540"/>
+                    <a:pt x="10800" y="10540"/>
+                  </a:cubicBezTo>
+                  <a:cubicBezTo>
+                    <a:pt x="8235" y="10540"/>
+                    <a:pt x="6149" y="6787"/>
+                    <a:pt x="6149" y="2174"/>
+                  </a:cubicBezTo>
+                  <a:lnTo>
+                    <a:pt x="6149" y="0"/>
+                  </a:lnTo>
+                  <a:lnTo>
+                    <a:pt x="0" y="0"/>
+                  </a:lnTo>
+                  <a:lnTo>
+                    <a:pt x="0" y="2174"/>
+                  </a:lnTo>
+                  <a:cubicBezTo>
+                    <a:pt x="0" y="12886"/>
+                    <a:pt x="4845" y="21600"/>
+                    <a:pt x="10800" y="21600"/>
+                  </a:cubicBezTo>
+                  <a:cubicBezTo>
+                    <a:pt x="16755" y="21600"/>
+                    <a:pt x="21600" y="12886"/>
+                    <a:pt x="21600" y="2174"/>
+                  </a:cubicBezTo>
+                  <a:lnTo>
+                    <a:pt x="21600" y="0"/>
+                  </a:lnTo>
+                  <a:lnTo>
+                    <a:pt x="15451" y="0"/>
+                  </a:lnTo>
+                  <a:cubicBezTo>
+                    <a:pt x="15451" y="0"/>
+                    <a:pt x="15451" y="2174"/>
+                    <a:pt x="15451" y="2174"/>
+                  </a:cubicBezTo>
+                  <a:close/>
+                </a:path>
+              </a:pathLst>
+            </a:custGeom>
+            <a:solidFill>
+              <a:schemeClr val="accent3"/>
+            </a:solidFill>
+            <a:ln w="12700">
+              <a:miter lim="400000"/>
+            </a:ln>
+          </p:spPr>
+          <p:txBody>
+            <a:bodyPr lIns="38100" tIns="38100" rIns="38100" bIns="38100" anchor="ctr"/>
+            <a:lstStyle/>
+            <a:p>
+              <a:pPr>
+                <a:defRPr sz="3000">
+                  <a:solidFill>
+                    <a:srgbClr val="FFFFFF"/>
+                  </a:solidFill>
+                  <a:effectLst>
+                    <a:outerShdw blurRad="38100" dist="12700" dir="5400000" rotWithShape="0">
+                      <a:srgbClr val="000000">
+                        <a:alpha val="50000"/>
+                      </a:srgbClr>
+                    </a:outerShdw>
+                  </a:effectLst>
+                </a:defRPr>
+              </a:pPr>
+              <a:endParaRPr/>
+            </a:p>
+          </p:txBody>
+        </p:sp>
+        <p:sp>
+          <p:nvSpPr>
+            <p:cNvPr id="9" name="Shape">
+              <a:extLst>
+                <a:ext uri="{FF2B5EF4-FFF2-40B4-BE49-F238E27FC236}">
+                  <a16:creationId xmlns:a16="http://schemas.microsoft.com/office/drawing/2014/main" id="{27609B78-5279-2471-EB07-4E871F66604B}"/>
+                </a:ext>
+              </a:extLst>
+            </p:cNvPr>
+            <p:cNvSpPr/>
+            <p:nvPr userDrawn="1"/>
+          </p:nvSpPr>
+          <p:spPr>
+            <a:xfrm>
+              <a:off x="1885036" y="5446059"/>
+              <a:ext cx="221938" cy="116778"/>
+            </a:xfrm>
+            <a:custGeom>
+              <a:avLst/>
+              <a:gdLst/>
+              <a:ahLst/>
+              <a:cxnLst>
+                <a:cxn ang="0">
+                  <a:pos x="wd2" y="hd2"/>
+                </a:cxn>
+                <a:cxn ang="5400000">
+                  <a:pos x="wd2" y="hd2"/>
+                </a:cxn>
+                <a:cxn ang="10800000">
+                  <a:pos x="wd2" y="hd2"/>
+                </a:cxn>
+                <a:cxn ang="16200000">
+                  <a:pos x="wd2" y="hd2"/>
+                </a:cxn>
+              </a:cxnLst>
+              <a:rect l="0" t="0" r="r" b="b"/>
+              <a:pathLst>
+                <a:path w="21600" h="21600" extrusionOk="0">
+                  <a:moveTo>
+                    <a:pt x="2875" y="20525"/>
+                  </a:moveTo>
+                  <a:cubicBezTo>
+                    <a:pt x="2875" y="12221"/>
+                    <a:pt x="6430" y="5464"/>
+                    <a:pt x="10800" y="5464"/>
+                  </a:cubicBezTo>
+                  <a:cubicBezTo>
+                    <a:pt x="15170" y="5464"/>
+                    <a:pt x="18725" y="12221"/>
+                    <a:pt x="18725" y="20525"/>
+                  </a:cubicBezTo>
+                  <a:lnTo>
+                    <a:pt x="18725" y="21600"/>
+                  </a:lnTo>
+                  <a:lnTo>
+                    <a:pt x="21600" y="21600"/>
+                  </a:lnTo>
+                  <a:lnTo>
+                    <a:pt x="21600" y="20526"/>
+                  </a:lnTo>
+                  <a:cubicBezTo>
+                    <a:pt x="21600" y="9190"/>
+                    <a:pt x="16765" y="0"/>
+                    <a:pt x="10800" y="0"/>
+                  </a:cubicBezTo>
+                  <a:cubicBezTo>
+                    <a:pt x="4835" y="0"/>
+                    <a:pt x="0" y="9190"/>
+                    <a:pt x="0" y="20526"/>
+                  </a:cubicBezTo>
+                  <a:lnTo>
+                    <a:pt x="0" y="21600"/>
+                  </a:lnTo>
+                  <a:lnTo>
+                    <a:pt x="2875" y="21600"/>
+                  </a:lnTo>
+                  <a:cubicBezTo>
+                    <a:pt x="2875" y="21600"/>
+                    <a:pt x="2875" y="20525"/>
+                    <a:pt x="2875" y="20525"/>
+                  </a:cubicBezTo>
+                  <a:close/>
+                </a:path>
+              </a:pathLst>
+            </a:custGeom>
+            <a:solidFill>
+              <a:schemeClr val="accent6"/>
+            </a:solidFill>
+            <a:ln w="12700">
+              <a:miter lim="400000"/>
+            </a:ln>
+          </p:spPr>
+          <p:txBody>
+            <a:bodyPr lIns="38100" tIns="38100" rIns="38100" bIns="38100" anchor="ctr"/>
+            <a:lstStyle/>
+            <a:p>
+              <a:pPr>
+                <a:defRPr sz="3000">
+                  <a:solidFill>
+                    <a:srgbClr val="FFFFFF"/>
+                  </a:solidFill>
+                  <a:effectLst>
+                    <a:outerShdw blurRad="38100" dist="12700" dir="5400000" rotWithShape="0">
+                      <a:srgbClr val="000000">
+                        <a:alpha val="50000"/>
+                      </a:srgbClr>
+                    </a:outerShdw>
+                  </a:effectLst>
+                </a:defRPr>
+              </a:pPr>
+              <a:endParaRPr/>
+            </a:p>
+          </p:txBody>
+        </p:sp>
+        <p:sp>
+          <p:nvSpPr>
+            <p:cNvPr id="14" name="Shape">
+              <a:extLst>
+                <a:ext uri="{FF2B5EF4-FFF2-40B4-BE49-F238E27FC236}">
+                  <a16:creationId xmlns:a16="http://schemas.microsoft.com/office/drawing/2014/main" id="{DC466882-4B5C-B651-3200-02F86DBCD2CE}"/>
+                </a:ext>
+              </a:extLst>
+            </p:cNvPr>
+            <p:cNvSpPr/>
+            <p:nvPr userDrawn="1"/>
+          </p:nvSpPr>
+          <p:spPr>
+            <a:xfrm>
+              <a:off x="1885036" y="5840730"/>
+              <a:ext cx="221938" cy="116777"/>
+            </a:xfrm>
+            <a:custGeom>
+              <a:avLst/>
+              <a:gdLst/>
+              <a:ahLst/>
+              <a:cxnLst>
+                <a:cxn ang="0">
+                  <a:pos x="wd2" y="hd2"/>
+                </a:cxn>
+                <a:cxn ang="5400000">
+                  <a:pos x="wd2" y="hd2"/>
+                </a:cxn>
+                <a:cxn ang="10800000">
+                  <a:pos x="wd2" y="hd2"/>
+                </a:cxn>
+                <a:cxn ang="16200000">
+                  <a:pos x="wd2" y="hd2"/>
+                </a:cxn>
+              </a:cxnLst>
+              <a:rect l="0" t="0" r="r" b="b"/>
+              <a:pathLst>
+                <a:path w="21600" h="21600" extrusionOk="0">
+                  <a:moveTo>
+                    <a:pt x="18725" y="1074"/>
+                  </a:moveTo>
+                  <a:cubicBezTo>
+                    <a:pt x="18725" y="9379"/>
+                    <a:pt x="15170" y="16136"/>
+                    <a:pt x="10800" y="16136"/>
+                  </a:cubicBezTo>
+                  <a:cubicBezTo>
+                    <a:pt x="6430" y="16136"/>
+                    <a:pt x="2875" y="9379"/>
+                    <a:pt x="2875" y="1074"/>
+                  </a:cubicBezTo>
+                  <a:lnTo>
+                    <a:pt x="2875" y="0"/>
+                  </a:lnTo>
+                  <a:lnTo>
+                    <a:pt x="0" y="0"/>
+                  </a:lnTo>
+                  <a:lnTo>
+                    <a:pt x="0" y="1074"/>
+                  </a:lnTo>
+                  <a:cubicBezTo>
+                    <a:pt x="0" y="12410"/>
+                    <a:pt x="4835" y="21600"/>
+                    <a:pt x="10800" y="21600"/>
+                  </a:cubicBezTo>
+                  <a:cubicBezTo>
+                    <a:pt x="16765" y="21600"/>
+                    <a:pt x="21600" y="12410"/>
+                    <a:pt x="21600" y="1074"/>
+                  </a:cubicBezTo>
+                  <a:lnTo>
+                    <a:pt x="21600" y="0"/>
+                  </a:lnTo>
+                  <a:lnTo>
+                    <a:pt x="18725" y="0"/>
+                  </a:lnTo>
+                  <a:cubicBezTo>
+                    <a:pt x="18725" y="0"/>
+                    <a:pt x="18725" y="1074"/>
+                    <a:pt x="18725" y="1074"/>
+                  </a:cubicBezTo>
+                  <a:close/>
+                </a:path>
+              </a:pathLst>
+            </a:custGeom>
+            <a:solidFill>
+              <a:schemeClr val="accent6"/>
+            </a:solidFill>
+            <a:ln w="12700">
+              <a:miter lim="400000"/>
+            </a:ln>
+          </p:spPr>
+          <p:txBody>
+            <a:bodyPr lIns="38100" tIns="38100" rIns="38100" bIns="38100" anchor="ctr"/>
+            <a:lstStyle/>
+            <a:p>
+              <a:pPr>
+                <a:defRPr sz="3000">
+                  <a:solidFill>
+                    <a:srgbClr val="FFFFFF"/>
+                  </a:solidFill>
+                  <a:effectLst>
+                    <a:outerShdw blurRad="38100" dist="12700" dir="5400000" rotWithShape="0">
+                      <a:srgbClr val="000000">
+                        <a:alpha val="50000"/>
+                      </a:srgbClr>
+                    </a:outerShdw>
+                  </a:effectLst>
+                </a:defRPr>
+              </a:pPr>
+              <a:endParaRPr/>
+            </a:p>
+          </p:txBody>
+        </p:sp>
+        <p:sp>
+          <p:nvSpPr>
+            <p:cNvPr id="15" name="POWERPOINT TEMPLATE">
+              <a:extLst>
+                <a:ext uri="{FF2B5EF4-FFF2-40B4-BE49-F238E27FC236}">
+                  <a16:creationId xmlns:a16="http://schemas.microsoft.com/office/drawing/2014/main" id="{09EC4C43-6D0A-822F-1DC7-A2995859C2B6}"/>
+                </a:ext>
+              </a:extLst>
+            </p:cNvPr>
+            <p:cNvSpPr/>
+            <p:nvPr userDrawn="1"/>
+          </p:nvSpPr>
+          <p:spPr>
+            <a:xfrm>
+              <a:off x="1832720" y="5510100"/>
+              <a:ext cx="5887702" cy="384721"/>
+            </a:xfrm>
+            <a:prstGeom prst="rect">
+              <a:avLst/>
+            </a:prstGeom>
+            <a:ln w="12700">
+              <a:miter lim="400000"/>
+            </a:ln>
+            <a:extLst>
+              <a:ext uri="{C572A759-6A51-4108-AA02-DFA0A04FC94B}">
+                <ma14:wrappingTextBoxFlag xmlns:ma14="http://schemas.microsoft.com/office/mac/drawingml/2011/main" xmlns:a14="http://schemas.microsoft.com/office/drawing/2010/main" xmlns:m="http://schemas.openxmlformats.org/officeDocument/2006/math" xmlns="" val="1"/>
+              </a:ext>
+            </a:extLst>
+          </p:spPr>
+          <p:txBody>
+            <a:bodyPr wrap="none" lIns="38100" tIns="38100" rIns="38100" bIns="38100" anchor="ctr">
+              <a:spAutoFit/>
+            </a:bodyPr>
+            <a:lstStyle>
+              <a:lvl1pPr>
+                <a:lnSpc>
+                  <a:spcPts val="4500"/>
+                </a:lnSpc>
+                <a:tabLst>
+                  <a:tab pos="1066800" algn="l"/>
+                </a:tabLst>
+                <a:defRPr sz="3821">
+                  <a:latin typeface="Arial"/>
+                  <a:ea typeface="Arial"/>
+                  <a:cs typeface="Arial"/>
+                  <a:sym typeface="Arial"/>
+                </a:defRPr>
+              </a:lvl1pPr>
+            </a:lstStyle>
+            <a:p>
+              <a:pPr algn="l">
+                <a:lnSpc>
+                  <a:spcPct val="100000"/>
+                </a:lnSpc>
+              </a:pPr>
+              <a:r>
+                <a:rPr lang="zh-CN" altLang="en-US" sz="2000" b="1" dirty="0">
+                  <a:solidFill>
+                    <a:schemeClr val="tx2"/>
+                  </a:solidFill>
+                </a:rPr>
+                <a:t>基于</a:t>
+              </a:r>
+              <a:r>
+                <a:rPr lang="en-US" sz="2000" dirty="0">
+                  <a:solidFill>
+                    <a:schemeClr val="accent3"/>
+                  </a:solidFill>
+                  <a:latin typeface="Arial Black" panose="020B0604020202020204" pitchFamily="34" charset="0"/>
+                  <a:cs typeface="Arial Black" panose="020B0604020202020204" pitchFamily="34" charset="0"/>
+                </a:rPr>
+                <a:t>V</a:t>
+              </a:r>
+              <a:r>
+                <a:rPr lang="en-US" altLang="zh-CN" sz="2000" dirty="0">
+                  <a:solidFill>
+                    <a:schemeClr val="accent3"/>
+                  </a:solidFill>
+                  <a:latin typeface="Arial Black" panose="020B0604020202020204" pitchFamily="34" charset="0"/>
+                  <a:cs typeface="Arial Black" panose="020B0604020202020204" pitchFamily="34" charset="0"/>
+                </a:rPr>
+                <a:t>isual Texture Exchange</a:t>
+              </a:r>
+              <a:r>
+                <a:rPr lang="zh-CN" altLang="en-US" sz="2000" b="1" dirty="0">
+                  <a:solidFill>
+                    <a:schemeClr val="tx2"/>
+                  </a:solidFill>
+                </a:rPr>
+                <a:t>的文本交互系统</a:t>
+              </a:r>
+              <a:endParaRPr lang="en-US" sz="2000" b="1" spc="170" dirty="0">
+                <a:solidFill>
+                  <a:schemeClr val="accent3"/>
+                </a:solidFill>
+              </a:endParaRPr>
+            </a:p>
+          </p:txBody>
+        </p:sp>
+      </p:grpSp>
     </p:spTree>
     <p:extLst>
       <p:ext uri="{BB962C8B-B14F-4D97-AF65-F5344CB8AC3E}">
@@ -6483,590 +6414,6 @@
       </p:sp>
       <p:grpSp>
         <p:nvGrpSpPr>
-          <p:cNvPr id="3" name="Group 19">
-            <a:extLst>
-              <a:ext uri="{FF2B5EF4-FFF2-40B4-BE49-F238E27FC236}">
-                <a16:creationId xmlns:a16="http://schemas.microsoft.com/office/drawing/2014/main" id="{DA6A4493-30C4-39D1-9056-891FAA4EA4CA}"/>
-              </a:ext>
-            </a:extLst>
-          </p:cNvPr>
-          <p:cNvGrpSpPr/>
-          <p:nvPr userDrawn="1"/>
-        </p:nvGrpSpPr>
-        <p:grpSpPr>
-          <a:xfrm>
-            <a:off x="494469" y="6247857"/>
-            <a:ext cx="5887702" cy="511448"/>
-            <a:chOff x="1832720" y="5446059"/>
-            <a:chExt cx="5887702" cy="511448"/>
-          </a:xfrm>
-        </p:grpSpPr>
-        <p:sp>
-          <p:nvSpPr>
-            <p:cNvPr id="7" name="Shape">
-              <a:extLst>
-                <a:ext uri="{FF2B5EF4-FFF2-40B4-BE49-F238E27FC236}">
-                  <a16:creationId xmlns:a16="http://schemas.microsoft.com/office/drawing/2014/main" id="{E1811416-A01F-C9FA-A699-97EAFCE039C4}"/>
-                </a:ext>
-              </a:extLst>
-            </p:cNvPr>
-            <p:cNvSpPr/>
-            <p:nvPr userDrawn="1"/>
-          </p:nvSpPr>
-          <p:spPr>
-            <a:xfrm>
-              <a:off x="1944118" y="5505141"/>
-              <a:ext cx="103773" cy="57696"/>
-            </a:xfrm>
-            <a:custGeom>
-              <a:avLst/>
-              <a:gdLst/>
-              <a:ahLst/>
-              <a:cxnLst>
-                <a:cxn ang="0">
-                  <a:pos x="wd2" y="hd2"/>
-                </a:cxn>
-                <a:cxn ang="5400000">
-                  <a:pos x="wd2" y="hd2"/>
-                </a:cxn>
-                <a:cxn ang="10800000">
-                  <a:pos x="wd2" y="hd2"/>
-                </a:cxn>
-                <a:cxn ang="16200000">
-                  <a:pos x="wd2" y="hd2"/>
-                </a:cxn>
-              </a:cxnLst>
-              <a:rect l="0" t="0" r="r" b="b"/>
-              <a:pathLst>
-                <a:path w="21600" h="21600" extrusionOk="0">
-                  <a:moveTo>
-                    <a:pt x="6149" y="19425"/>
-                  </a:moveTo>
-                  <a:cubicBezTo>
-                    <a:pt x="6149" y="14812"/>
-                    <a:pt x="8235" y="11059"/>
-                    <a:pt x="10800" y="11059"/>
-                  </a:cubicBezTo>
-                  <a:cubicBezTo>
-                    <a:pt x="13365" y="11059"/>
-                    <a:pt x="15451" y="14812"/>
-                    <a:pt x="15451" y="19425"/>
-                  </a:cubicBezTo>
-                  <a:lnTo>
-                    <a:pt x="15451" y="21600"/>
-                  </a:lnTo>
-                  <a:lnTo>
-                    <a:pt x="21600" y="21600"/>
-                  </a:lnTo>
-                  <a:lnTo>
-                    <a:pt x="21600" y="19425"/>
-                  </a:lnTo>
-                  <a:cubicBezTo>
-                    <a:pt x="21600" y="8714"/>
-                    <a:pt x="16755" y="0"/>
-                    <a:pt x="10800" y="0"/>
-                  </a:cubicBezTo>
-                  <a:cubicBezTo>
-                    <a:pt x="4845" y="0"/>
-                    <a:pt x="0" y="8714"/>
-                    <a:pt x="0" y="19425"/>
-                  </a:cubicBezTo>
-                  <a:lnTo>
-                    <a:pt x="0" y="21600"/>
-                  </a:lnTo>
-                  <a:lnTo>
-                    <a:pt x="6149" y="21600"/>
-                  </a:lnTo>
-                  <a:cubicBezTo>
-                    <a:pt x="6149" y="21600"/>
-                    <a:pt x="6149" y="19425"/>
-                    <a:pt x="6149" y="19425"/>
-                  </a:cubicBezTo>
-                  <a:close/>
-                </a:path>
-              </a:pathLst>
-            </a:custGeom>
-            <a:solidFill>
-              <a:schemeClr val="accent3"/>
-            </a:solidFill>
-            <a:ln w="12700">
-              <a:miter lim="400000"/>
-            </a:ln>
-          </p:spPr>
-          <p:txBody>
-            <a:bodyPr lIns="38100" tIns="38100" rIns="38100" bIns="38100" anchor="ctr"/>
-            <a:lstStyle/>
-            <a:p>
-              <a:pPr>
-                <a:defRPr sz="3000">
-                  <a:solidFill>
-                    <a:srgbClr val="FFFFFF"/>
-                  </a:solidFill>
-                  <a:effectLst>
-                    <a:outerShdw blurRad="38100" dist="12700" dir="5400000" rotWithShape="0">
-                      <a:srgbClr val="000000">
-                        <a:alpha val="50000"/>
-                      </a:srgbClr>
-                    </a:outerShdw>
-                  </a:effectLst>
-                </a:defRPr>
-              </a:pPr>
-              <a:endParaRPr/>
-            </a:p>
-          </p:txBody>
-        </p:sp>
-        <p:sp>
-          <p:nvSpPr>
-            <p:cNvPr id="8" name="Shape">
-              <a:extLst>
-                <a:ext uri="{FF2B5EF4-FFF2-40B4-BE49-F238E27FC236}">
-                  <a16:creationId xmlns:a16="http://schemas.microsoft.com/office/drawing/2014/main" id="{F87ED7B6-91CE-46E0-3B0C-029ABFCDF720}"/>
-                </a:ext>
-              </a:extLst>
-            </p:cNvPr>
-            <p:cNvSpPr/>
-            <p:nvPr userDrawn="1"/>
-          </p:nvSpPr>
-          <p:spPr>
-            <a:xfrm>
-              <a:off x="1944118" y="5840730"/>
-              <a:ext cx="103773" cy="57694"/>
-            </a:xfrm>
-            <a:custGeom>
-              <a:avLst/>
-              <a:gdLst/>
-              <a:ahLst/>
-              <a:cxnLst>
-                <a:cxn ang="0">
-                  <a:pos x="wd2" y="hd2"/>
-                </a:cxn>
-                <a:cxn ang="5400000">
-                  <a:pos x="wd2" y="hd2"/>
-                </a:cxn>
-                <a:cxn ang="10800000">
-                  <a:pos x="wd2" y="hd2"/>
-                </a:cxn>
-                <a:cxn ang="16200000">
-                  <a:pos x="wd2" y="hd2"/>
-                </a:cxn>
-              </a:cxnLst>
-              <a:rect l="0" t="0" r="r" b="b"/>
-              <a:pathLst>
-                <a:path w="21600" h="21600" extrusionOk="0">
-                  <a:moveTo>
-                    <a:pt x="15451" y="2174"/>
-                  </a:moveTo>
-                  <a:cubicBezTo>
-                    <a:pt x="15451" y="6787"/>
-                    <a:pt x="13365" y="10540"/>
-                    <a:pt x="10800" y="10540"/>
-                  </a:cubicBezTo>
-                  <a:cubicBezTo>
-                    <a:pt x="8235" y="10540"/>
-                    <a:pt x="6149" y="6787"/>
-                    <a:pt x="6149" y="2174"/>
-                  </a:cubicBezTo>
-                  <a:lnTo>
-                    <a:pt x="6149" y="0"/>
-                  </a:lnTo>
-                  <a:lnTo>
-                    <a:pt x="0" y="0"/>
-                  </a:lnTo>
-                  <a:lnTo>
-                    <a:pt x="0" y="2174"/>
-                  </a:lnTo>
-                  <a:cubicBezTo>
-                    <a:pt x="0" y="12886"/>
-                    <a:pt x="4845" y="21600"/>
-                    <a:pt x="10800" y="21600"/>
-                  </a:cubicBezTo>
-                  <a:cubicBezTo>
-                    <a:pt x="16755" y="21600"/>
-                    <a:pt x="21600" y="12886"/>
-                    <a:pt x="21600" y="2174"/>
-                  </a:cubicBezTo>
-                  <a:lnTo>
-                    <a:pt x="21600" y="0"/>
-                  </a:lnTo>
-                  <a:lnTo>
-                    <a:pt x="15451" y="0"/>
-                  </a:lnTo>
-                  <a:cubicBezTo>
-                    <a:pt x="15451" y="0"/>
-                    <a:pt x="15451" y="2174"/>
-                    <a:pt x="15451" y="2174"/>
-                  </a:cubicBezTo>
-                  <a:close/>
-                </a:path>
-              </a:pathLst>
-            </a:custGeom>
-            <a:solidFill>
-              <a:schemeClr val="accent3"/>
-            </a:solidFill>
-            <a:ln w="12700">
-              <a:miter lim="400000"/>
-            </a:ln>
-          </p:spPr>
-          <p:txBody>
-            <a:bodyPr lIns="38100" tIns="38100" rIns="38100" bIns="38100" anchor="ctr"/>
-            <a:lstStyle/>
-            <a:p>
-              <a:pPr>
-                <a:defRPr sz="3000">
-                  <a:solidFill>
-                    <a:srgbClr val="FFFFFF"/>
-                  </a:solidFill>
-                  <a:effectLst>
-                    <a:outerShdw blurRad="38100" dist="12700" dir="5400000" rotWithShape="0">
-                      <a:srgbClr val="000000">
-                        <a:alpha val="50000"/>
-                      </a:srgbClr>
-                    </a:outerShdw>
-                  </a:effectLst>
-                </a:defRPr>
-              </a:pPr>
-              <a:endParaRPr/>
-            </a:p>
-          </p:txBody>
-        </p:sp>
-        <p:sp>
-          <p:nvSpPr>
-            <p:cNvPr id="14" name="Shape">
-              <a:extLst>
-                <a:ext uri="{FF2B5EF4-FFF2-40B4-BE49-F238E27FC236}">
-                  <a16:creationId xmlns:a16="http://schemas.microsoft.com/office/drawing/2014/main" id="{8F9AA86E-022E-5774-F6C8-C4EADA6D3ACE}"/>
-                </a:ext>
-              </a:extLst>
-            </p:cNvPr>
-            <p:cNvSpPr/>
-            <p:nvPr userDrawn="1"/>
-          </p:nvSpPr>
-          <p:spPr>
-            <a:xfrm>
-              <a:off x="1885036" y="5446059"/>
-              <a:ext cx="221938" cy="116778"/>
-            </a:xfrm>
-            <a:custGeom>
-              <a:avLst/>
-              <a:gdLst/>
-              <a:ahLst/>
-              <a:cxnLst>
-                <a:cxn ang="0">
-                  <a:pos x="wd2" y="hd2"/>
-                </a:cxn>
-                <a:cxn ang="5400000">
-                  <a:pos x="wd2" y="hd2"/>
-                </a:cxn>
-                <a:cxn ang="10800000">
-                  <a:pos x="wd2" y="hd2"/>
-                </a:cxn>
-                <a:cxn ang="16200000">
-                  <a:pos x="wd2" y="hd2"/>
-                </a:cxn>
-              </a:cxnLst>
-              <a:rect l="0" t="0" r="r" b="b"/>
-              <a:pathLst>
-                <a:path w="21600" h="21600" extrusionOk="0">
-                  <a:moveTo>
-                    <a:pt x="2875" y="20525"/>
-                  </a:moveTo>
-                  <a:cubicBezTo>
-                    <a:pt x="2875" y="12221"/>
-                    <a:pt x="6430" y="5464"/>
-                    <a:pt x="10800" y="5464"/>
-                  </a:cubicBezTo>
-                  <a:cubicBezTo>
-                    <a:pt x="15170" y="5464"/>
-                    <a:pt x="18725" y="12221"/>
-                    <a:pt x="18725" y="20525"/>
-                  </a:cubicBezTo>
-                  <a:lnTo>
-                    <a:pt x="18725" y="21600"/>
-                  </a:lnTo>
-                  <a:lnTo>
-                    <a:pt x="21600" y="21600"/>
-                  </a:lnTo>
-                  <a:lnTo>
-                    <a:pt x="21600" y="20526"/>
-                  </a:lnTo>
-                  <a:cubicBezTo>
-                    <a:pt x="21600" y="9190"/>
-                    <a:pt x="16765" y="0"/>
-                    <a:pt x="10800" y="0"/>
-                  </a:cubicBezTo>
-                  <a:cubicBezTo>
-                    <a:pt x="4835" y="0"/>
-                    <a:pt x="0" y="9190"/>
-                    <a:pt x="0" y="20526"/>
-                  </a:cubicBezTo>
-                  <a:lnTo>
-                    <a:pt x="0" y="21600"/>
-                  </a:lnTo>
-                  <a:lnTo>
-                    <a:pt x="2875" y="21600"/>
-                  </a:lnTo>
-                  <a:cubicBezTo>
-                    <a:pt x="2875" y="21600"/>
-                    <a:pt x="2875" y="20525"/>
-                    <a:pt x="2875" y="20525"/>
-                  </a:cubicBezTo>
-                  <a:close/>
-                </a:path>
-              </a:pathLst>
-            </a:custGeom>
-            <a:solidFill>
-              <a:schemeClr val="accent6"/>
-            </a:solidFill>
-            <a:ln w="12700">
-              <a:miter lim="400000"/>
-            </a:ln>
-          </p:spPr>
-          <p:txBody>
-            <a:bodyPr lIns="38100" tIns="38100" rIns="38100" bIns="38100" anchor="ctr"/>
-            <a:lstStyle/>
-            <a:p>
-              <a:pPr>
-                <a:defRPr sz="3000">
-                  <a:solidFill>
-                    <a:srgbClr val="FFFFFF"/>
-                  </a:solidFill>
-                  <a:effectLst>
-                    <a:outerShdw blurRad="38100" dist="12700" dir="5400000" rotWithShape="0">
-                      <a:srgbClr val="000000">
-                        <a:alpha val="50000"/>
-                      </a:srgbClr>
-                    </a:outerShdw>
-                  </a:effectLst>
-                </a:defRPr>
-              </a:pPr>
-              <a:endParaRPr/>
-            </a:p>
-          </p:txBody>
-        </p:sp>
-        <p:sp>
-          <p:nvSpPr>
-            <p:cNvPr id="15" name="Shape">
-              <a:extLst>
-                <a:ext uri="{FF2B5EF4-FFF2-40B4-BE49-F238E27FC236}">
-                  <a16:creationId xmlns:a16="http://schemas.microsoft.com/office/drawing/2014/main" id="{76480F89-917A-E3EC-0766-BBE0747F8422}"/>
-                </a:ext>
-              </a:extLst>
-            </p:cNvPr>
-            <p:cNvSpPr/>
-            <p:nvPr userDrawn="1"/>
-          </p:nvSpPr>
-          <p:spPr>
-            <a:xfrm>
-              <a:off x="1885036" y="5840730"/>
-              <a:ext cx="221938" cy="116777"/>
-            </a:xfrm>
-            <a:custGeom>
-              <a:avLst/>
-              <a:gdLst/>
-              <a:ahLst/>
-              <a:cxnLst>
-                <a:cxn ang="0">
-                  <a:pos x="wd2" y="hd2"/>
-                </a:cxn>
-                <a:cxn ang="5400000">
-                  <a:pos x="wd2" y="hd2"/>
-                </a:cxn>
-                <a:cxn ang="10800000">
-                  <a:pos x="wd2" y="hd2"/>
-                </a:cxn>
-                <a:cxn ang="16200000">
-                  <a:pos x="wd2" y="hd2"/>
-                </a:cxn>
-              </a:cxnLst>
-              <a:rect l="0" t="0" r="r" b="b"/>
-              <a:pathLst>
-                <a:path w="21600" h="21600" extrusionOk="0">
-                  <a:moveTo>
-                    <a:pt x="18725" y="1074"/>
-                  </a:moveTo>
-                  <a:cubicBezTo>
-                    <a:pt x="18725" y="9379"/>
-                    <a:pt x="15170" y="16136"/>
-                    <a:pt x="10800" y="16136"/>
-                  </a:cubicBezTo>
-                  <a:cubicBezTo>
-                    <a:pt x="6430" y="16136"/>
-                    <a:pt x="2875" y="9379"/>
-                    <a:pt x="2875" y="1074"/>
-                  </a:cubicBezTo>
-                  <a:lnTo>
-                    <a:pt x="2875" y="0"/>
-                  </a:lnTo>
-                  <a:lnTo>
-                    <a:pt x="0" y="0"/>
-                  </a:lnTo>
-                  <a:lnTo>
-                    <a:pt x="0" y="1074"/>
-                  </a:lnTo>
-                  <a:cubicBezTo>
-                    <a:pt x="0" y="12410"/>
-                    <a:pt x="4835" y="21600"/>
-                    <a:pt x="10800" y="21600"/>
-                  </a:cubicBezTo>
-                  <a:cubicBezTo>
-                    <a:pt x="16765" y="21600"/>
-                    <a:pt x="21600" y="12410"/>
-                    <a:pt x="21600" y="1074"/>
-                  </a:cubicBezTo>
-                  <a:lnTo>
-                    <a:pt x="21600" y="0"/>
-                  </a:lnTo>
-                  <a:lnTo>
-                    <a:pt x="18725" y="0"/>
-                  </a:lnTo>
-                  <a:cubicBezTo>
-                    <a:pt x="18725" y="0"/>
-                    <a:pt x="18725" y="1074"/>
-                    <a:pt x="18725" y="1074"/>
-                  </a:cubicBezTo>
-                  <a:close/>
-                </a:path>
-              </a:pathLst>
-            </a:custGeom>
-            <a:solidFill>
-              <a:schemeClr val="accent6"/>
-            </a:solidFill>
-            <a:ln w="12700">
-              <a:miter lim="400000"/>
-            </a:ln>
-          </p:spPr>
-          <p:txBody>
-            <a:bodyPr lIns="38100" tIns="38100" rIns="38100" bIns="38100" anchor="ctr"/>
-            <a:lstStyle/>
-            <a:p>
-              <a:pPr>
-                <a:defRPr sz="3000">
-                  <a:solidFill>
-                    <a:srgbClr val="FFFFFF"/>
-                  </a:solidFill>
-                  <a:effectLst>
-                    <a:outerShdw blurRad="38100" dist="12700" dir="5400000" rotWithShape="0">
-                      <a:srgbClr val="000000">
-                        <a:alpha val="50000"/>
-                      </a:srgbClr>
-                    </a:outerShdw>
-                  </a:effectLst>
-                </a:defRPr>
-              </a:pPr>
-              <a:endParaRPr/>
-            </a:p>
-          </p:txBody>
-        </p:sp>
-        <p:sp>
-          <p:nvSpPr>
-            <p:cNvPr id="16" name="POWERPOINT TEMPLATE">
-              <a:extLst>
-                <a:ext uri="{FF2B5EF4-FFF2-40B4-BE49-F238E27FC236}">
-                  <a16:creationId xmlns:a16="http://schemas.microsoft.com/office/drawing/2014/main" id="{76E8168B-5E08-830E-00E4-2E733E2E359F}"/>
-                </a:ext>
-              </a:extLst>
-            </p:cNvPr>
-            <p:cNvSpPr/>
-            <p:nvPr userDrawn="1"/>
-          </p:nvSpPr>
-          <p:spPr>
-            <a:xfrm>
-              <a:off x="1832720" y="5510100"/>
-              <a:ext cx="5887702" cy="384721"/>
-            </a:xfrm>
-            <a:prstGeom prst="rect">
-              <a:avLst/>
-            </a:prstGeom>
-            <a:ln w="12700">
-              <a:miter lim="400000"/>
-            </a:ln>
-            <a:extLst>
-              <a:ext uri="{C572A759-6A51-4108-AA02-DFA0A04FC94B}">
-                <ma14:wrappingTextBoxFlag xmlns:ma14="http://schemas.microsoft.com/office/mac/drawingml/2011/main" xmlns:a14="http://schemas.microsoft.com/office/drawing/2010/main" xmlns:m="http://schemas.openxmlformats.org/officeDocument/2006/math" xmlns="" val="1"/>
-              </a:ext>
-            </a:extLst>
-          </p:spPr>
-          <p:txBody>
-            <a:bodyPr wrap="none" lIns="38100" tIns="38100" rIns="38100" bIns="38100" anchor="ctr">
-              <a:spAutoFit/>
-            </a:bodyPr>
-            <a:lstStyle>
-              <a:lvl1pPr>
-                <a:lnSpc>
-                  <a:spcPts val="4500"/>
-                </a:lnSpc>
-                <a:tabLst>
-                  <a:tab pos="1066800" algn="l"/>
-                </a:tabLst>
-                <a:defRPr sz="3821">
-                  <a:latin typeface="Arial"/>
-                  <a:ea typeface="Arial"/>
-                  <a:cs typeface="Arial"/>
-                  <a:sym typeface="Arial"/>
-                </a:defRPr>
-              </a:lvl1pPr>
-            </a:lstStyle>
-            <a:p>
-              <a:pPr algn="l">
-                <a:lnSpc>
-                  <a:spcPct val="100000"/>
-                </a:lnSpc>
-              </a:pPr>
-              <a:r>
-                <a:rPr lang="zh-CN" altLang="en-US" sz="2000" dirty="0">
-                  <a:solidFill>
-                    <a:schemeClr val="tx2"/>
-                  </a:solidFill>
-                </a:rPr>
-                <a:t>基于</a:t>
-              </a:r>
-              <a:r>
-                <a:rPr lang="en-US" sz="2000" dirty="0">
-                  <a:solidFill>
-                    <a:schemeClr val="accent3"/>
-                  </a:solidFill>
-                  <a:latin typeface="Arial Black" panose="020B0604020202020204" pitchFamily="34" charset="0"/>
-                  <a:cs typeface="Arial Black" panose="020B0604020202020204" pitchFamily="34" charset="0"/>
-                </a:rPr>
-                <a:t>V</a:t>
-              </a:r>
-              <a:r>
-                <a:rPr lang="en-US" altLang="zh-CN" sz="2000" dirty="0">
-                  <a:solidFill>
-                    <a:schemeClr val="accent3"/>
-                  </a:solidFill>
-                  <a:latin typeface="Arial Black" panose="020B0604020202020204" pitchFamily="34" charset="0"/>
-                  <a:cs typeface="Arial Black" panose="020B0604020202020204" pitchFamily="34" charset="0"/>
-                </a:rPr>
-                <a:t>isual Texture Exchange</a:t>
-              </a:r>
-              <a:r>
-                <a:rPr lang="zh-CN" altLang="en-US" sz="2000" dirty="0">
-                  <a:solidFill>
-                    <a:schemeClr val="tx2"/>
-                  </a:solidFill>
-                </a:rPr>
-                <a:t>的文本交互系</a:t>
-              </a:r>
-              <a:r>
-                <a:rPr lang="zh-CN" altLang="en-US" sz="2000" b="1" dirty="0">
-                  <a:solidFill>
-                    <a:schemeClr val="tx2"/>
-                  </a:solidFill>
-                </a:rPr>
-                <a:t>统</a:t>
-              </a:r>
-              <a:endParaRPr lang="en-US" sz="2000" b="1" spc="170" dirty="0">
-                <a:solidFill>
-                  <a:schemeClr val="accent3"/>
-                </a:solidFill>
-              </a:endParaRPr>
-            </a:p>
-          </p:txBody>
-        </p:sp>
-      </p:grpSp>
-      <p:grpSp>
-        <p:nvGrpSpPr>
           <p:cNvPr id="17" name="Group 31">
             <a:extLst>
               <a:ext uri="{FF2B5EF4-FFF2-40B4-BE49-F238E27FC236}">
@@ -7342,6 +6689,582 @@
             <a:p>
               <a:pPr algn="ctr"/>
               <a:endParaRPr lang="en-US"/>
+            </a:p>
+          </p:txBody>
+        </p:sp>
+      </p:grpSp>
+      <p:grpSp>
+        <p:nvGrpSpPr>
+          <p:cNvPr id="9" name="Group 19">
+            <a:extLst>
+              <a:ext uri="{FF2B5EF4-FFF2-40B4-BE49-F238E27FC236}">
+                <a16:creationId xmlns:a16="http://schemas.microsoft.com/office/drawing/2014/main" id="{F3FD203A-6D76-3966-6DD5-C85283A9F4D2}"/>
+              </a:ext>
+            </a:extLst>
+          </p:cNvPr>
+          <p:cNvGrpSpPr/>
+          <p:nvPr userDrawn="1"/>
+        </p:nvGrpSpPr>
+        <p:grpSpPr>
+          <a:xfrm>
+            <a:off x="494469" y="6247857"/>
+            <a:ext cx="5887702" cy="511448"/>
+            <a:chOff x="1832720" y="5446059"/>
+            <a:chExt cx="5887702" cy="511448"/>
+          </a:xfrm>
+        </p:grpSpPr>
+        <p:sp>
+          <p:nvSpPr>
+            <p:cNvPr id="10" name="Shape">
+              <a:extLst>
+                <a:ext uri="{FF2B5EF4-FFF2-40B4-BE49-F238E27FC236}">
+                  <a16:creationId xmlns:a16="http://schemas.microsoft.com/office/drawing/2014/main" id="{513E57D5-72BF-E0F8-570C-0481889CFC4A}"/>
+                </a:ext>
+              </a:extLst>
+            </p:cNvPr>
+            <p:cNvSpPr/>
+            <p:nvPr userDrawn="1"/>
+          </p:nvSpPr>
+          <p:spPr>
+            <a:xfrm>
+              <a:off x="1944118" y="5505141"/>
+              <a:ext cx="103773" cy="57696"/>
+            </a:xfrm>
+            <a:custGeom>
+              <a:avLst/>
+              <a:gdLst/>
+              <a:ahLst/>
+              <a:cxnLst>
+                <a:cxn ang="0">
+                  <a:pos x="wd2" y="hd2"/>
+                </a:cxn>
+                <a:cxn ang="5400000">
+                  <a:pos x="wd2" y="hd2"/>
+                </a:cxn>
+                <a:cxn ang="10800000">
+                  <a:pos x="wd2" y="hd2"/>
+                </a:cxn>
+                <a:cxn ang="16200000">
+                  <a:pos x="wd2" y="hd2"/>
+                </a:cxn>
+              </a:cxnLst>
+              <a:rect l="0" t="0" r="r" b="b"/>
+              <a:pathLst>
+                <a:path w="21600" h="21600" extrusionOk="0">
+                  <a:moveTo>
+                    <a:pt x="6149" y="19425"/>
+                  </a:moveTo>
+                  <a:cubicBezTo>
+                    <a:pt x="6149" y="14812"/>
+                    <a:pt x="8235" y="11059"/>
+                    <a:pt x="10800" y="11059"/>
+                  </a:cubicBezTo>
+                  <a:cubicBezTo>
+                    <a:pt x="13365" y="11059"/>
+                    <a:pt x="15451" y="14812"/>
+                    <a:pt x="15451" y="19425"/>
+                  </a:cubicBezTo>
+                  <a:lnTo>
+                    <a:pt x="15451" y="21600"/>
+                  </a:lnTo>
+                  <a:lnTo>
+                    <a:pt x="21600" y="21600"/>
+                  </a:lnTo>
+                  <a:lnTo>
+                    <a:pt x="21600" y="19425"/>
+                  </a:lnTo>
+                  <a:cubicBezTo>
+                    <a:pt x="21600" y="8714"/>
+                    <a:pt x="16755" y="0"/>
+                    <a:pt x="10800" y="0"/>
+                  </a:cubicBezTo>
+                  <a:cubicBezTo>
+                    <a:pt x="4845" y="0"/>
+                    <a:pt x="0" y="8714"/>
+                    <a:pt x="0" y="19425"/>
+                  </a:cubicBezTo>
+                  <a:lnTo>
+                    <a:pt x="0" y="21600"/>
+                  </a:lnTo>
+                  <a:lnTo>
+                    <a:pt x="6149" y="21600"/>
+                  </a:lnTo>
+                  <a:cubicBezTo>
+                    <a:pt x="6149" y="21600"/>
+                    <a:pt x="6149" y="19425"/>
+                    <a:pt x="6149" y="19425"/>
+                  </a:cubicBezTo>
+                  <a:close/>
+                </a:path>
+              </a:pathLst>
+            </a:custGeom>
+            <a:solidFill>
+              <a:schemeClr val="accent3"/>
+            </a:solidFill>
+            <a:ln w="12700">
+              <a:miter lim="400000"/>
+            </a:ln>
+          </p:spPr>
+          <p:txBody>
+            <a:bodyPr lIns="38100" tIns="38100" rIns="38100" bIns="38100" anchor="ctr"/>
+            <a:lstStyle/>
+            <a:p>
+              <a:pPr>
+                <a:defRPr sz="3000">
+                  <a:solidFill>
+                    <a:srgbClr val="FFFFFF"/>
+                  </a:solidFill>
+                  <a:effectLst>
+                    <a:outerShdw blurRad="38100" dist="12700" dir="5400000" rotWithShape="0">
+                      <a:srgbClr val="000000">
+                        <a:alpha val="50000"/>
+                      </a:srgbClr>
+                    </a:outerShdw>
+                  </a:effectLst>
+                </a:defRPr>
+              </a:pPr>
+              <a:endParaRPr/>
+            </a:p>
+          </p:txBody>
+        </p:sp>
+        <p:sp>
+          <p:nvSpPr>
+            <p:cNvPr id="11" name="Shape">
+              <a:extLst>
+                <a:ext uri="{FF2B5EF4-FFF2-40B4-BE49-F238E27FC236}">
+                  <a16:creationId xmlns:a16="http://schemas.microsoft.com/office/drawing/2014/main" id="{3218BDFC-21B8-02FB-C6CF-DD9A5ADA6309}"/>
+                </a:ext>
+              </a:extLst>
+            </p:cNvPr>
+            <p:cNvSpPr/>
+            <p:nvPr userDrawn="1"/>
+          </p:nvSpPr>
+          <p:spPr>
+            <a:xfrm>
+              <a:off x="1944118" y="5840730"/>
+              <a:ext cx="103773" cy="57694"/>
+            </a:xfrm>
+            <a:custGeom>
+              <a:avLst/>
+              <a:gdLst/>
+              <a:ahLst/>
+              <a:cxnLst>
+                <a:cxn ang="0">
+                  <a:pos x="wd2" y="hd2"/>
+                </a:cxn>
+                <a:cxn ang="5400000">
+                  <a:pos x="wd2" y="hd2"/>
+                </a:cxn>
+                <a:cxn ang="10800000">
+                  <a:pos x="wd2" y="hd2"/>
+                </a:cxn>
+                <a:cxn ang="16200000">
+                  <a:pos x="wd2" y="hd2"/>
+                </a:cxn>
+              </a:cxnLst>
+              <a:rect l="0" t="0" r="r" b="b"/>
+              <a:pathLst>
+                <a:path w="21600" h="21600" extrusionOk="0">
+                  <a:moveTo>
+                    <a:pt x="15451" y="2174"/>
+                  </a:moveTo>
+                  <a:cubicBezTo>
+                    <a:pt x="15451" y="6787"/>
+                    <a:pt x="13365" y="10540"/>
+                    <a:pt x="10800" y="10540"/>
+                  </a:cubicBezTo>
+                  <a:cubicBezTo>
+                    <a:pt x="8235" y="10540"/>
+                    <a:pt x="6149" y="6787"/>
+                    <a:pt x="6149" y="2174"/>
+                  </a:cubicBezTo>
+                  <a:lnTo>
+                    <a:pt x="6149" y="0"/>
+                  </a:lnTo>
+                  <a:lnTo>
+                    <a:pt x="0" y="0"/>
+                  </a:lnTo>
+                  <a:lnTo>
+                    <a:pt x="0" y="2174"/>
+                  </a:lnTo>
+                  <a:cubicBezTo>
+                    <a:pt x="0" y="12886"/>
+                    <a:pt x="4845" y="21600"/>
+                    <a:pt x="10800" y="21600"/>
+                  </a:cubicBezTo>
+                  <a:cubicBezTo>
+                    <a:pt x="16755" y="21600"/>
+                    <a:pt x="21600" y="12886"/>
+                    <a:pt x="21600" y="2174"/>
+                  </a:cubicBezTo>
+                  <a:lnTo>
+                    <a:pt x="21600" y="0"/>
+                  </a:lnTo>
+                  <a:lnTo>
+                    <a:pt x="15451" y="0"/>
+                  </a:lnTo>
+                  <a:cubicBezTo>
+                    <a:pt x="15451" y="0"/>
+                    <a:pt x="15451" y="2174"/>
+                    <a:pt x="15451" y="2174"/>
+                  </a:cubicBezTo>
+                  <a:close/>
+                </a:path>
+              </a:pathLst>
+            </a:custGeom>
+            <a:solidFill>
+              <a:schemeClr val="accent3"/>
+            </a:solidFill>
+            <a:ln w="12700">
+              <a:miter lim="400000"/>
+            </a:ln>
+          </p:spPr>
+          <p:txBody>
+            <a:bodyPr lIns="38100" tIns="38100" rIns="38100" bIns="38100" anchor="ctr"/>
+            <a:lstStyle/>
+            <a:p>
+              <a:pPr>
+                <a:defRPr sz="3000">
+                  <a:solidFill>
+                    <a:srgbClr val="FFFFFF"/>
+                  </a:solidFill>
+                  <a:effectLst>
+                    <a:outerShdw blurRad="38100" dist="12700" dir="5400000" rotWithShape="0">
+                      <a:srgbClr val="000000">
+                        <a:alpha val="50000"/>
+                      </a:srgbClr>
+                    </a:outerShdw>
+                  </a:effectLst>
+                </a:defRPr>
+              </a:pPr>
+              <a:endParaRPr/>
+            </a:p>
+          </p:txBody>
+        </p:sp>
+        <p:sp>
+          <p:nvSpPr>
+            <p:cNvPr id="12" name="Shape">
+              <a:extLst>
+                <a:ext uri="{FF2B5EF4-FFF2-40B4-BE49-F238E27FC236}">
+                  <a16:creationId xmlns:a16="http://schemas.microsoft.com/office/drawing/2014/main" id="{A3926D8D-2B54-DC63-7E84-CB9C6E29B6C9}"/>
+                </a:ext>
+              </a:extLst>
+            </p:cNvPr>
+            <p:cNvSpPr/>
+            <p:nvPr userDrawn="1"/>
+          </p:nvSpPr>
+          <p:spPr>
+            <a:xfrm>
+              <a:off x="1885036" y="5446059"/>
+              <a:ext cx="221938" cy="116778"/>
+            </a:xfrm>
+            <a:custGeom>
+              <a:avLst/>
+              <a:gdLst/>
+              <a:ahLst/>
+              <a:cxnLst>
+                <a:cxn ang="0">
+                  <a:pos x="wd2" y="hd2"/>
+                </a:cxn>
+                <a:cxn ang="5400000">
+                  <a:pos x="wd2" y="hd2"/>
+                </a:cxn>
+                <a:cxn ang="10800000">
+                  <a:pos x="wd2" y="hd2"/>
+                </a:cxn>
+                <a:cxn ang="16200000">
+                  <a:pos x="wd2" y="hd2"/>
+                </a:cxn>
+              </a:cxnLst>
+              <a:rect l="0" t="0" r="r" b="b"/>
+              <a:pathLst>
+                <a:path w="21600" h="21600" extrusionOk="0">
+                  <a:moveTo>
+                    <a:pt x="2875" y="20525"/>
+                  </a:moveTo>
+                  <a:cubicBezTo>
+                    <a:pt x="2875" y="12221"/>
+                    <a:pt x="6430" y="5464"/>
+                    <a:pt x="10800" y="5464"/>
+                  </a:cubicBezTo>
+                  <a:cubicBezTo>
+                    <a:pt x="15170" y="5464"/>
+                    <a:pt x="18725" y="12221"/>
+                    <a:pt x="18725" y="20525"/>
+                  </a:cubicBezTo>
+                  <a:lnTo>
+                    <a:pt x="18725" y="21600"/>
+                  </a:lnTo>
+                  <a:lnTo>
+                    <a:pt x="21600" y="21600"/>
+                  </a:lnTo>
+                  <a:lnTo>
+                    <a:pt x="21600" y="20526"/>
+                  </a:lnTo>
+                  <a:cubicBezTo>
+                    <a:pt x="21600" y="9190"/>
+                    <a:pt x="16765" y="0"/>
+                    <a:pt x="10800" y="0"/>
+                  </a:cubicBezTo>
+                  <a:cubicBezTo>
+                    <a:pt x="4835" y="0"/>
+                    <a:pt x="0" y="9190"/>
+                    <a:pt x="0" y="20526"/>
+                  </a:cubicBezTo>
+                  <a:lnTo>
+                    <a:pt x="0" y="21600"/>
+                  </a:lnTo>
+                  <a:lnTo>
+                    <a:pt x="2875" y="21600"/>
+                  </a:lnTo>
+                  <a:cubicBezTo>
+                    <a:pt x="2875" y="21600"/>
+                    <a:pt x="2875" y="20525"/>
+                    <a:pt x="2875" y="20525"/>
+                  </a:cubicBezTo>
+                  <a:close/>
+                </a:path>
+              </a:pathLst>
+            </a:custGeom>
+            <a:solidFill>
+              <a:schemeClr val="accent6"/>
+            </a:solidFill>
+            <a:ln w="12700">
+              <a:miter lim="400000"/>
+            </a:ln>
+          </p:spPr>
+          <p:txBody>
+            <a:bodyPr lIns="38100" tIns="38100" rIns="38100" bIns="38100" anchor="ctr"/>
+            <a:lstStyle/>
+            <a:p>
+              <a:pPr>
+                <a:defRPr sz="3000">
+                  <a:solidFill>
+                    <a:srgbClr val="FFFFFF"/>
+                  </a:solidFill>
+                  <a:effectLst>
+                    <a:outerShdw blurRad="38100" dist="12700" dir="5400000" rotWithShape="0">
+                      <a:srgbClr val="000000">
+                        <a:alpha val="50000"/>
+                      </a:srgbClr>
+                    </a:outerShdw>
+                  </a:effectLst>
+                </a:defRPr>
+              </a:pPr>
+              <a:endParaRPr/>
+            </a:p>
+          </p:txBody>
+        </p:sp>
+        <p:sp>
+          <p:nvSpPr>
+            <p:cNvPr id="13" name="Shape">
+              <a:extLst>
+                <a:ext uri="{FF2B5EF4-FFF2-40B4-BE49-F238E27FC236}">
+                  <a16:creationId xmlns:a16="http://schemas.microsoft.com/office/drawing/2014/main" id="{332E2B5B-F437-3C2C-393E-D4E3433C35E7}"/>
+                </a:ext>
+              </a:extLst>
+            </p:cNvPr>
+            <p:cNvSpPr/>
+            <p:nvPr userDrawn="1"/>
+          </p:nvSpPr>
+          <p:spPr>
+            <a:xfrm>
+              <a:off x="1885036" y="5840730"/>
+              <a:ext cx="221938" cy="116777"/>
+            </a:xfrm>
+            <a:custGeom>
+              <a:avLst/>
+              <a:gdLst/>
+              <a:ahLst/>
+              <a:cxnLst>
+                <a:cxn ang="0">
+                  <a:pos x="wd2" y="hd2"/>
+                </a:cxn>
+                <a:cxn ang="5400000">
+                  <a:pos x="wd2" y="hd2"/>
+                </a:cxn>
+                <a:cxn ang="10800000">
+                  <a:pos x="wd2" y="hd2"/>
+                </a:cxn>
+                <a:cxn ang="16200000">
+                  <a:pos x="wd2" y="hd2"/>
+                </a:cxn>
+              </a:cxnLst>
+              <a:rect l="0" t="0" r="r" b="b"/>
+              <a:pathLst>
+                <a:path w="21600" h="21600" extrusionOk="0">
+                  <a:moveTo>
+                    <a:pt x="18725" y="1074"/>
+                  </a:moveTo>
+                  <a:cubicBezTo>
+                    <a:pt x="18725" y="9379"/>
+                    <a:pt x="15170" y="16136"/>
+                    <a:pt x="10800" y="16136"/>
+                  </a:cubicBezTo>
+                  <a:cubicBezTo>
+                    <a:pt x="6430" y="16136"/>
+                    <a:pt x="2875" y="9379"/>
+                    <a:pt x="2875" y="1074"/>
+                  </a:cubicBezTo>
+                  <a:lnTo>
+                    <a:pt x="2875" y="0"/>
+                  </a:lnTo>
+                  <a:lnTo>
+                    <a:pt x="0" y="0"/>
+                  </a:lnTo>
+                  <a:lnTo>
+                    <a:pt x="0" y="1074"/>
+                  </a:lnTo>
+                  <a:cubicBezTo>
+                    <a:pt x="0" y="12410"/>
+                    <a:pt x="4835" y="21600"/>
+                    <a:pt x="10800" y="21600"/>
+                  </a:cubicBezTo>
+                  <a:cubicBezTo>
+                    <a:pt x="16765" y="21600"/>
+                    <a:pt x="21600" y="12410"/>
+                    <a:pt x="21600" y="1074"/>
+                  </a:cubicBezTo>
+                  <a:lnTo>
+                    <a:pt x="21600" y="0"/>
+                  </a:lnTo>
+                  <a:lnTo>
+                    <a:pt x="18725" y="0"/>
+                  </a:lnTo>
+                  <a:cubicBezTo>
+                    <a:pt x="18725" y="0"/>
+                    <a:pt x="18725" y="1074"/>
+                    <a:pt x="18725" y="1074"/>
+                  </a:cubicBezTo>
+                  <a:close/>
+                </a:path>
+              </a:pathLst>
+            </a:custGeom>
+            <a:solidFill>
+              <a:schemeClr val="accent6"/>
+            </a:solidFill>
+            <a:ln w="12700">
+              <a:miter lim="400000"/>
+            </a:ln>
+          </p:spPr>
+          <p:txBody>
+            <a:bodyPr lIns="38100" tIns="38100" rIns="38100" bIns="38100" anchor="ctr"/>
+            <a:lstStyle/>
+            <a:p>
+              <a:pPr>
+                <a:defRPr sz="3000">
+                  <a:solidFill>
+                    <a:srgbClr val="FFFFFF"/>
+                  </a:solidFill>
+                  <a:effectLst>
+                    <a:outerShdw blurRad="38100" dist="12700" dir="5400000" rotWithShape="0">
+                      <a:srgbClr val="000000">
+                        <a:alpha val="50000"/>
+                      </a:srgbClr>
+                    </a:outerShdw>
+                  </a:effectLst>
+                </a:defRPr>
+              </a:pPr>
+              <a:endParaRPr/>
+            </a:p>
+          </p:txBody>
+        </p:sp>
+        <p:sp>
+          <p:nvSpPr>
+            <p:cNvPr id="18" name="POWERPOINT TEMPLATE">
+              <a:extLst>
+                <a:ext uri="{FF2B5EF4-FFF2-40B4-BE49-F238E27FC236}">
+                  <a16:creationId xmlns:a16="http://schemas.microsoft.com/office/drawing/2014/main" id="{3986E141-3598-6008-48B2-123D72DE6739}"/>
+                </a:ext>
+              </a:extLst>
+            </p:cNvPr>
+            <p:cNvSpPr/>
+            <p:nvPr userDrawn="1"/>
+          </p:nvSpPr>
+          <p:spPr>
+            <a:xfrm>
+              <a:off x="1832720" y="5510100"/>
+              <a:ext cx="5887702" cy="384721"/>
+            </a:xfrm>
+            <a:prstGeom prst="rect">
+              <a:avLst/>
+            </a:prstGeom>
+            <a:ln w="12700">
+              <a:miter lim="400000"/>
+            </a:ln>
+            <a:extLst>
+              <a:ext uri="{C572A759-6A51-4108-AA02-DFA0A04FC94B}">
+                <ma14:wrappingTextBoxFlag xmlns:ma14="http://schemas.microsoft.com/office/mac/drawingml/2011/main" xmlns:a14="http://schemas.microsoft.com/office/drawing/2010/main" xmlns:m="http://schemas.openxmlformats.org/officeDocument/2006/math" xmlns="" val="1"/>
+              </a:ext>
+            </a:extLst>
+          </p:spPr>
+          <p:txBody>
+            <a:bodyPr wrap="none" lIns="38100" tIns="38100" rIns="38100" bIns="38100" anchor="ctr">
+              <a:spAutoFit/>
+            </a:bodyPr>
+            <a:lstStyle>
+              <a:lvl1pPr>
+                <a:lnSpc>
+                  <a:spcPts val="4500"/>
+                </a:lnSpc>
+                <a:tabLst>
+                  <a:tab pos="1066800" algn="l"/>
+                </a:tabLst>
+                <a:defRPr sz="3821">
+                  <a:latin typeface="Arial"/>
+                  <a:ea typeface="Arial"/>
+                  <a:cs typeface="Arial"/>
+                  <a:sym typeface="Arial"/>
+                </a:defRPr>
+              </a:lvl1pPr>
+            </a:lstStyle>
+            <a:p>
+              <a:pPr algn="l">
+                <a:lnSpc>
+                  <a:spcPct val="100000"/>
+                </a:lnSpc>
+              </a:pPr>
+              <a:r>
+                <a:rPr lang="zh-CN" altLang="en-US" sz="2000" b="1" dirty="0">
+                  <a:solidFill>
+                    <a:schemeClr val="tx2"/>
+                  </a:solidFill>
+                </a:rPr>
+                <a:t>基于</a:t>
+              </a:r>
+              <a:r>
+                <a:rPr lang="en-US" sz="2000" dirty="0">
+                  <a:solidFill>
+                    <a:schemeClr val="accent3"/>
+                  </a:solidFill>
+                  <a:latin typeface="Arial Black" panose="020B0604020202020204" pitchFamily="34" charset="0"/>
+                  <a:cs typeface="Arial Black" panose="020B0604020202020204" pitchFamily="34" charset="0"/>
+                </a:rPr>
+                <a:t>V</a:t>
+              </a:r>
+              <a:r>
+                <a:rPr lang="en-US" altLang="zh-CN" sz="2000" dirty="0">
+                  <a:solidFill>
+                    <a:schemeClr val="accent3"/>
+                  </a:solidFill>
+                  <a:latin typeface="Arial Black" panose="020B0604020202020204" pitchFamily="34" charset="0"/>
+                  <a:cs typeface="Arial Black" panose="020B0604020202020204" pitchFamily="34" charset="0"/>
+                </a:rPr>
+                <a:t>isual Texture Exchange</a:t>
+              </a:r>
+              <a:r>
+                <a:rPr lang="zh-CN" altLang="en-US" sz="2000" b="1" dirty="0">
+                  <a:solidFill>
+                    <a:schemeClr val="tx2"/>
+                  </a:solidFill>
+                </a:rPr>
+                <a:t>的文本交互系统</a:t>
+              </a:r>
+              <a:endParaRPr lang="en-US" sz="2000" b="1" spc="170" dirty="0">
+                <a:solidFill>
+                  <a:schemeClr val="accent3"/>
+                </a:solidFill>
+              </a:endParaRPr>
             </a:p>
           </p:txBody>
         </p:sp>
@@ -11450,590 +11373,6 @@
       </p:cxnSp>
       <p:grpSp>
         <p:nvGrpSpPr>
-          <p:cNvPr id="3" name="Group 19">
-            <a:extLst>
-              <a:ext uri="{FF2B5EF4-FFF2-40B4-BE49-F238E27FC236}">
-                <a16:creationId xmlns:a16="http://schemas.microsoft.com/office/drawing/2014/main" id="{3E279CF6-93BB-A25E-32E2-880B75A68336}"/>
-              </a:ext>
-            </a:extLst>
-          </p:cNvPr>
-          <p:cNvGrpSpPr/>
-          <p:nvPr userDrawn="1"/>
-        </p:nvGrpSpPr>
-        <p:grpSpPr>
-          <a:xfrm>
-            <a:off x="494469" y="6247857"/>
-            <a:ext cx="5887702" cy="511448"/>
-            <a:chOff x="1832720" y="5446059"/>
-            <a:chExt cx="5887702" cy="511448"/>
-          </a:xfrm>
-        </p:grpSpPr>
-        <p:sp>
-          <p:nvSpPr>
-            <p:cNvPr id="4" name="Shape">
-              <a:extLst>
-                <a:ext uri="{FF2B5EF4-FFF2-40B4-BE49-F238E27FC236}">
-                  <a16:creationId xmlns:a16="http://schemas.microsoft.com/office/drawing/2014/main" id="{C843083C-E50F-503B-7530-F12D50C65B9E}"/>
-                </a:ext>
-              </a:extLst>
-            </p:cNvPr>
-            <p:cNvSpPr/>
-            <p:nvPr userDrawn="1"/>
-          </p:nvSpPr>
-          <p:spPr>
-            <a:xfrm>
-              <a:off x="1944118" y="5505141"/>
-              <a:ext cx="103773" cy="57696"/>
-            </a:xfrm>
-            <a:custGeom>
-              <a:avLst/>
-              <a:gdLst/>
-              <a:ahLst/>
-              <a:cxnLst>
-                <a:cxn ang="0">
-                  <a:pos x="wd2" y="hd2"/>
-                </a:cxn>
-                <a:cxn ang="5400000">
-                  <a:pos x="wd2" y="hd2"/>
-                </a:cxn>
-                <a:cxn ang="10800000">
-                  <a:pos x="wd2" y="hd2"/>
-                </a:cxn>
-                <a:cxn ang="16200000">
-                  <a:pos x="wd2" y="hd2"/>
-                </a:cxn>
-              </a:cxnLst>
-              <a:rect l="0" t="0" r="r" b="b"/>
-              <a:pathLst>
-                <a:path w="21600" h="21600" extrusionOk="0">
-                  <a:moveTo>
-                    <a:pt x="6149" y="19425"/>
-                  </a:moveTo>
-                  <a:cubicBezTo>
-                    <a:pt x="6149" y="14812"/>
-                    <a:pt x="8235" y="11059"/>
-                    <a:pt x="10800" y="11059"/>
-                  </a:cubicBezTo>
-                  <a:cubicBezTo>
-                    <a:pt x="13365" y="11059"/>
-                    <a:pt x="15451" y="14812"/>
-                    <a:pt x="15451" y="19425"/>
-                  </a:cubicBezTo>
-                  <a:lnTo>
-                    <a:pt x="15451" y="21600"/>
-                  </a:lnTo>
-                  <a:lnTo>
-                    <a:pt x="21600" y="21600"/>
-                  </a:lnTo>
-                  <a:lnTo>
-                    <a:pt x="21600" y="19425"/>
-                  </a:lnTo>
-                  <a:cubicBezTo>
-                    <a:pt x="21600" y="8714"/>
-                    <a:pt x="16755" y="0"/>
-                    <a:pt x="10800" y="0"/>
-                  </a:cubicBezTo>
-                  <a:cubicBezTo>
-                    <a:pt x="4845" y="0"/>
-                    <a:pt x="0" y="8714"/>
-                    <a:pt x="0" y="19425"/>
-                  </a:cubicBezTo>
-                  <a:lnTo>
-                    <a:pt x="0" y="21600"/>
-                  </a:lnTo>
-                  <a:lnTo>
-                    <a:pt x="6149" y="21600"/>
-                  </a:lnTo>
-                  <a:cubicBezTo>
-                    <a:pt x="6149" y="21600"/>
-                    <a:pt x="6149" y="19425"/>
-                    <a:pt x="6149" y="19425"/>
-                  </a:cubicBezTo>
-                  <a:close/>
-                </a:path>
-              </a:pathLst>
-            </a:custGeom>
-            <a:solidFill>
-              <a:schemeClr val="accent3"/>
-            </a:solidFill>
-            <a:ln w="12700">
-              <a:miter lim="400000"/>
-            </a:ln>
-          </p:spPr>
-          <p:txBody>
-            <a:bodyPr lIns="38100" tIns="38100" rIns="38100" bIns="38100" anchor="ctr"/>
-            <a:lstStyle/>
-            <a:p>
-              <a:pPr>
-                <a:defRPr sz="3000">
-                  <a:solidFill>
-                    <a:srgbClr val="FFFFFF"/>
-                  </a:solidFill>
-                  <a:effectLst>
-                    <a:outerShdw blurRad="38100" dist="12700" dir="5400000" rotWithShape="0">
-                      <a:srgbClr val="000000">
-                        <a:alpha val="50000"/>
-                      </a:srgbClr>
-                    </a:outerShdw>
-                  </a:effectLst>
-                </a:defRPr>
-              </a:pPr>
-              <a:endParaRPr/>
-            </a:p>
-          </p:txBody>
-        </p:sp>
-        <p:sp>
-          <p:nvSpPr>
-            <p:cNvPr id="7" name="Shape">
-              <a:extLst>
-                <a:ext uri="{FF2B5EF4-FFF2-40B4-BE49-F238E27FC236}">
-                  <a16:creationId xmlns:a16="http://schemas.microsoft.com/office/drawing/2014/main" id="{6537812D-ED1D-3568-C18C-C07AE5D61409}"/>
-                </a:ext>
-              </a:extLst>
-            </p:cNvPr>
-            <p:cNvSpPr/>
-            <p:nvPr userDrawn="1"/>
-          </p:nvSpPr>
-          <p:spPr>
-            <a:xfrm>
-              <a:off x="1944118" y="5840730"/>
-              <a:ext cx="103773" cy="57694"/>
-            </a:xfrm>
-            <a:custGeom>
-              <a:avLst/>
-              <a:gdLst/>
-              <a:ahLst/>
-              <a:cxnLst>
-                <a:cxn ang="0">
-                  <a:pos x="wd2" y="hd2"/>
-                </a:cxn>
-                <a:cxn ang="5400000">
-                  <a:pos x="wd2" y="hd2"/>
-                </a:cxn>
-                <a:cxn ang="10800000">
-                  <a:pos x="wd2" y="hd2"/>
-                </a:cxn>
-                <a:cxn ang="16200000">
-                  <a:pos x="wd2" y="hd2"/>
-                </a:cxn>
-              </a:cxnLst>
-              <a:rect l="0" t="0" r="r" b="b"/>
-              <a:pathLst>
-                <a:path w="21600" h="21600" extrusionOk="0">
-                  <a:moveTo>
-                    <a:pt x="15451" y="2174"/>
-                  </a:moveTo>
-                  <a:cubicBezTo>
-                    <a:pt x="15451" y="6787"/>
-                    <a:pt x="13365" y="10540"/>
-                    <a:pt x="10800" y="10540"/>
-                  </a:cubicBezTo>
-                  <a:cubicBezTo>
-                    <a:pt x="8235" y="10540"/>
-                    <a:pt x="6149" y="6787"/>
-                    <a:pt x="6149" y="2174"/>
-                  </a:cubicBezTo>
-                  <a:lnTo>
-                    <a:pt x="6149" y="0"/>
-                  </a:lnTo>
-                  <a:lnTo>
-                    <a:pt x="0" y="0"/>
-                  </a:lnTo>
-                  <a:lnTo>
-                    <a:pt x="0" y="2174"/>
-                  </a:lnTo>
-                  <a:cubicBezTo>
-                    <a:pt x="0" y="12886"/>
-                    <a:pt x="4845" y="21600"/>
-                    <a:pt x="10800" y="21600"/>
-                  </a:cubicBezTo>
-                  <a:cubicBezTo>
-                    <a:pt x="16755" y="21600"/>
-                    <a:pt x="21600" y="12886"/>
-                    <a:pt x="21600" y="2174"/>
-                  </a:cubicBezTo>
-                  <a:lnTo>
-                    <a:pt x="21600" y="0"/>
-                  </a:lnTo>
-                  <a:lnTo>
-                    <a:pt x="15451" y="0"/>
-                  </a:lnTo>
-                  <a:cubicBezTo>
-                    <a:pt x="15451" y="0"/>
-                    <a:pt x="15451" y="2174"/>
-                    <a:pt x="15451" y="2174"/>
-                  </a:cubicBezTo>
-                  <a:close/>
-                </a:path>
-              </a:pathLst>
-            </a:custGeom>
-            <a:solidFill>
-              <a:schemeClr val="accent3"/>
-            </a:solidFill>
-            <a:ln w="12700">
-              <a:miter lim="400000"/>
-            </a:ln>
-          </p:spPr>
-          <p:txBody>
-            <a:bodyPr lIns="38100" tIns="38100" rIns="38100" bIns="38100" anchor="ctr"/>
-            <a:lstStyle/>
-            <a:p>
-              <a:pPr>
-                <a:defRPr sz="3000">
-                  <a:solidFill>
-                    <a:srgbClr val="FFFFFF"/>
-                  </a:solidFill>
-                  <a:effectLst>
-                    <a:outerShdw blurRad="38100" dist="12700" dir="5400000" rotWithShape="0">
-                      <a:srgbClr val="000000">
-                        <a:alpha val="50000"/>
-                      </a:srgbClr>
-                    </a:outerShdw>
-                  </a:effectLst>
-                </a:defRPr>
-              </a:pPr>
-              <a:endParaRPr/>
-            </a:p>
-          </p:txBody>
-        </p:sp>
-        <p:sp>
-          <p:nvSpPr>
-            <p:cNvPr id="14" name="Shape">
-              <a:extLst>
-                <a:ext uri="{FF2B5EF4-FFF2-40B4-BE49-F238E27FC236}">
-                  <a16:creationId xmlns:a16="http://schemas.microsoft.com/office/drawing/2014/main" id="{A9BD6446-DE05-B0FD-9D4B-868D36AA67D0}"/>
-                </a:ext>
-              </a:extLst>
-            </p:cNvPr>
-            <p:cNvSpPr/>
-            <p:nvPr userDrawn="1"/>
-          </p:nvSpPr>
-          <p:spPr>
-            <a:xfrm>
-              <a:off x="1885036" y="5446059"/>
-              <a:ext cx="221938" cy="116778"/>
-            </a:xfrm>
-            <a:custGeom>
-              <a:avLst/>
-              <a:gdLst/>
-              <a:ahLst/>
-              <a:cxnLst>
-                <a:cxn ang="0">
-                  <a:pos x="wd2" y="hd2"/>
-                </a:cxn>
-                <a:cxn ang="5400000">
-                  <a:pos x="wd2" y="hd2"/>
-                </a:cxn>
-                <a:cxn ang="10800000">
-                  <a:pos x="wd2" y="hd2"/>
-                </a:cxn>
-                <a:cxn ang="16200000">
-                  <a:pos x="wd2" y="hd2"/>
-                </a:cxn>
-              </a:cxnLst>
-              <a:rect l="0" t="0" r="r" b="b"/>
-              <a:pathLst>
-                <a:path w="21600" h="21600" extrusionOk="0">
-                  <a:moveTo>
-                    <a:pt x="2875" y="20525"/>
-                  </a:moveTo>
-                  <a:cubicBezTo>
-                    <a:pt x="2875" y="12221"/>
-                    <a:pt x="6430" y="5464"/>
-                    <a:pt x="10800" y="5464"/>
-                  </a:cubicBezTo>
-                  <a:cubicBezTo>
-                    <a:pt x="15170" y="5464"/>
-                    <a:pt x="18725" y="12221"/>
-                    <a:pt x="18725" y="20525"/>
-                  </a:cubicBezTo>
-                  <a:lnTo>
-                    <a:pt x="18725" y="21600"/>
-                  </a:lnTo>
-                  <a:lnTo>
-                    <a:pt x="21600" y="21600"/>
-                  </a:lnTo>
-                  <a:lnTo>
-                    <a:pt x="21600" y="20526"/>
-                  </a:lnTo>
-                  <a:cubicBezTo>
-                    <a:pt x="21600" y="9190"/>
-                    <a:pt x="16765" y="0"/>
-                    <a:pt x="10800" y="0"/>
-                  </a:cubicBezTo>
-                  <a:cubicBezTo>
-                    <a:pt x="4835" y="0"/>
-                    <a:pt x="0" y="9190"/>
-                    <a:pt x="0" y="20526"/>
-                  </a:cubicBezTo>
-                  <a:lnTo>
-                    <a:pt x="0" y="21600"/>
-                  </a:lnTo>
-                  <a:lnTo>
-                    <a:pt x="2875" y="21600"/>
-                  </a:lnTo>
-                  <a:cubicBezTo>
-                    <a:pt x="2875" y="21600"/>
-                    <a:pt x="2875" y="20525"/>
-                    <a:pt x="2875" y="20525"/>
-                  </a:cubicBezTo>
-                  <a:close/>
-                </a:path>
-              </a:pathLst>
-            </a:custGeom>
-            <a:solidFill>
-              <a:schemeClr val="accent6"/>
-            </a:solidFill>
-            <a:ln w="12700">
-              <a:miter lim="400000"/>
-            </a:ln>
-          </p:spPr>
-          <p:txBody>
-            <a:bodyPr lIns="38100" tIns="38100" rIns="38100" bIns="38100" anchor="ctr"/>
-            <a:lstStyle/>
-            <a:p>
-              <a:pPr>
-                <a:defRPr sz="3000">
-                  <a:solidFill>
-                    <a:srgbClr val="FFFFFF"/>
-                  </a:solidFill>
-                  <a:effectLst>
-                    <a:outerShdw blurRad="38100" dist="12700" dir="5400000" rotWithShape="0">
-                      <a:srgbClr val="000000">
-                        <a:alpha val="50000"/>
-                      </a:srgbClr>
-                    </a:outerShdw>
-                  </a:effectLst>
-                </a:defRPr>
-              </a:pPr>
-              <a:endParaRPr/>
-            </a:p>
-          </p:txBody>
-        </p:sp>
-        <p:sp>
-          <p:nvSpPr>
-            <p:cNvPr id="15" name="Shape">
-              <a:extLst>
-                <a:ext uri="{FF2B5EF4-FFF2-40B4-BE49-F238E27FC236}">
-                  <a16:creationId xmlns:a16="http://schemas.microsoft.com/office/drawing/2014/main" id="{4263DEE4-5FF4-C1B9-D199-7C39C7B9A146}"/>
-                </a:ext>
-              </a:extLst>
-            </p:cNvPr>
-            <p:cNvSpPr/>
-            <p:nvPr userDrawn="1"/>
-          </p:nvSpPr>
-          <p:spPr>
-            <a:xfrm>
-              <a:off x="1885036" y="5840730"/>
-              <a:ext cx="221938" cy="116777"/>
-            </a:xfrm>
-            <a:custGeom>
-              <a:avLst/>
-              <a:gdLst/>
-              <a:ahLst/>
-              <a:cxnLst>
-                <a:cxn ang="0">
-                  <a:pos x="wd2" y="hd2"/>
-                </a:cxn>
-                <a:cxn ang="5400000">
-                  <a:pos x="wd2" y="hd2"/>
-                </a:cxn>
-                <a:cxn ang="10800000">
-                  <a:pos x="wd2" y="hd2"/>
-                </a:cxn>
-                <a:cxn ang="16200000">
-                  <a:pos x="wd2" y="hd2"/>
-                </a:cxn>
-              </a:cxnLst>
-              <a:rect l="0" t="0" r="r" b="b"/>
-              <a:pathLst>
-                <a:path w="21600" h="21600" extrusionOk="0">
-                  <a:moveTo>
-                    <a:pt x="18725" y="1074"/>
-                  </a:moveTo>
-                  <a:cubicBezTo>
-                    <a:pt x="18725" y="9379"/>
-                    <a:pt x="15170" y="16136"/>
-                    <a:pt x="10800" y="16136"/>
-                  </a:cubicBezTo>
-                  <a:cubicBezTo>
-                    <a:pt x="6430" y="16136"/>
-                    <a:pt x="2875" y="9379"/>
-                    <a:pt x="2875" y="1074"/>
-                  </a:cubicBezTo>
-                  <a:lnTo>
-                    <a:pt x="2875" y="0"/>
-                  </a:lnTo>
-                  <a:lnTo>
-                    <a:pt x="0" y="0"/>
-                  </a:lnTo>
-                  <a:lnTo>
-                    <a:pt x="0" y="1074"/>
-                  </a:lnTo>
-                  <a:cubicBezTo>
-                    <a:pt x="0" y="12410"/>
-                    <a:pt x="4835" y="21600"/>
-                    <a:pt x="10800" y="21600"/>
-                  </a:cubicBezTo>
-                  <a:cubicBezTo>
-                    <a:pt x="16765" y="21600"/>
-                    <a:pt x="21600" y="12410"/>
-                    <a:pt x="21600" y="1074"/>
-                  </a:cubicBezTo>
-                  <a:lnTo>
-                    <a:pt x="21600" y="0"/>
-                  </a:lnTo>
-                  <a:lnTo>
-                    <a:pt x="18725" y="0"/>
-                  </a:lnTo>
-                  <a:cubicBezTo>
-                    <a:pt x="18725" y="0"/>
-                    <a:pt x="18725" y="1074"/>
-                    <a:pt x="18725" y="1074"/>
-                  </a:cubicBezTo>
-                  <a:close/>
-                </a:path>
-              </a:pathLst>
-            </a:custGeom>
-            <a:solidFill>
-              <a:schemeClr val="accent6"/>
-            </a:solidFill>
-            <a:ln w="12700">
-              <a:miter lim="400000"/>
-            </a:ln>
-          </p:spPr>
-          <p:txBody>
-            <a:bodyPr lIns="38100" tIns="38100" rIns="38100" bIns="38100" anchor="ctr"/>
-            <a:lstStyle/>
-            <a:p>
-              <a:pPr>
-                <a:defRPr sz="3000">
-                  <a:solidFill>
-                    <a:srgbClr val="FFFFFF"/>
-                  </a:solidFill>
-                  <a:effectLst>
-                    <a:outerShdw blurRad="38100" dist="12700" dir="5400000" rotWithShape="0">
-                      <a:srgbClr val="000000">
-                        <a:alpha val="50000"/>
-                      </a:srgbClr>
-                    </a:outerShdw>
-                  </a:effectLst>
-                </a:defRPr>
-              </a:pPr>
-              <a:endParaRPr/>
-            </a:p>
-          </p:txBody>
-        </p:sp>
-        <p:sp>
-          <p:nvSpPr>
-            <p:cNvPr id="16" name="POWERPOINT TEMPLATE">
-              <a:extLst>
-                <a:ext uri="{FF2B5EF4-FFF2-40B4-BE49-F238E27FC236}">
-                  <a16:creationId xmlns:a16="http://schemas.microsoft.com/office/drawing/2014/main" id="{E5C3B62E-9FF4-013D-40B9-DC5109783A47}"/>
-                </a:ext>
-              </a:extLst>
-            </p:cNvPr>
-            <p:cNvSpPr/>
-            <p:nvPr userDrawn="1"/>
-          </p:nvSpPr>
-          <p:spPr>
-            <a:xfrm>
-              <a:off x="1832720" y="5510100"/>
-              <a:ext cx="5887702" cy="384721"/>
-            </a:xfrm>
-            <a:prstGeom prst="rect">
-              <a:avLst/>
-            </a:prstGeom>
-            <a:ln w="12700">
-              <a:miter lim="400000"/>
-            </a:ln>
-            <a:extLst>
-              <a:ext uri="{C572A759-6A51-4108-AA02-DFA0A04FC94B}">
-                <ma14:wrappingTextBoxFlag xmlns:ma14="http://schemas.microsoft.com/office/mac/drawingml/2011/main" xmlns:a14="http://schemas.microsoft.com/office/drawing/2010/main" xmlns:m="http://schemas.openxmlformats.org/officeDocument/2006/math" xmlns="" val="1"/>
-              </a:ext>
-            </a:extLst>
-          </p:spPr>
-          <p:txBody>
-            <a:bodyPr wrap="none" lIns="38100" tIns="38100" rIns="38100" bIns="38100" anchor="ctr">
-              <a:spAutoFit/>
-            </a:bodyPr>
-            <a:lstStyle>
-              <a:lvl1pPr>
-                <a:lnSpc>
-                  <a:spcPts val="4500"/>
-                </a:lnSpc>
-                <a:tabLst>
-                  <a:tab pos="1066800" algn="l"/>
-                </a:tabLst>
-                <a:defRPr sz="3821">
-                  <a:latin typeface="Arial"/>
-                  <a:ea typeface="Arial"/>
-                  <a:cs typeface="Arial"/>
-                  <a:sym typeface="Arial"/>
-                </a:defRPr>
-              </a:lvl1pPr>
-            </a:lstStyle>
-            <a:p>
-              <a:pPr algn="l">
-                <a:lnSpc>
-                  <a:spcPct val="100000"/>
-                </a:lnSpc>
-              </a:pPr>
-              <a:r>
-                <a:rPr lang="zh-CN" altLang="en-US" sz="2000" dirty="0">
-                  <a:solidFill>
-                    <a:schemeClr val="tx2"/>
-                  </a:solidFill>
-                </a:rPr>
-                <a:t>基于</a:t>
-              </a:r>
-              <a:r>
-                <a:rPr lang="en-US" sz="2000" dirty="0">
-                  <a:solidFill>
-                    <a:schemeClr val="accent3"/>
-                  </a:solidFill>
-                  <a:latin typeface="Arial Black" panose="020B0604020202020204" pitchFamily="34" charset="0"/>
-                  <a:cs typeface="Arial Black" panose="020B0604020202020204" pitchFamily="34" charset="0"/>
-                </a:rPr>
-                <a:t>V</a:t>
-              </a:r>
-              <a:r>
-                <a:rPr lang="en-US" altLang="zh-CN" sz="2000" dirty="0">
-                  <a:solidFill>
-                    <a:schemeClr val="accent3"/>
-                  </a:solidFill>
-                  <a:latin typeface="Arial Black" panose="020B0604020202020204" pitchFamily="34" charset="0"/>
-                  <a:cs typeface="Arial Black" panose="020B0604020202020204" pitchFamily="34" charset="0"/>
-                </a:rPr>
-                <a:t>isual Texture Exchange</a:t>
-              </a:r>
-              <a:r>
-                <a:rPr lang="zh-CN" altLang="en-US" sz="2000" dirty="0">
-                  <a:solidFill>
-                    <a:schemeClr val="tx2"/>
-                  </a:solidFill>
-                </a:rPr>
-                <a:t>的文本交互系</a:t>
-              </a:r>
-              <a:r>
-                <a:rPr lang="zh-CN" altLang="en-US" sz="2000" b="1" dirty="0">
-                  <a:solidFill>
-                    <a:schemeClr val="tx2"/>
-                  </a:solidFill>
-                </a:rPr>
-                <a:t>统</a:t>
-              </a:r>
-              <a:endParaRPr lang="en-US" sz="2000" b="1" spc="170" dirty="0">
-                <a:solidFill>
-                  <a:schemeClr val="accent3"/>
-                </a:solidFill>
-              </a:endParaRPr>
-            </a:p>
-          </p:txBody>
-        </p:sp>
-      </p:grpSp>
-      <p:grpSp>
-        <p:nvGrpSpPr>
           <p:cNvPr id="17" name="Group 31">
             <a:extLst>
               <a:ext uri="{FF2B5EF4-FFF2-40B4-BE49-F238E27FC236}">
@@ -12313,6 +11652,582 @@
           </p:txBody>
         </p:sp>
       </p:grpSp>
+      <p:grpSp>
+        <p:nvGrpSpPr>
+          <p:cNvPr id="9" name="Group 19">
+            <a:extLst>
+              <a:ext uri="{FF2B5EF4-FFF2-40B4-BE49-F238E27FC236}">
+                <a16:creationId xmlns:a16="http://schemas.microsoft.com/office/drawing/2014/main" id="{61B1EC0C-957A-E027-0EFD-E2F96AC6CB9E}"/>
+              </a:ext>
+            </a:extLst>
+          </p:cNvPr>
+          <p:cNvGrpSpPr/>
+          <p:nvPr userDrawn="1"/>
+        </p:nvGrpSpPr>
+        <p:grpSpPr>
+          <a:xfrm>
+            <a:off x="494469" y="6247857"/>
+            <a:ext cx="5887702" cy="511448"/>
+            <a:chOff x="1832720" y="5446059"/>
+            <a:chExt cx="5887702" cy="511448"/>
+          </a:xfrm>
+        </p:grpSpPr>
+        <p:sp>
+          <p:nvSpPr>
+            <p:cNvPr id="10" name="Shape">
+              <a:extLst>
+                <a:ext uri="{FF2B5EF4-FFF2-40B4-BE49-F238E27FC236}">
+                  <a16:creationId xmlns:a16="http://schemas.microsoft.com/office/drawing/2014/main" id="{303836A9-3BD2-EB9E-FF43-CACDFB6F945D}"/>
+                </a:ext>
+              </a:extLst>
+            </p:cNvPr>
+            <p:cNvSpPr/>
+            <p:nvPr userDrawn="1"/>
+          </p:nvSpPr>
+          <p:spPr>
+            <a:xfrm>
+              <a:off x="1944118" y="5505141"/>
+              <a:ext cx="103773" cy="57696"/>
+            </a:xfrm>
+            <a:custGeom>
+              <a:avLst/>
+              <a:gdLst/>
+              <a:ahLst/>
+              <a:cxnLst>
+                <a:cxn ang="0">
+                  <a:pos x="wd2" y="hd2"/>
+                </a:cxn>
+                <a:cxn ang="5400000">
+                  <a:pos x="wd2" y="hd2"/>
+                </a:cxn>
+                <a:cxn ang="10800000">
+                  <a:pos x="wd2" y="hd2"/>
+                </a:cxn>
+                <a:cxn ang="16200000">
+                  <a:pos x="wd2" y="hd2"/>
+                </a:cxn>
+              </a:cxnLst>
+              <a:rect l="0" t="0" r="r" b="b"/>
+              <a:pathLst>
+                <a:path w="21600" h="21600" extrusionOk="0">
+                  <a:moveTo>
+                    <a:pt x="6149" y="19425"/>
+                  </a:moveTo>
+                  <a:cubicBezTo>
+                    <a:pt x="6149" y="14812"/>
+                    <a:pt x="8235" y="11059"/>
+                    <a:pt x="10800" y="11059"/>
+                  </a:cubicBezTo>
+                  <a:cubicBezTo>
+                    <a:pt x="13365" y="11059"/>
+                    <a:pt x="15451" y="14812"/>
+                    <a:pt x="15451" y="19425"/>
+                  </a:cubicBezTo>
+                  <a:lnTo>
+                    <a:pt x="15451" y="21600"/>
+                  </a:lnTo>
+                  <a:lnTo>
+                    <a:pt x="21600" y="21600"/>
+                  </a:lnTo>
+                  <a:lnTo>
+                    <a:pt x="21600" y="19425"/>
+                  </a:lnTo>
+                  <a:cubicBezTo>
+                    <a:pt x="21600" y="8714"/>
+                    <a:pt x="16755" y="0"/>
+                    <a:pt x="10800" y="0"/>
+                  </a:cubicBezTo>
+                  <a:cubicBezTo>
+                    <a:pt x="4845" y="0"/>
+                    <a:pt x="0" y="8714"/>
+                    <a:pt x="0" y="19425"/>
+                  </a:cubicBezTo>
+                  <a:lnTo>
+                    <a:pt x="0" y="21600"/>
+                  </a:lnTo>
+                  <a:lnTo>
+                    <a:pt x="6149" y="21600"/>
+                  </a:lnTo>
+                  <a:cubicBezTo>
+                    <a:pt x="6149" y="21600"/>
+                    <a:pt x="6149" y="19425"/>
+                    <a:pt x="6149" y="19425"/>
+                  </a:cubicBezTo>
+                  <a:close/>
+                </a:path>
+              </a:pathLst>
+            </a:custGeom>
+            <a:solidFill>
+              <a:schemeClr val="accent3"/>
+            </a:solidFill>
+            <a:ln w="12700">
+              <a:miter lim="400000"/>
+            </a:ln>
+          </p:spPr>
+          <p:txBody>
+            <a:bodyPr lIns="38100" tIns="38100" rIns="38100" bIns="38100" anchor="ctr"/>
+            <a:lstStyle/>
+            <a:p>
+              <a:pPr>
+                <a:defRPr sz="3000">
+                  <a:solidFill>
+                    <a:srgbClr val="FFFFFF"/>
+                  </a:solidFill>
+                  <a:effectLst>
+                    <a:outerShdw blurRad="38100" dist="12700" dir="5400000" rotWithShape="0">
+                      <a:srgbClr val="000000">
+                        <a:alpha val="50000"/>
+                      </a:srgbClr>
+                    </a:outerShdw>
+                  </a:effectLst>
+                </a:defRPr>
+              </a:pPr>
+              <a:endParaRPr/>
+            </a:p>
+          </p:txBody>
+        </p:sp>
+        <p:sp>
+          <p:nvSpPr>
+            <p:cNvPr id="11" name="Shape">
+              <a:extLst>
+                <a:ext uri="{FF2B5EF4-FFF2-40B4-BE49-F238E27FC236}">
+                  <a16:creationId xmlns:a16="http://schemas.microsoft.com/office/drawing/2014/main" id="{3BBCBFC4-DBC7-9D77-893B-C6EFE7EEFA2C}"/>
+                </a:ext>
+              </a:extLst>
+            </p:cNvPr>
+            <p:cNvSpPr/>
+            <p:nvPr userDrawn="1"/>
+          </p:nvSpPr>
+          <p:spPr>
+            <a:xfrm>
+              <a:off x="1944118" y="5840730"/>
+              <a:ext cx="103773" cy="57694"/>
+            </a:xfrm>
+            <a:custGeom>
+              <a:avLst/>
+              <a:gdLst/>
+              <a:ahLst/>
+              <a:cxnLst>
+                <a:cxn ang="0">
+                  <a:pos x="wd2" y="hd2"/>
+                </a:cxn>
+                <a:cxn ang="5400000">
+                  <a:pos x="wd2" y="hd2"/>
+                </a:cxn>
+                <a:cxn ang="10800000">
+                  <a:pos x="wd2" y="hd2"/>
+                </a:cxn>
+                <a:cxn ang="16200000">
+                  <a:pos x="wd2" y="hd2"/>
+                </a:cxn>
+              </a:cxnLst>
+              <a:rect l="0" t="0" r="r" b="b"/>
+              <a:pathLst>
+                <a:path w="21600" h="21600" extrusionOk="0">
+                  <a:moveTo>
+                    <a:pt x="15451" y="2174"/>
+                  </a:moveTo>
+                  <a:cubicBezTo>
+                    <a:pt x="15451" y="6787"/>
+                    <a:pt x="13365" y="10540"/>
+                    <a:pt x="10800" y="10540"/>
+                  </a:cubicBezTo>
+                  <a:cubicBezTo>
+                    <a:pt x="8235" y="10540"/>
+                    <a:pt x="6149" y="6787"/>
+                    <a:pt x="6149" y="2174"/>
+                  </a:cubicBezTo>
+                  <a:lnTo>
+                    <a:pt x="6149" y="0"/>
+                  </a:lnTo>
+                  <a:lnTo>
+                    <a:pt x="0" y="0"/>
+                  </a:lnTo>
+                  <a:lnTo>
+                    <a:pt x="0" y="2174"/>
+                  </a:lnTo>
+                  <a:cubicBezTo>
+                    <a:pt x="0" y="12886"/>
+                    <a:pt x="4845" y="21600"/>
+                    <a:pt x="10800" y="21600"/>
+                  </a:cubicBezTo>
+                  <a:cubicBezTo>
+                    <a:pt x="16755" y="21600"/>
+                    <a:pt x="21600" y="12886"/>
+                    <a:pt x="21600" y="2174"/>
+                  </a:cubicBezTo>
+                  <a:lnTo>
+                    <a:pt x="21600" y="0"/>
+                  </a:lnTo>
+                  <a:lnTo>
+                    <a:pt x="15451" y="0"/>
+                  </a:lnTo>
+                  <a:cubicBezTo>
+                    <a:pt x="15451" y="0"/>
+                    <a:pt x="15451" y="2174"/>
+                    <a:pt x="15451" y="2174"/>
+                  </a:cubicBezTo>
+                  <a:close/>
+                </a:path>
+              </a:pathLst>
+            </a:custGeom>
+            <a:solidFill>
+              <a:schemeClr val="accent3"/>
+            </a:solidFill>
+            <a:ln w="12700">
+              <a:miter lim="400000"/>
+            </a:ln>
+          </p:spPr>
+          <p:txBody>
+            <a:bodyPr lIns="38100" tIns="38100" rIns="38100" bIns="38100" anchor="ctr"/>
+            <a:lstStyle/>
+            <a:p>
+              <a:pPr>
+                <a:defRPr sz="3000">
+                  <a:solidFill>
+                    <a:srgbClr val="FFFFFF"/>
+                  </a:solidFill>
+                  <a:effectLst>
+                    <a:outerShdw blurRad="38100" dist="12700" dir="5400000" rotWithShape="0">
+                      <a:srgbClr val="000000">
+                        <a:alpha val="50000"/>
+                      </a:srgbClr>
+                    </a:outerShdw>
+                  </a:effectLst>
+                </a:defRPr>
+              </a:pPr>
+              <a:endParaRPr/>
+            </a:p>
+          </p:txBody>
+        </p:sp>
+        <p:sp>
+          <p:nvSpPr>
+            <p:cNvPr id="12" name="Shape">
+              <a:extLst>
+                <a:ext uri="{FF2B5EF4-FFF2-40B4-BE49-F238E27FC236}">
+                  <a16:creationId xmlns:a16="http://schemas.microsoft.com/office/drawing/2014/main" id="{3B1F7C72-A1B8-4A3A-A8EF-759E5BF09399}"/>
+                </a:ext>
+              </a:extLst>
+            </p:cNvPr>
+            <p:cNvSpPr/>
+            <p:nvPr userDrawn="1"/>
+          </p:nvSpPr>
+          <p:spPr>
+            <a:xfrm>
+              <a:off x="1885036" y="5446059"/>
+              <a:ext cx="221938" cy="116778"/>
+            </a:xfrm>
+            <a:custGeom>
+              <a:avLst/>
+              <a:gdLst/>
+              <a:ahLst/>
+              <a:cxnLst>
+                <a:cxn ang="0">
+                  <a:pos x="wd2" y="hd2"/>
+                </a:cxn>
+                <a:cxn ang="5400000">
+                  <a:pos x="wd2" y="hd2"/>
+                </a:cxn>
+                <a:cxn ang="10800000">
+                  <a:pos x="wd2" y="hd2"/>
+                </a:cxn>
+                <a:cxn ang="16200000">
+                  <a:pos x="wd2" y="hd2"/>
+                </a:cxn>
+              </a:cxnLst>
+              <a:rect l="0" t="0" r="r" b="b"/>
+              <a:pathLst>
+                <a:path w="21600" h="21600" extrusionOk="0">
+                  <a:moveTo>
+                    <a:pt x="2875" y="20525"/>
+                  </a:moveTo>
+                  <a:cubicBezTo>
+                    <a:pt x="2875" y="12221"/>
+                    <a:pt x="6430" y="5464"/>
+                    <a:pt x="10800" y="5464"/>
+                  </a:cubicBezTo>
+                  <a:cubicBezTo>
+                    <a:pt x="15170" y="5464"/>
+                    <a:pt x="18725" y="12221"/>
+                    <a:pt x="18725" y="20525"/>
+                  </a:cubicBezTo>
+                  <a:lnTo>
+                    <a:pt x="18725" y="21600"/>
+                  </a:lnTo>
+                  <a:lnTo>
+                    <a:pt x="21600" y="21600"/>
+                  </a:lnTo>
+                  <a:lnTo>
+                    <a:pt x="21600" y="20526"/>
+                  </a:lnTo>
+                  <a:cubicBezTo>
+                    <a:pt x="21600" y="9190"/>
+                    <a:pt x="16765" y="0"/>
+                    <a:pt x="10800" y="0"/>
+                  </a:cubicBezTo>
+                  <a:cubicBezTo>
+                    <a:pt x="4835" y="0"/>
+                    <a:pt x="0" y="9190"/>
+                    <a:pt x="0" y="20526"/>
+                  </a:cubicBezTo>
+                  <a:lnTo>
+                    <a:pt x="0" y="21600"/>
+                  </a:lnTo>
+                  <a:lnTo>
+                    <a:pt x="2875" y="21600"/>
+                  </a:lnTo>
+                  <a:cubicBezTo>
+                    <a:pt x="2875" y="21600"/>
+                    <a:pt x="2875" y="20525"/>
+                    <a:pt x="2875" y="20525"/>
+                  </a:cubicBezTo>
+                  <a:close/>
+                </a:path>
+              </a:pathLst>
+            </a:custGeom>
+            <a:solidFill>
+              <a:schemeClr val="accent6"/>
+            </a:solidFill>
+            <a:ln w="12700">
+              <a:miter lim="400000"/>
+            </a:ln>
+          </p:spPr>
+          <p:txBody>
+            <a:bodyPr lIns="38100" tIns="38100" rIns="38100" bIns="38100" anchor="ctr"/>
+            <a:lstStyle/>
+            <a:p>
+              <a:pPr>
+                <a:defRPr sz="3000">
+                  <a:solidFill>
+                    <a:srgbClr val="FFFFFF"/>
+                  </a:solidFill>
+                  <a:effectLst>
+                    <a:outerShdw blurRad="38100" dist="12700" dir="5400000" rotWithShape="0">
+                      <a:srgbClr val="000000">
+                        <a:alpha val="50000"/>
+                      </a:srgbClr>
+                    </a:outerShdw>
+                  </a:effectLst>
+                </a:defRPr>
+              </a:pPr>
+              <a:endParaRPr/>
+            </a:p>
+          </p:txBody>
+        </p:sp>
+        <p:sp>
+          <p:nvSpPr>
+            <p:cNvPr id="13" name="Shape">
+              <a:extLst>
+                <a:ext uri="{FF2B5EF4-FFF2-40B4-BE49-F238E27FC236}">
+                  <a16:creationId xmlns:a16="http://schemas.microsoft.com/office/drawing/2014/main" id="{3D632BB8-8FCF-1C82-AD09-289CFD9E7EBC}"/>
+                </a:ext>
+              </a:extLst>
+            </p:cNvPr>
+            <p:cNvSpPr/>
+            <p:nvPr userDrawn="1"/>
+          </p:nvSpPr>
+          <p:spPr>
+            <a:xfrm>
+              <a:off x="1885036" y="5840730"/>
+              <a:ext cx="221938" cy="116777"/>
+            </a:xfrm>
+            <a:custGeom>
+              <a:avLst/>
+              <a:gdLst/>
+              <a:ahLst/>
+              <a:cxnLst>
+                <a:cxn ang="0">
+                  <a:pos x="wd2" y="hd2"/>
+                </a:cxn>
+                <a:cxn ang="5400000">
+                  <a:pos x="wd2" y="hd2"/>
+                </a:cxn>
+                <a:cxn ang="10800000">
+                  <a:pos x="wd2" y="hd2"/>
+                </a:cxn>
+                <a:cxn ang="16200000">
+                  <a:pos x="wd2" y="hd2"/>
+                </a:cxn>
+              </a:cxnLst>
+              <a:rect l="0" t="0" r="r" b="b"/>
+              <a:pathLst>
+                <a:path w="21600" h="21600" extrusionOk="0">
+                  <a:moveTo>
+                    <a:pt x="18725" y="1074"/>
+                  </a:moveTo>
+                  <a:cubicBezTo>
+                    <a:pt x="18725" y="9379"/>
+                    <a:pt x="15170" y="16136"/>
+                    <a:pt x="10800" y="16136"/>
+                  </a:cubicBezTo>
+                  <a:cubicBezTo>
+                    <a:pt x="6430" y="16136"/>
+                    <a:pt x="2875" y="9379"/>
+                    <a:pt x="2875" y="1074"/>
+                  </a:cubicBezTo>
+                  <a:lnTo>
+                    <a:pt x="2875" y="0"/>
+                  </a:lnTo>
+                  <a:lnTo>
+                    <a:pt x="0" y="0"/>
+                  </a:lnTo>
+                  <a:lnTo>
+                    <a:pt x="0" y="1074"/>
+                  </a:lnTo>
+                  <a:cubicBezTo>
+                    <a:pt x="0" y="12410"/>
+                    <a:pt x="4835" y="21600"/>
+                    <a:pt x="10800" y="21600"/>
+                  </a:cubicBezTo>
+                  <a:cubicBezTo>
+                    <a:pt x="16765" y="21600"/>
+                    <a:pt x="21600" y="12410"/>
+                    <a:pt x="21600" y="1074"/>
+                  </a:cubicBezTo>
+                  <a:lnTo>
+                    <a:pt x="21600" y="0"/>
+                  </a:lnTo>
+                  <a:lnTo>
+                    <a:pt x="18725" y="0"/>
+                  </a:lnTo>
+                  <a:cubicBezTo>
+                    <a:pt x="18725" y="0"/>
+                    <a:pt x="18725" y="1074"/>
+                    <a:pt x="18725" y="1074"/>
+                  </a:cubicBezTo>
+                  <a:close/>
+                </a:path>
+              </a:pathLst>
+            </a:custGeom>
+            <a:solidFill>
+              <a:schemeClr val="accent6"/>
+            </a:solidFill>
+            <a:ln w="12700">
+              <a:miter lim="400000"/>
+            </a:ln>
+          </p:spPr>
+          <p:txBody>
+            <a:bodyPr lIns="38100" tIns="38100" rIns="38100" bIns="38100" anchor="ctr"/>
+            <a:lstStyle/>
+            <a:p>
+              <a:pPr>
+                <a:defRPr sz="3000">
+                  <a:solidFill>
+                    <a:srgbClr val="FFFFFF"/>
+                  </a:solidFill>
+                  <a:effectLst>
+                    <a:outerShdw blurRad="38100" dist="12700" dir="5400000" rotWithShape="0">
+                      <a:srgbClr val="000000">
+                        <a:alpha val="50000"/>
+                      </a:srgbClr>
+                    </a:outerShdw>
+                  </a:effectLst>
+                </a:defRPr>
+              </a:pPr>
+              <a:endParaRPr/>
+            </a:p>
+          </p:txBody>
+        </p:sp>
+        <p:sp>
+          <p:nvSpPr>
+            <p:cNvPr id="18" name="POWERPOINT TEMPLATE">
+              <a:extLst>
+                <a:ext uri="{FF2B5EF4-FFF2-40B4-BE49-F238E27FC236}">
+                  <a16:creationId xmlns:a16="http://schemas.microsoft.com/office/drawing/2014/main" id="{833EB8B2-520D-306C-5C98-5244E818FC52}"/>
+                </a:ext>
+              </a:extLst>
+            </p:cNvPr>
+            <p:cNvSpPr/>
+            <p:nvPr userDrawn="1"/>
+          </p:nvSpPr>
+          <p:spPr>
+            <a:xfrm>
+              <a:off x="1832720" y="5510100"/>
+              <a:ext cx="5887702" cy="384721"/>
+            </a:xfrm>
+            <a:prstGeom prst="rect">
+              <a:avLst/>
+            </a:prstGeom>
+            <a:ln w="12700">
+              <a:miter lim="400000"/>
+            </a:ln>
+            <a:extLst>
+              <a:ext uri="{C572A759-6A51-4108-AA02-DFA0A04FC94B}">
+                <ma14:wrappingTextBoxFlag xmlns:ma14="http://schemas.microsoft.com/office/mac/drawingml/2011/main" xmlns:a14="http://schemas.microsoft.com/office/drawing/2010/main" xmlns:m="http://schemas.openxmlformats.org/officeDocument/2006/math" xmlns="" val="1"/>
+              </a:ext>
+            </a:extLst>
+          </p:spPr>
+          <p:txBody>
+            <a:bodyPr wrap="none" lIns="38100" tIns="38100" rIns="38100" bIns="38100" anchor="ctr">
+              <a:spAutoFit/>
+            </a:bodyPr>
+            <a:lstStyle>
+              <a:lvl1pPr>
+                <a:lnSpc>
+                  <a:spcPts val="4500"/>
+                </a:lnSpc>
+                <a:tabLst>
+                  <a:tab pos="1066800" algn="l"/>
+                </a:tabLst>
+                <a:defRPr sz="3821">
+                  <a:latin typeface="Arial"/>
+                  <a:ea typeface="Arial"/>
+                  <a:cs typeface="Arial"/>
+                  <a:sym typeface="Arial"/>
+                </a:defRPr>
+              </a:lvl1pPr>
+            </a:lstStyle>
+            <a:p>
+              <a:pPr algn="l">
+                <a:lnSpc>
+                  <a:spcPct val="100000"/>
+                </a:lnSpc>
+              </a:pPr>
+              <a:r>
+                <a:rPr lang="zh-CN" altLang="en-US" sz="2000" b="1" dirty="0">
+                  <a:solidFill>
+                    <a:schemeClr val="tx2"/>
+                  </a:solidFill>
+                </a:rPr>
+                <a:t>基于</a:t>
+              </a:r>
+              <a:r>
+                <a:rPr lang="en-US" sz="2000" dirty="0">
+                  <a:solidFill>
+                    <a:schemeClr val="accent3"/>
+                  </a:solidFill>
+                  <a:latin typeface="Arial Black" panose="020B0604020202020204" pitchFamily="34" charset="0"/>
+                  <a:cs typeface="Arial Black" panose="020B0604020202020204" pitchFamily="34" charset="0"/>
+                </a:rPr>
+                <a:t>V</a:t>
+              </a:r>
+              <a:r>
+                <a:rPr lang="en-US" altLang="zh-CN" sz="2000" dirty="0">
+                  <a:solidFill>
+                    <a:schemeClr val="accent3"/>
+                  </a:solidFill>
+                  <a:latin typeface="Arial Black" panose="020B0604020202020204" pitchFamily="34" charset="0"/>
+                  <a:cs typeface="Arial Black" panose="020B0604020202020204" pitchFamily="34" charset="0"/>
+                </a:rPr>
+                <a:t>isual Texture Exchange</a:t>
+              </a:r>
+              <a:r>
+                <a:rPr lang="zh-CN" altLang="en-US" sz="2000" b="1" dirty="0">
+                  <a:solidFill>
+                    <a:schemeClr val="tx2"/>
+                  </a:solidFill>
+                </a:rPr>
+                <a:t>的文本交互系统</a:t>
+              </a:r>
+              <a:endParaRPr lang="en-US" sz="2000" b="1" spc="170" dirty="0">
+                <a:solidFill>
+                  <a:schemeClr val="accent3"/>
+                </a:solidFill>
+              </a:endParaRPr>
+            </a:p>
+          </p:txBody>
+        </p:sp>
+      </p:grpSp>
     </p:spTree>
     <p:extLst>
       <p:ext uri="{BB962C8B-B14F-4D97-AF65-F5344CB8AC3E}">
@@ -12535,590 +12450,6 @@
           </a:fontRef>
         </p:style>
       </p:cxnSp>
-      <p:grpSp>
-        <p:nvGrpSpPr>
-          <p:cNvPr id="3" name="Group 19">
-            <a:extLst>
-              <a:ext uri="{FF2B5EF4-FFF2-40B4-BE49-F238E27FC236}">
-                <a16:creationId xmlns:a16="http://schemas.microsoft.com/office/drawing/2014/main" id="{F44B945E-48E3-F6E4-E3B3-40DD6A74680E}"/>
-              </a:ext>
-            </a:extLst>
-          </p:cNvPr>
-          <p:cNvGrpSpPr/>
-          <p:nvPr userDrawn="1"/>
-        </p:nvGrpSpPr>
-        <p:grpSpPr>
-          <a:xfrm>
-            <a:off x="494469" y="6247857"/>
-            <a:ext cx="5887702" cy="511448"/>
-            <a:chOff x="1832720" y="5446059"/>
-            <a:chExt cx="5887702" cy="511448"/>
-          </a:xfrm>
-        </p:grpSpPr>
-        <p:sp>
-          <p:nvSpPr>
-            <p:cNvPr id="4" name="Shape">
-              <a:extLst>
-                <a:ext uri="{FF2B5EF4-FFF2-40B4-BE49-F238E27FC236}">
-                  <a16:creationId xmlns:a16="http://schemas.microsoft.com/office/drawing/2014/main" id="{7AA3BAC8-A96B-8BDA-110B-F8640C4146D8}"/>
-                </a:ext>
-              </a:extLst>
-            </p:cNvPr>
-            <p:cNvSpPr/>
-            <p:nvPr userDrawn="1"/>
-          </p:nvSpPr>
-          <p:spPr>
-            <a:xfrm>
-              <a:off x="1944118" y="5505141"/>
-              <a:ext cx="103773" cy="57696"/>
-            </a:xfrm>
-            <a:custGeom>
-              <a:avLst/>
-              <a:gdLst/>
-              <a:ahLst/>
-              <a:cxnLst>
-                <a:cxn ang="0">
-                  <a:pos x="wd2" y="hd2"/>
-                </a:cxn>
-                <a:cxn ang="5400000">
-                  <a:pos x="wd2" y="hd2"/>
-                </a:cxn>
-                <a:cxn ang="10800000">
-                  <a:pos x="wd2" y="hd2"/>
-                </a:cxn>
-                <a:cxn ang="16200000">
-                  <a:pos x="wd2" y="hd2"/>
-                </a:cxn>
-              </a:cxnLst>
-              <a:rect l="0" t="0" r="r" b="b"/>
-              <a:pathLst>
-                <a:path w="21600" h="21600" extrusionOk="0">
-                  <a:moveTo>
-                    <a:pt x="6149" y="19425"/>
-                  </a:moveTo>
-                  <a:cubicBezTo>
-                    <a:pt x="6149" y="14812"/>
-                    <a:pt x="8235" y="11059"/>
-                    <a:pt x="10800" y="11059"/>
-                  </a:cubicBezTo>
-                  <a:cubicBezTo>
-                    <a:pt x="13365" y="11059"/>
-                    <a:pt x="15451" y="14812"/>
-                    <a:pt x="15451" y="19425"/>
-                  </a:cubicBezTo>
-                  <a:lnTo>
-                    <a:pt x="15451" y="21600"/>
-                  </a:lnTo>
-                  <a:lnTo>
-                    <a:pt x="21600" y="21600"/>
-                  </a:lnTo>
-                  <a:lnTo>
-                    <a:pt x="21600" y="19425"/>
-                  </a:lnTo>
-                  <a:cubicBezTo>
-                    <a:pt x="21600" y="8714"/>
-                    <a:pt x="16755" y="0"/>
-                    <a:pt x="10800" y="0"/>
-                  </a:cubicBezTo>
-                  <a:cubicBezTo>
-                    <a:pt x="4845" y="0"/>
-                    <a:pt x="0" y="8714"/>
-                    <a:pt x="0" y="19425"/>
-                  </a:cubicBezTo>
-                  <a:lnTo>
-                    <a:pt x="0" y="21600"/>
-                  </a:lnTo>
-                  <a:lnTo>
-                    <a:pt x="6149" y="21600"/>
-                  </a:lnTo>
-                  <a:cubicBezTo>
-                    <a:pt x="6149" y="21600"/>
-                    <a:pt x="6149" y="19425"/>
-                    <a:pt x="6149" y="19425"/>
-                  </a:cubicBezTo>
-                  <a:close/>
-                </a:path>
-              </a:pathLst>
-            </a:custGeom>
-            <a:solidFill>
-              <a:schemeClr val="accent3"/>
-            </a:solidFill>
-            <a:ln w="12700">
-              <a:miter lim="400000"/>
-            </a:ln>
-          </p:spPr>
-          <p:txBody>
-            <a:bodyPr lIns="38100" tIns="38100" rIns="38100" bIns="38100" anchor="ctr"/>
-            <a:lstStyle/>
-            <a:p>
-              <a:pPr>
-                <a:defRPr sz="3000">
-                  <a:solidFill>
-                    <a:srgbClr val="FFFFFF"/>
-                  </a:solidFill>
-                  <a:effectLst>
-                    <a:outerShdw blurRad="38100" dist="12700" dir="5400000" rotWithShape="0">
-                      <a:srgbClr val="000000">
-                        <a:alpha val="50000"/>
-                      </a:srgbClr>
-                    </a:outerShdw>
-                  </a:effectLst>
-                </a:defRPr>
-              </a:pPr>
-              <a:endParaRPr/>
-            </a:p>
-          </p:txBody>
-        </p:sp>
-        <p:sp>
-          <p:nvSpPr>
-            <p:cNvPr id="7" name="Shape">
-              <a:extLst>
-                <a:ext uri="{FF2B5EF4-FFF2-40B4-BE49-F238E27FC236}">
-                  <a16:creationId xmlns:a16="http://schemas.microsoft.com/office/drawing/2014/main" id="{5EAB64C9-8A1B-AAD8-8E5E-64053E87A1F7}"/>
-                </a:ext>
-              </a:extLst>
-            </p:cNvPr>
-            <p:cNvSpPr/>
-            <p:nvPr userDrawn="1"/>
-          </p:nvSpPr>
-          <p:spPr>
-            <a:xfrm>
-              <a:off x="1944118" y="5840730"/>
-              <a:ext cx="103773" cy="57694"/>
-            </a:xfrm>
-            <a:custGeom>
-              <a:avLst/>
-              <a:gdLst/>
-              <a:ahLst/>
-              <a:cxnLst>
-                <a:cxn ang="0">
-                  <a:pos x="wd2" y="hd2"/>
-                </a:cxn>
-                <a:cxn ang="5400000">
-                  <a:pos x="wd2" y="hd2"/>
-                </a:cxn>
-                <a:cxn ang="10800000">
-                  <a:pos x="wd2" y="hd2"/>
-                </a:cxn>
-                <a:cxn ang="16200000">
-                  <a:pos x="wd2" y="hd2"/>
-                </a:cxn>
-              </a:cxnLst>
-              <a:rect l="0" t="0" r="r" b="b"/>
-              <a:pathLst>
-                <a:path w="21600" h="21600" extrusionOk="0">
-                  <a:moveTo>
-                    <a:pt x="15451" y="2174"/>
-                  </a:moveTo>
-                  <a:cubicBezTo>
-                    <a:pt x="15451" y="6787"/>
-                    <a:pt x="13365" y="10540"/>
-                    <a:pt x="10800" y="10540"/>
-                  </a:cubicBezTo>
-                  <a:cubicBezTo>
-                    <a:pt x="8235" y="10540"/>
-                    <a:pt x="6149" y="6787"/>
-                    <a:pt x="6149" y="2174"/>
-                  </a:cubicBezTo>
-                  <a:lnTo>
-                    <a:pt x="6149" y="0"/>
-                  </a:lnTo>
-                  <a:lnTo>
-                    <a:pt x="0" y="0"/>
-                  </a:lnTo>
-                  <a:lnTo>
-                    <a:pt x="0" y="2174"/>
-                  </a:lnTo>
-                  <a:cubicBezTo>
-                    <a:pt x="0" y="12886"/>
-                    <a:pt x="4845" y="21600"/>
-                    <a:pt x="10800" y="21600"/>
-                  </a:cubicBezTo>
-                  <a:cubicBezTo>
-                    <a:pt x="16755" y="21600"/>
-                    <a:pt x="21600" y="12886"/>
-                    <a:pt x="21600" y="2174"/>
-                  </a:cubicBezTo>
-                  <a:lnTo>
-                    <a:pt x="21600" y="0"/>
-                  </a:lnTo>
-                  <a:lnTo>
-                    <a:pt x="15451" y="0"/>
-                  </a:lnTo>
-                  <a:cubicBezTo>
-                    <a:pt x="15451" y="0"/>
-                    <a:pt x="15451" y="2174"/>
-                    <a:pt x="15451" y="2174"/>
-                  </a:cubicBezTo>
-                  <a:close/>
-                </a:path>
-              </a:pathLst>
-            </a:custGeom>
-            <a:solidFill>
-              <a:schemeClr val="accent3"/>
-            </a:solidFill>
-            <a:ln w="12700">
-              <a:miter lim="400000"/>
-            </a:ln>
-          </p:spPr>
-          <p:txBody>
-            <a:bodyPr lIns="38100" tIns="38100" rIns="38100" bIns="38100" anchor="ctr"/>
-            <a:lstStyle/>
-            <a:p>
-              <a:pPr>
-                <a:defRPr sz="3000">
-                  <a:solidFill>
-                    <a:srgbClr val="FFFFFF"/>
-                  </a:solidFill>
-                  <a:effectLst>
-                    <a:outerShdw blurRad="38100" dist="12700" dir="5400000" rotWithShape="0">
-                      <a:srgbClr val="000000">
-                        <a:alpha val="50000"/>
-                      </a:srgbClr>
-                    </a:outerShdw>
-                  </a:effectLst>
-                </a:defRPr>
-              </a:pPr>
-              <a:endParaRPr/>
-            </a:p>
-          </p:txBody>
-        </p:sp>
-        <p:sp>
-          <p:nvSpPr>
-            <p:cNvPr id="8" name="Shape">
-              <a:extLst>
-                <a:ext uri="{FF2B5EF4-FFF2-40B4-BE49-F238E27FC236}">
-                  <a16:creationId xmlns:a16="http://schemas.microsoft.com/office/drawing/2014/main" id="{58761E5A-5C20-83CA-A913-61F5C6452575}"/>
-                </a:ext>
-              </a:extLst>
-            </p:cNvPr>
-            <p:cNvSpPr/>
-            <p:nvPr userDrawn="1"/>
-          </p:nvSpPr>
-          <p:spPr>
-            <a:xfrm>
-              <a:off x="1885036" y="5446059"/>
-              <a:ext cx="221938" cy="116778"/>
-            </a:xfrm>
-            <a:custGeom>
-              <a:avLst/>
-              <a:gdLst/>
-              <a:ahLst/>
-              <a:cxnLst>
-                <a:cxn ang="0">
-                  <a:pos x="wd2" y="hd2"/>
-                </a:cxn>
-                <a:cxn ang="5400000">
-                  <a:pos x="wd2" y="hd2"/>
-                </a:cxn>
-                <a:cxn ang="10800000">
-                  <a:pos x="wd2" y="hd2"/>
-                </a:cxn>
-                <a:cxn ang="16200000">
-                  <a:pos x="wd2" y="hd2"/>
-                </a:cxn>
-              </a:cxnLst>
-              <a:rect l="0" t="0" r="r" b="b"/>
-              <a:pathLst>
-                <a:path w="21600" h="21600" extrusionOk="0">
-                  <a:moveTo>
-                    <a:pt x="2875" y="20525"/>
-                  </a:moveTo>
-                  <a:cubicBezTo>
-                    <a:pt x="2875" y="12221"/>
-                    <a:pt x="6430" y="5464"/>
-                    <a:pt x="10800" y="5464"/>
-                  </a:cubicBezTo>
-                  <a:cubicBezTo>
-                    <a:pt x="15170" y="5464"/>
-                    <a:pt x="18725" y="12221"/>
-                    <a:pt x="18725" y="20525"/>
-                  </a:cubicBezTo>
-                  <a:lnTo>
-                    <a:pt x="18725" y="21600"/>
-                  </a:lnTo>
-                  <a:lnTo>
-                    <a:pt x="21600" y="21600"/>
-                  </a:lnTo>
-                  <a:lnTo>
-                    <a:pt x="21600" y="20526"/>
-                  </a:lnTo>
-                  <a:cubicBezTo>
-                    <a:pt x="21600" y="9190"/>
-                    <a:pt x="16765" y="0"/>
-                    <a:pt x="10800" y="0"/>
-                  </a:cubicBezTo>
-                  <a:cubicBezTo>
-                    <a:pt x="4835" y="0"/>
-                    <a:pt x="0" y="9190"/>
-                    <a:pt x="0" y="20526"/>
-                  </a:cubicBezTo>
-                  <a:lnTo>
-                    <a:pt x="0" y="21600"/>
-                  </a:lnTo>
-                  <a:lnTo>
-                    <a:pt x="2875" y="21600"/>
-                  </a:lnTo>
-                  <a:cubicBezTo>
-                    <a:pt x="2875" y="21600"/>
-                    <a:pt x="2875" y="20525"/>
-                    <a:pt x="2875" y="20525"/>
-                  </a:cubicBezTo>
-                  <a:close/>
-                </a:path>
-              </a:pathLst>
-            </a:custGeom>
-            <a:solidFill>
-              <a:schemeClr val="accent6"/>
-            </a:solidFill>
-            <a:ln w="12700">
-              <a:miter lim="400000"/>
-            </a:ln>
-          </p:spPr>
-          <p:txBody>
-            <a:bodyPr lIns="38100" tIns="38100" rIns="38100" bIns="38100" anchor="ctr"/>
-            <a:lstStyle/>
-            <a:p>
-              <a:pPr>
-                <a:defRPr sz="3000">
-                  <a:solidFill>
-                    <a:srgbClr val="FFFFFF"/>
-                  </a:solidFill>
-                  <a:effectLst>
-                    <a:outerShdw blurRad="38100" dist="12700" dir="5400000" rotWithShape="0">
-                      <a:srgbClr val="000000">
-                        <a:alpha val="50000"/>
-                      </a:srgbClr>
-                    </a:outerShdw>
-                  </a:effectLst>
-                </a:defRPr>
-              </a:pPr>
-              <a:endParaRPr/>
-            </a:p>
-          </p:txBody>
-        </p:sp>
-        <p:sp>
-          <p:nvSpPr>
-            <p:cNvPr id="14" name="Shape">
-              <a:extLst>
-                <a:ext uri="{FF2B5EF4-FFF2-40B4-BE49-F238E27FC236}">
-                  <a16:creationId xmlns:a16="http://schemas.microsoft.com/office/drawing/2014/main" id="{050633EC-8F9E-66B4-9022-C33F5722033E}"/>
-                </a:ext>
-              </a:extLst>
-            </p:cNvPr>
-            <p:cNvSpPr/>
-            <p:nvPr userDrawn="1"/>
-          </p:nvSpPr>
-          <p:spPr>
-            <a:xfrm>
-              <a:off x="1885036" y="5840730"/>
-              <a:ext cx="221938" cy="116777"/>
-            </a:xfrm>
-            <a:custGeom>
-              <a:avLst/>
-              <a:gdLst/>
-              <a:ahLst/>
-              <a:cxnLst>
-                <a:cxn ang="0">
-                  <a:pos x="wd2" y="hd2"/>
-                </a:cxn>
-                <a:cxn ang="5400000">
-                  <a:pos x="wd2" y="hd2"/>
-                </a:cxn>
-                <a:cxn ang="10800000">
-                  <a:pos x="wd2" y="hd2"/>
-                </a:cxn>
-                <a:cxn ang="16200000">
-                  <a:pos x="wd2" y="hd2"/>
-                </a:cxn>
-              </a:cxnLst>
-              <a:rect l="0" t="0" r="r" b="b"/>
-              <a:pathLst>
-                <a:path w="21600" h="21600" extrusionOk="0">
-                  <a:moveTo>
-                    <a:pt x="18725" y="1074"/>
-                  </a:moveTo>
-                  <a:cubicBezTo>
-                    <a:pt x="18725" y="9379"/>
-                    <a:pt x="15170" y="16136"/>
-                    <a:pt x="10800" y="16136"/>
-                  </a:cubicBezTo>
-                  <a:cubicBezTo>
-                    <a:pt x="6430" y="16136"/>
-                    <a:pt x="2875" y="9379"/>
-                    <a:pt x="2875" y="1074"/>
-                  </a:cubicBezTo>
-                  <a:lnTo>
-                    <a:pt x="2875" y="0"/>
-                  </a:lnTo>
-                  <a:lnTo>
-                    <a:pt x="0" y="0"/>
-                  </a:lnTo>
-                  <a:lnTo>
-                    <a:pt x="0" y="1074"/>
-                  </a:lnTo>
-                  <a:cubicBezTo>
-                    <a:pt x="0" y="12410"/>
-                    <a:pt x="4835" y="21600"/>
-                    <a:pt x="10800" y="21600"/>
-                  </a:cubicBezTo>
-                  <a:cubicBezTo>
-                    <a:pt x="16765" y="21600"/>
-                    <a:pt x="21600" y="12410"/>
-                    <a:pt x="21600" y="1074"/>
-                  </a:cubicBezTo>
-                  <a:lnTo>
-                    <a:pt x="21600" y="0"/>
-                  </a:lnTo>
-                  <a:lnTo>
-                    <a:pt x="18725" y="0"/>
-                  </a:lnTo>
-                  <a:cubicBezTo>
-                    <a:pt x="18725" y="0"/>
-                    <a:pt x="18725" y="1074"/>
-                    <a:pt x="18725" y="1074"/>
-                  </a:cubicBezTo>
-                  <a:close/>
-                </a:path>
-              </a:pathLst>
-            </a:custGeom>
-            <a:solidFill>
-              <a:schemeClr val="accent6"/>
-            </a:solidFill>
-            <a:ln w="12700">
-              <a:miter lim="400000"/>
-            </a:ln>
-          </p:spPr>
-          <p:txBody>
-            <a:bodyPr lIns="38100" tIns="38100" rIns="38100" bIns="38100" anchor="ctr"/>
-            <a:lstStyle/>
-            <a:p>
-              <a:pPr>
-                <a:defRPr sz="3000">
-                  <a:solidFill>
-                    <a:srgbClr val="FFFFFF"/>
-                  </a:solidFill>
-                  <a:effectLst>
-                    <a:outerShdw blurRad="38100" dist="12700" dir="5400000" rotWithShape="0">
-                      <a:srgbClr val="000000">
-                        <a:alpha val="50000"/>
-                      </a:srgbClr>
-                    </a:outerShdw>
-                  </a:effectLst>
-                </a:defRPr>
-              </a:pPr>
-              <a:endParaRPr/>
-            </a:p>
-          </p:txBody>
-        </p:sp>
-        <p:sp>
-          <p:nvSpPr>
-            <p:cNvPr id="15" name="POWERPOINT TEMPLATE">
-              <a:extLst>
-                <a:ext uri="{FF2B5EF4-FFF2-40B4-BE49-F238E27FC236}">
-                  <a16:creationId xmlns:a16="http://schemas.microsoft.com/office/drawing/2014/main" id="{1BA4E776-1972-B74B-74DA-4431FDD47FDC}"/>
-                </a:ext>
-              </a:extLst>
-            </p:cNvPr>
-            <p:cNvSpPr/>
-            <p:nvPr userDrawn="1"/>
-          </p:nvSpPr>
-          <p:spPr>
-            <a:xfrm>
-              <a:off x="1832720" y="5510100"/>
-              <a:ext cx="5887702" cy="384721"/>
-            </a:xfrm>
-            <a:prstGeom prst="rect">
-              <a:avLst/>
-            </a:prstGeom>
-            <a:ln w="12700">
-              <a:miter lim="400000"/>
-            </a:ln>
-            <a:extLst>
-              <a:ext uri="{C572A759-6A51-4108-AA02-DFA0A04FC94B}">
-                <ma14:wrappingTextBoxFlag xmlns:ma14="http://schemas.microsoft.com/office/mac/drawingml/2011/main" xmlns:a14="http://schemas.microsoft.com/office/drawing/2010/main" xmlns:m="http://schemas.openxmlformats.org/officeDocument/2006/math" xmlns="" val="1"/>
-              </a:ext>
-            </a:extLst>
-          </p:spPr>
-          <p:txBody>
-            <a:bodyPr wrap="none" lIns="38100" tIns="38100" rIns="38100" bIns="38100" anchor="ctr">
-              <a:spAutoFit/>
-            </a:bodyPr>
-            <a:lstStyle>
-              <a:lvl1pPr>
-                <a:lnSpc>
-                  <a:spcPts val="4500"/>
-                </a:lnSpc>
-                <a:tabLst>
-                  <a:tab pos="1066800" algn="l"/>
-                </a:tabLst>
-                <a:defRPr sz="3821">
-                  <a:latin typeface="Arial"/>
-                  <a:ea typeface="Arial"/>
-                  <a:cs typeface="Arial"/>
-                  <a:sym typeface="Arial"/>
-                </a:defRPr>
-              </a:lvl1pPr>
-            </a:lstStyle>
-            <a:p>
-              <a:pPr algn="l">
-                <a:lnSpc>
-                  <a:spcPct val="100000"/>
-                </a:lnSpc>
-              </a:pPr>
-              <a:r>
-                <a:rPr lang="zh-CN" altLang="en-US" sz="2000" dirty="0">
-                  <a:solidFill>
-                    <a:schemeClr val="tx2"/>
-                  </a:solidFill>
-                </a:rPr>
-                <a:t>基于</a:t>
-              </a:r>
-              <a:r>
-                <a:rPr lang="en-US" sz="2000" dirty="0">
-                  <a:solidFill>
-                    <a:schemeClr val="accent3"/>
-                  </a:solidFill>
-                  <a:latin typeface="Arial Black" panose="020B0604020202020204" pitchFamily="34" charset="0"/>
-                  <a:cs typeface="Arial Black" panose="020B0604020202020204" pitchFamily="34" charset="0"/>
-                </a:rPr>
-                <a:t>V</a:t>
-              </a:r>
-              <a:r>
-                <a:rPr lang="en-US" altLang="zh-CN" sz="2000" dirty="0">
-                  <a:solidFill>
-                    <a:schemeClr val="accent3"/>
-                  </a:solidFill>
-                  <a:latin typeface="Arial Black" panose="020B0604020202020204" pitchFamily="34" charset="0"/>
-                  <a:cs typeface="Arial Black" panose="020B0604020202020204" pitchFamily="34" charset="0"/>
-                </a:rPr>
-                <a:t>isual Texture Exchange</a:t>
-              </a:r>
-              <a:r>
-                <a:rPr lang="zh-CN" altLang="en-US" sz="2000" dirty="0">
-                  <a:solidFill>
-                    <a:schemeClr val="tx2"/>
-                  </a:solidFill>
-                </a:rPr>
-                <a:t>的文本交互系</a:t>
-              </a:r>
-              <a:r>
-                <a:rPr lang="zh-CN" altLang="en-US" sz="2000" b="1" dirty="0">
-                  <a:solidFill>
-                    <a:schemeClr val="tx2"/>
-                  </a:solidFill>
-                </a:rPr>
-                <a:t>统</a:t>
-              </a:r>
-              <a:endParaRPr lang="en-US" sz="2000" b="1" spc="170" dirty="0">
-                <a:solidFill>
-                  <a:schemeClr val="accent3"/>
-                </a:solidFill>
-              </a:endParaRPr>
-            </a:p>
-          </p:txBody>
-        </p:sp>
-      </p:grpSp>
       <p:grpSp>
         <p:nvGrpSpPr>
           <p:cNvPr id="31" name="Group 31">
@@ -13396,6 +12727,582 @@
             <a:p>
               <a:pPr algn="ctr"/>
               <a:endParaRPr lang="en-US"/>
+            </a:p>
+          </p:txBody>
+        </p:sp>
+      </p:grpSp>
+      <p:grpSp>
+        <p:nvGrpSpPr>
+          <p:cNvPr id="9" name="Group 19">
+            <a:extLst>
+              <a:ext uri="{FF2B5EF4-FFF2-40B4-BE49-F238E27FC236}">
+                <a16:creationId xmlns:a16="http://schemas.microsoft.com/office/drawing/2014/main" id="{8474A51B-CBA3-1F57-99DE-86DB41C9E8F6}"/>
+              </a:ext>
+            </a:extLst>
+          </p:cNvPr>
+          <p:cNvGrpSpPr/>
+          <p:nvPr userDrawn="1"/>
+        </p:nvGrpSpPr>
+        <p:grpSpPr>
+          <a:xfrm>
+            <a:off x="494469" y="6247857"/>
+            <a:ext cx="5887702" cy="511448"/>
+            <a:chOff x="1832720" y="5446059"/>
+            <a:chExt cx="5887702" cy="511448"/>
+          </a:xfrm>
+        </p:grpSpPr>
+        <p:sp>
+          <p:nvSpPr>
+            <p:cNvPr id="10" name="Shape">
+              <a:extLst>
+                <a:ext uri="{FF2B5EF4-FFF2-40B4-BE49-F238E27FC236}">
+                  <a16:creationId xmlns:a16="http://schemas.microsoft.com/office/drawing/2014/main" id="{E6B05100-4ADE-1869-1403-8B9047428841}"/>
+                </a:ext>
+              </a:extLst>
+            </p:cNvPr>
+            <p:cNvSpPr/>
+            <p:nvPr userDrawn="1"/>
+          </p:nvSpPr>
+          <p:spPr>
+            <a:xfrm>
+              <a:off x="1944118" y="5505141"/>
+              <a:ext cx="103773" cy="57696"/>
+            </a:xfrm>
+            <a:custGeom>
+              <a:avLst/>
+              <a:gdLst/>
+              <a:ahLst/>
+              <a:cxnLst>
+                <a:cxn ang="0">
+                  <a:pos x="wd2" y="hd2"/>
+                </a:cxn>
+                <a:cxn ang="5400000">
+                  <a:pos x="wd2" y="hd2"/>
+                </a:cxn>
+                <a:cxn ang="10800000">
+                  <a:pos x="wd2" y="hd2"/>
+                </a:cxn>
+                <a:cxn ang="16200000">
+                  <a:pos x="wd2" y="hd2"/>
+                </a:cxn>
+              </a:cxnLst>
+              <a:rect l="0" t="0" r="r" b="b"/>
+              <a:pathLst>
+                <a:path w="21600" h="21600" extrusionOk="0">
+                  <a:moveTo>
+                    <a:pt x="6149" y="19425"/>
+                  </a:moveTo>
+                  <a:cubicBezTo>
+                    <a:pt x="6149" y="14812"/>
+                    <a:pt x="8235" y="11059"/>
+                    <a:pt x="10800" y="11059"/>
+                  </a:cubicBezTo>
+                  <a:cubicBezTo>
+                    <a:pt x="13365" y="11059"/>
+                    <a:pt x="15451" y="14812"/>
+                    <a:pt x="15451" y="19425"/>
+                  </a:cubicBezTo>
+                  <a:lnTo>
+                    <a:pt x="15451" y="21600"/>
+                  </a:lnTo>
+                  <a:lnTo>
+                    <a:pt x="21600" y="21600"/>
+                  </a:lnTo>
+                  <a:lnTo>
+                    <a:pt x="21600" y="19425"/>
+                  </a:lnTo>
+                  <a:cubicBezTo>
+                    <a:pt x="21600" y="8714"/>
+                    <a:pt x="16755" y="0"/>
+                    <a:pt x="10800" y="0"/>
+                  </a:cubicBezTo>
+                  <a:cubicBezTo>
+                    <a:pt x="4845" y="0"/>
+                    <a:pt x="0" y="8714"/>
+                    <a:pt x="0" y="19425"/>
+                  </a:cubicBezTo>
+                  <a:lnTo>
+                    <a:pt x="0" y="21600"/>
+                  </a:lnTo>
+                  <a:lnTo>
+                    <a:pt x="6149" y="21600"/>
+                  </a:lnTo>
+                  <a:cubicBezTo>
+                    <a:pt x="6149" y="21600"/>
+                    <a:pt x="6149" y="19425"/>
+                    <a:pt x="6149" y="19425"/>
+                  </a:cubicBezTo>
+                  <a:close/>
+                </a:path>
+              </a:pathLst>
+            </a:custGeom>
+            <a:solidFill>
+              <a:schemeClr val="accent3"/>
+            </a:solidFill>
+            <a:ln w="12700">
+              <a:miter lim="400000"/>
+            </a:ln>
+          </p:spPr>
+          <p:txBody>
+            <a:bodyPr lIns="38100" tIns="38100" rIns="38100" bIns="38100" anchor="ctr"/>
+            <a:lstStyle/>
+            <a:p>
+              <a:pPr>
+                <a:defRPr sz="3000">
+                  <a:solidFill>
+                    <a:srgbClr val="FFFFFF"/>
+                  </a:solidFill>
+                  <a:effectLst>
+                    <a:outerShdw blurRad="38100" dist="12700" dir="5400000" rotWithShape="0">
+                      <a:srgbClr val="000000">
+                        <a:alpha val="50000"/>
+                      </a:srgbClr>
+                    </a:outerShdw>
+                  </a:effectLst>
+                </a:defRPr>
+              </a:pPr>
+              <a:endParaRPr/>
+            </a:p>
+          </p:txBody>
+        </p:sp>
+        <p:sp>
+          <p:nvSpPr>
+            <p:cNvPr id="11" name="Shape">
+              <a:extLst>
+                <a:ext uri="{FF2B5EF4-FFF2-40B4-BE49-F238E27FC236}">
+                  <a16:creationId xmlns:a16="http://schemas.microsoft.com/office/drawing/2014/main" id="{38D9D2DA-4EA6-8F06-8B9A-5AF707F28965}"/>
+                </a:ext>
+              </a:extLst>
+            </p:cNvPr>
+            <p:cNvSpPr/>
+            <p:nvPr userDrawn="1"/>
+          </p:nvSpPr>
+          <p:spPr>
+            <a:xfrm>
+              <a:off x="1944118" y="5840730"/>
+              <a:ext cx="103773" cy="57694"/>
+            </a:xfrm>
+            <a:custGeom>
+              <a:avLst/>
+              <a:gdLst/>
+              <a:ahLst/>
+              <a:cxnLst>
+                <a:cxn ang="0">
+                  <a:pos x="wd2" y="hd2"/>
+                </a:cxn>
+                <a:cxn ang="5400000">
+                  <a:pos x="wd2" y="hd2"/>
+                </a:cxn>
+                <a:cxn ang="10800000">
+                  <a:pos x="wd2" y="hd2"/>
+                </a:cxn>
+                <a:cxn ang="16200000">
+                  <a:pos x="wd2" y="hd2"/>
+                </a:cxn>
+              </a:cxnLst>
+              <a:rect l="0" t="0" r="r" b="b"/>
+              <a:pathLst>
+                <a:path w="21600" h="21600" extrusionOk="0">
+                  <a:moveTo>
+                    <a:pt x="15451" y="2174"/>
+                  </a:moveTo>
+                  <a:cubicBezTo>
+                    <a:pt x="15451" y="6787"/>
+                    <a:pt x="13365" y="10540"/>
+                    <a:pt x="10800" y="10540"/>
+                  </a:cubicBezTo>
+                  <a:cubicBezTo>
+                    <a:pt x="8235" y="10540"/>
+                    <a:pt x="6149" y="6787"/>
+                    <a:pt x="6149" y="2174"/>
+                  </a:cubicBezTo>
+                  <a:lnTo>
+                    <a:pt x="6149" y="0"/>
+                  </a:lnTo>
+                  <a:lnTo>
+                    <a:pt x="0" y="0"/>
+                  </a:lnTo>
+                  <a:lnTo>
+                    <a:pt x="0" y="2174"/>
+                  </a:lnTo>
+                  <a:cubicBezTo>
+                    <a:pt x="0" y="12886"/>
+                    <a:pt x="4845" y="21600"/>
+                    <a:pt x="10800" y="21600"/>
+                  </a:cubicBezTo>
+                  <a:cubicBezTo>
+                    <a:pt x="16755" y="21600"/>
+                    <a:pt x="21600" y="12886"/>
+                    <a:pt x="21600" y="2174"/>
+                  </a:cubicBezTo>
+                  <a:lnTo>
+                    <a:pt x="21600" y="0"/>
+                  </a:lnTo>
+                  <a:lnTo>
+                    <a:pt x="15451" y="0"/>
+                  </a:lnTo>
+                  <a:cubicBezTo>
+                    <a:pt x="15451" y="0"/>
+                    <a:pt x="15451" y="2174"/>
+                    <a:pt x="15451" y="2174"/>
+                  </a:cubicBezTo>
+                  <a:close/>
+                </a:path>
+              </a:pathLst>
+            </a:custGeom>
+            <a:solidFill>
+              <a:schemeClr val="accent3"/>
+            </a:solidFill>
+            <a:ln w="12700">
+              <a:miter lim="400000"/>
+            </a:ln>
+          </p:spPr>
+          <p:txBody>
+            <a:bodyPr lIns="38100" tIns="38100" rIns="38100" bIns="38100" anchor="ctr"/>
+            <a:lstStyle/>
+            <a:p>
+              <a:pPr>
+                <a:defRPr sz="3000">
+                  <a:solidFill>
+                    <a:srgbClr val="FFFFFF"/>
+                  </a:solidFill>
+                  <a:effectLst>
+                    <a:outerShdw blurRad="38100" dist="12700" dir="5400000" rotWithShape="0">
+                      <a:srgbClr val="000000">
+                        <a:alpha val="50000"/>
+                      </a:srgbClr>
+                    </a:outerShdw>
+                  </a:effectLst>
+                </a:defRPr>
+              </a:pPr>
+              <a:endParaRPr/>
+            </a:p>
+          </p:txBody>
+        </p:sp>
+        <p:sp>
+          <p:nvSpPr>
+            <p:cNvPr id="12" name="Shape">
+              <a:extLst>
+                <a:ext uri="{FF2B5EF4-FFF2-40B4-BE49-F238E27FC236}">
+                  <a16:creationId xmlns:a16="http://schemas.microsoft.com/office/drawing/2014/main" id="{340C35DF-38FA-CE70-C252-61B160EB56B4}"/>
+                </a:ext>
+              </a:extLst>
+            </p:cNvPr>
+            <p:cNvSpPr/>
+            <p:nvPr userDrawn="1"/>
+          </p:nvSpPr>
+          <p:spPr>
+            <a:xfrm>
+              <a:off x="1885036" y="5446059"/>
+              <a:ext cx="221938" cy="116778"/>
+            </a:xfrm>
+            <a:custGeom>
+              <a:avLst/>
+              <a:gdLst/>
+              <a:ahLst/>
+              <a:cxnLst>
+                <a:cxn ang="0">
+                  <a:pos x="wd2" y="hd2"/>
+                </a:cxn>
+                <a:cxn ang="5400000">
+                  <a:pos x="wd2" y="hd2"/>
+                </a:cxn>
+                <a:cxn ang="10800000">
+                  <a:pos x="wd2" y="hd2"/>
+                </a:cxn>
+                <a:cxn ang="16200000">
+                  <a:pos x="wd2" y="hd2"/>
+                </a:cxn>
+              </a:cxnLst>
+              <a:rect l="0" t="0" r="r" b="b"/>
+              <a:pathLst>
+                <a:path w="21600" h="21600" extrusionOk="0">
+                  <a:moveTo>
+                    <a:pt x="2875" y="20525"/>
+                  </a:moveTo>
+                  <a:cubicBezTo>
+                    <a:pt x="2875" y="12221"/>
+                    <a:pt x="6430" y="5464"/>
+                    <a:pt x="10800" y="5464"/>
+                  </a:cubicBezTo>
+                  <a:cubicBezTo>
+                    <a:pt x="15170" y="5464"/>
+                    <a:pt x="18725" y="12221"/>
+                    <a:pt x="18725" y="20525"/>
+                  </a:cubicBezTo>
+                  <a:lnTo>
+                    <a:pt x="18725" y="21600"/>
+                  </a:lnTo>
+                  <a:lnTo>
+                    <a:pt x="21600" y="21600"/>
+                  </a:lnTo>
+                  <a:lnTo>
+                    <a:pt x="21600" y="20526"/>
+                  </a:lnTo>
+                  <a:cubicBezTo>
+                    <a:pt x="21600" y="9190"/>
+                    <a:pt x="16765" y="0"/>
+                    <a:pt x="10800" y="0"/>
+                  </a:cubicBezTo>
+                  <a:cubicBezTo>
+                    <a:pt x="4835" y="0"/>
+                    <a:pt x="0" y="9190"/>
+                    <a:pt x="0" y="20526"/>
+                  </a:cubicBezTo>
+                  <a:lnTo>
+                    <a:pt x="0" y="21600"/>
+                  </a:lnTo>
+                  <a:lnTo>
+                    <a:pt x="2875" y="21600"/>
+                  </a:lnTo>
+                  <a:cubicBezTo>
+                    <a:pt x="2875" y="21600"/>
+                    <a:pt x="2875" y="20525"/>
+                    <a:pt x="2875" y="20525"/>
+                  </a:cubicBezTo>
+                  <a:close/>
+                </a:path>
+              </a:pathLst>
+            </a:custGeom>
+            <a:solidFill>
+              <a:schemeClr val="accent6"/>
+            </a:solidFill>
+            <a:ln w="12700">
+              <a:miter lim="400000"/>
+            </a:ln>
+          </p:spPr>
+          <p:txBody>
+            <a:bodyPr lIns="38100" tIns="38100" rIns="38100" bIns="38100" anchor="ctr"/>
+            <a:lstStyle/>
+            <a:p>
+              <a:pPr>
+                <a:defRPr sz="3000">
+                  <a:solidFill>
+                    <a:srgbClr val="FFFFFF"/>
+                  </a:solidFill>
+                  <a:effectLst>
+                    <a:outerShdw blurRad="38100" dist="12700" dir="5400000" rotWithShape="0">
+                      <a:srgbClr val="000000">
+                        <a:alpha val="50000"/>
+                      </a:srgbClr>
+                    </a:outerShdw>
+                  </a:effectLst>
+                </a:defRPr>
+              </a:pPr>
+              <a:endParaRPr/>
+            </a:p>
+          </p:txBody>
+        </p:sp>
+        <p:sp>
+          <p:nvSpPr>
+            <p:cNvPr id="13" name="Shape">
+              <a:extLst>
+                <a:ext uri="{FF2B5EF4-FFF2-40B4-BE49-F238E27FC236}">
+                  <a16:creationId xmlns:a16="http://schemas.microsoft.com/office/drawing/2014/main" id="{9A612BB6-061F-743E-BDD2-C56E8855B525}"/>
+                </a:ext>
+              </a:extLst>
+            </p:cNvPr>
+            <p:cNvSpPr/>
+            <p:nvPr userDrawn="1"/>
+          </p:nvSpPr>
+          <p:spPr>
+            <a:xfrm>
+              <a:off x="1885036" y="5840730"/>
+              <a:ext cx="221938" cy="116777"/>
+            </a:xfrm>
+            <a:custGeom>
+              <a:avLst/>
+              <a:gdLst/>
+              <a:ahLst/>
+              <a:cxnLst>
+                <a:cxn ang="0">
+                  <a:pos x="wd2" y="hd2"/>
+                </a:cxn>
+                <a:cxn ang="5400000">
+                  <a:pos x="wd2" y="hd2"/>
+                </a:cxn>
+                <a:cxn ang="10800000">
+                  <a:pos x="wd2" y="hd2"/>
+                </a:cxn>
+                <a:cxn ang="16200000">
+                  <a:pos x="wd2" y="hd2"/>
+                </a:cxn>
+              </a:cxnLst>
+              <a:rect l="0" t="0" r="r" b="b"/>
+              <a:pathLst>
+                <a:path w="21600" h="21600" extrusionOk="0">
+                  <a:moveTo>
+                    <a:pt x="18725" y="1074"/>
+                  </a:moveTo>
+                  <a:cubicBezTo>
+                    <a:pt x="18725" y="9379"/>
+                    <a:pt x="15170" y="16136"/>
+                    <a:pt x="10800" y="16136"/>
+                  </a:cubicBezTo>
+                  <a:cubicBezTo>
+                    <a:pt x="6430" y="16136"/>
+                    <a:pt x="2875" y="9379"/>
+                    <a:pt x="2875" y="1074"/>
+                  </a:cubicBezTo>
+                  <a:lnTo>
+                    <a:pt x="2875" y="0"/>
+                  </a:lnTo>
+                  <a:lnTo>
+                    <a:pt x="0" y="0"/>
+                  </a:lnTo>
+                  <a:lnTo>
+                    <a:pt x="0" y="1074"/>
+                  </a:lnTo>
+                  <a:cubicBezTo>
+                    <a:pt x="0" y="12410"/>
+                    <a:pt x="4835" y="21600"/>
+                    <a:pt x="10800" y="21600"/>
+                  </a:cubicBezTo>
+                  <a:cubicBezTo>
+                    <a:pt x="16765" y="21600"/>
+                    <a:pt x="21600" y="12410"/>
+                    <a:pt x="21600" y="1074"/>
+                  </a:cubicBezTo>
+                  <a:lnTo>
+                    <a:pt x="21600" y="0"/>
+                  </a:lnTo>
+                  <a:lnTo>
+                    <a:pt x="18725" y="0"/>
+                  </a:lnTo>
+                  <a:cubicBezTo>
+                    <a:pt x="18725" y="0"/>
+                    <a:pt x="18725" y="1074"/>
+                    <a:pt x="18725" y="1074"/>
+                  </a:cubicBezTo>
+                  <a:close/>
+                </a:path>
+              </a:pathLst>
+            </a:custGeom>
+            <a:solidFill>
+              <a:schemeClr val="accent6"/>
+            </a:solidFill>
+            <a:ln w="12700">
+              <a:miter lim="400000"/>
+            </a:ln>
+          </p:spPr>
+          <p:txBody>
+            <a:bodyPr lIns="38100" tIns="38100" rIns="38100" bIns="38100" anchor="ctr"/>
+            <a:lstStyle/>
+            <a:p>
+              <a:pPr>
+                <a:defRPr sz="3000">
+                  <a:solidFill>
+                    <a:srgbClr val="FFFFFF"/>
+                  </a:solidFill>
+                  <a:effectLst>
+                    <a:outerShdw blurRad="38100" dist="12700" dir="5400000" rotWithShape="0">
+                      <a:srgbClr val="000000">
+                        <a:alpha val="50000"/>
+                      </a:srgbClr>
+                    </a:outerShdw>
+                  </a:effectLst>
+                </a:defRPr>
+              </a:pPr>
+              <a:endParaRPr/>
+            </a:p>
+          </p:txBody>
+        </p:sp>
+        <p:sp>
+          <p:nvSpPr>
+            <p:cNvPr id="16" name="POWERPOINT TEMPLATE">
+              <a:extLst>
+                <a:ext uri="{FF2B5EF4-FFF2-40B4-BE49-F238E27FC236}">
+                  <a16:creationId xmlns:a16="http://schemas.microsoft.com/office/drawing/2014/main" id="{B6DAD787-E6B7-40EC-9421-4B64248922EF}"/>
+                </a:ext>
+              </a:extLst>
+            </p:cNvPr>
+            <p:cNvSpPr/>
+            <p:nvPr userDrawn="1"/>
+          </p:nvSpPr>
+          <p:spPr>
+            <a:xfrm>
+              <a:off x="1832720" y="5510100"/>
+              <a:ext cx="5887702" cy="384721"/>
+            </a:xfrm>
+            <a:prstGeom prst="rect">
+              <a:avLst/>
+            </a:prstGeom>
+            <a:ln w="12700">
+              <a:miter lim="400000"/>
+            </a:ln>
+            <a:extLst>
+              <a:ext uri="{C572A759-6A51-4108-AA02-DFA0A04FC94B}">
+                <ma14:wrappingTextBoxFlag xmlns:ma14="http://schemas.microsoft.com/office/mac/drawingml/2011/main" xmlns:a14="http://schemas.microsoft.com/office/drawing/2010/main" xmlns:m="http://schemas.openxmlformats.org/officeDocument/2006/math" xmlns="" val="1"/>
+              </a:ext>
+            </a:extLst>
+          </p:spPr>
+          <p:txBody>
+            <a:bodyPr wrap="none" lIns="38100" tIns="38100" rIns="38100" bIns="38100" anchor="ctr">
+              <a:spAutoFit/>
+            </a:bodyPr>
+            <a:lstStyle>
+              <a:lvl1pPr>
+                <a:lnSpc>
+                  <a:spcPts val="4500"/>
+                </a:lnSpc>
+                <a:tabLst>
+                  <a:tab pos="1066800" algn="l"/>
+                </a:tabLst>
+                <a:defRPr sz="3821">
+                  <a:latin typeface="Arial"/>
+                  <a:ea typeface="Arial"/>
+                  <a:cs typeface="Arial"/>
+                  <a:sym typeface="Arial"/>
+                </a:defRPr>
+              </a:lvl1pPr>
+            </a:lstStyle>
+            <a:p>
+              <a:pPr algn="l">
+                <a:lnSpc>
+                  <a:spcPct val="100000"/>
+                </a:lnSpc>
+              </a:pPr>
+              <a:r>
+                <a:rPr lang="zh-CN" altLang="en-US" sz="2000" b="1" dirty="0">
+                  <a:solidFill>
+                    <a:schemeClr val="tx2"/>
+                  </a:solidFill>
+                </a:rPr>
+                <a:t>基于</a:t>
+              </a:r>
+              <a:r>
+                <a:rPr lang="en-US" sz="2000" dirty="0">
+                  <a:solidFill>
+                    <a:schemeClr val="accent3"/>
+                  </a:solidFill>
+                  <a:latin typeface="Arial Black" panose="020B0604020202020204" pitchFamily="34" charset="0"/>
+                  <a:cs typeface="Arial Black" panose="020B0604020202020204" pitchFamily="34" charset="0"/>
+                </a:rPr>
+                <a:t>V</a:t>
+              </a:r>
+              <a:r>
+                <a:rPr lang="en-US" altLang="zh-CN" sz="2000" dirty="0">
+                  <a:solidFill>
+                    <a:schemeClr val="accent3"/>
+                  </a:solidFill>
+                  <a:latin typeface="Arial Black" panose="020B0604020202020204" pitchFamily="34" charset="0"/>
+                  <a:cs typeface="Arial Black" panose="020B0604020202020204" pitchFamily="34" charset="0"/>
+                </a:rPr>
+                <a:t>isual Texture Exchange</a:t>
+              </a:r>
+              <a:r>
+                <a:rPr lang="zh-CN" altLang="en-US" sz="2000" b="1" dirty="0">
+                  <a:solidFill>
+                    <a:schemeClr val="tx2"/>
+                  </a:solidFill>
+                </a:rPr>
+                <a:t>的文本交互系统</a:t>
+              </a:r>
+              <a:endParaRPr lang="en-US" sz="2000" b="1" spc="170" dirty="0">
+                <a:solidFill>
+                  <a:schemeClr val="accent3"/>
+                </a:solidFill>
+              </a:endParaRPr>
             </a:p>
           </p:txBody>
         </p:sp>
@@ -13828,590 +13735,6 @@
       </p:sp>
       <p:grpSp>
         <p:nvGrpSpPr>
-          <p:cNvPr id="3" name="Group 19">
-            <a:extLst>
-              <a:ext uri="{FF2B5EF4-FFF2-40B4-BE49-F238E27FC236}">
-                <a16:creationId xmlns:a16="http://schemas.microsoft.com/office/drawing/2014/main" id="{B696467B-F304-E5DA-FE40-6446B3CF8834}"/>
-              </a:ext>
-            </a:extLst>
-          </p:cNvPr>
-          <p:cNvGrpSpPr/>
-          <p:nvPr userDrawn="1"/>
-        </p:nvGrpSpPr>
-        <p:grpSpPr>
-          <a:xfrm>
-            <a:off x="494469" y="6247857"/>
-            <a:ext cx="5887702" cy="511448"/>
-            <a:chOff x="1832720" y="5446059"/>
-            <a:chExt cx="5887702" cy="511448"/>
-          </a:xfrm>
-        </p:grpSpPr>
-        <p:sp>
-          <p:nvSpPr>
-            <p:cNvPr id="7" name="Shape">
-              <a:extLst>
-                <a:ext uri="{FF2B5EF4-FFF2-40B4-BE49-F238E27FC236}">
-                  <a16:creationId xmlns:a16="http://schemas.microsoft.com/office/drawing/2014/main" id="{E06AD10B-1115-3D8C-2773-A537F847B0F9}"/>
-                </a:ext>
-              </a:extLst>
-            </p:cNvPr>
-            <p:cNvSpPr/>
-            <p:nvPr userDrawn="1"/>
-          </p:nvSpPr>
-          <p:spPr>
-            <a:xfrm>
-              <a:off x="1944118" y="5505141"/>
-              <a:ext cx="103773" cy="57696"/>
-            </a:xfrm>
-            <a:custGeom>
-              <a:avLst/>
-              <a:gdLst/>
-              <a:ahLst/>
-              <a:cxnLst>
-                <a:cxn ang="0">
-                  <a:pos x="wd2" y="hd2"/>
-                </a:cxn>
-                <a:cxn ang="5400000">
-                  <a:pos x="wd2" y="hd2"/>
-                </a:cxn>
-                <a:cxn ang="10800000">
-                  <a:pos x="wd2" y="hd2"/>
-                </a:cxn>
-                <a:cxn ang="16200000">
-                  <a:pos x="wd2" y="hd2"/>
-                </a:cxn>
-              </a:cxnLst>
-              <a:rect l="0" t="0" r="r" b="b"/>
-              <a:pathLst>
-                <a:path w="21600" h="21600" extrusionOk="0">
-                  <a:moveTo>
-                    <a:pt x="6149" y="19425"/>
-                  </a:moveTo>
-                  <a:cubicBezTo>
-                    <a:pt x="6149" y="14812"/>
-                    <a:pt x="8235" y="11059"/>
-                    <a:pt x="10800" y="11059"/>
-                  </a:cubicBezTo>
-                  <a:cubicBezTo>
-                    <a:pt x="13365" y="11059"/>
-                    <a:pt x="15451" y="14812"/>
-                    <a:pt x="15451" y="19425"/>
-                  </a:cubicBezTo>
-                  <a:lnTo>
-                    <a:pt x="15451" y="21600"/>
-                  </a:lnTo>
-                  <a:lnTo>
-                    <a:pt x="21600" y="21600"/>
-                  </a:lnTo>
-                  <a:lnTo>
-                    <a:pt x="21600" y="19425"/>
-                  </a:lnTo>
-                  <a:cubicBezTo>
-                    <a:pt x="21600" y="8714"/>
-                    <a:pt x="16755" y="0"/>
-                    <a:pt x="10800" y="0"/>
-                  </a:cubicBezTo>
-                  <a:cubicBezTo>
-                    <a:pt x="4845" y="0"/>
-                    <a:pt x="0" y="8714"/>
-                    <a:pt x="0" y="19425"/>
-                  </a:cubicBezTo>
-                  <a:lnTo>
-                    <a:pt x="0" y="21600"/>
-                  </a:lnTo>
-                  <a:lnTo>
-                    <a:pt x="6149" y="21600"/>
-                  </a:lnTo>
-                  <a:cubicBezTo>
-                    <a:pt x="6149" y="21600"/>
-                    <a:pt x="6149" y="19425"/>
-                    <a:pt x="6149" y="19425"/>
-                  </a:cubicBezTo>
-                  <a:close/>
-                </a:path>
-              </a:pathLst>
-            </a:custGeom>
-            <a:solidFill>
-              <a:schemeClr val="accent3"/>
-            </a:solidFill>
-            <a:ln w="12700">
-              <a:miter lim="400000"/>
-            </a:ln>
-          </p:spPr>
-          <p:txBody>
-            <a:bodyPr lIns="38100" tIns="38100" rIns="38100" bIns="38100" anchor="ctr"/>
-            <a:lstStyle/>
-            <a:p>
-              <a:pPr>
-                <a:defRPr sz="3000">
-                  <a:solidFill>
-                    <a:srgbClr val="FFFFFF"/>
-                  </a:solidFill>
-                  <a:effectLst>
-                    <a:outerShdw blurRad="38100" dist="12700" dir="5400000" rotWithShape="0">
-                      <a:srgbClr val="000000">
-                        <a:alpha val="50000"/>
-                      </a:srgbClr>
-                    </a:outerShdw>
-                  </a:effectLst>
-                </a:defRPr>
-              </a:pPr>
-              <a:endParaRPr/>
-            </a:p>
-          </p:txBody>
-        </p:sp>
-        <p:sp>
-          <p:nvSpPr>
-            <p:cNvPr id="8" name="Shape">
-              <a:extLst>
-                <a:ext uri="{FF2B5EF4-FFF2-40B4-BE49-F238E27FC236}">
-                  <a16:creationId xmlns:a16="http://schemas.microsoft.com/office/drawing/2014/main" id="{225B428F-9132-751E-5A9A-60451D371222}"/>
-                </a:ext>
-              </a:extLst>
-            </p:cNvPr>
-            <p:cNvSpPr/>
-            <p:nvPr userDrawn="1"/>
-          </p:nvSpPr>
-          <p:spPr>
-            <a:xfrm>
-              <a:off x="1944118" y="5840730"/>
-              <a:ext cx="103773" cy="57694"/>
-            </a:xfrm>
-            <a:custGeom>
-              <a:avLst/>
-              <a:gdLst/>
-              <a:ahLst/>
-              <a:cxnLst>
-                <a:cxn ang="0">
-                  <a:pos x="wd2" y="hd2"/>
-                </a:cxn>
-                <a:cxn ang="5400000">
-                  <a:pos x="wd2" y="hd2"/>
-                </a:cxn>
-                <a:cxn ang="10800000">
-                  <a:pos x="wd2" y="hd2"/>
-                </a:cxn>
-                <a:cxn ang="16200000">
-                  <a:pos x="wd2" y="hd2"/>
-                </a:cxn>
-              </a:cxnLst>
-              <a:rect l="0" t="0" r="r" b="b"/>
-              <a:pathLst>
-                <a:path w="21600" h="21600" extrusionOk="0">
-                  <a:moveTo>
-                    <a:pt x="15451" y="2174"/>
-                  </a:moveTo>
-                  <a:cubicBezTo>
-                    <a:pt x="15451" y="6787"/>
-                    <a:pt x="13365" y="10540"/>
-                    <a:pt x="10800" y="10540"/>
-                  </a:cubicBezTo>
-                  <a:cubicBezTo>
-                    <a:pt x="8235" y="10540"/>
-                    <a:pt x="6149" y="6787"/>
-                    <a:pt x="6149" y="2174"/>
-                  </a:cubicBezTo>
-                  <a:lnTo>
-                    <a:pt x="6149" y="0"/>
-                  </a:lnTo>
-                  <a:lnTo>
-                    <a:pt x="0" y="0"/>
-                  </a:lnTo>
-                  <a:lnTo>
-                    <a:pt x="0" y="2174"/>
-                  </a:lnTo>
-                  <a:cubicBezTo>
-                    <a:pt x="0" y="12886"/>
-                    <a:pt x="4845" y="21600"/>
-                    <a:pt x="10800" y="21600"/>
-                  </a:cubicBezTo>
-                  <a:cubicBezTo>
-                    <a:pt x="16755" y="21600"/>
-                    <a:pt x="21600" y="12886"/>
-                    <a:pt x="21600" y="2174"/>
-                  </a:cubicBezTo>
-                  <a:lnTo>
-                    <a:pt x="21600" y="0"/>
-                  </a:lnTo>
-                  <a:lnTo>
-                    <a:pt x="15451" y="0"/>
-                  </a:lnTo>
-                  <a:cubicBezTo>
-                    <a:pt x="15451" y="0"/>
-                    <a:pt x="15451" y="2174"/>
-                    <a:pt x="15451" y="2174"/>
-                  </a:cubicBezTo>
-                  <a:close/>
-                </a:path>
-              </a:pathLst>
-            </a:custGeom>
-            <a:solidFill>
-              <a:schemeClr val="accent3"/>
-            </a:solidFill>
-            <a:ln w="12700">
-              <a:miter lim="400000"/>
-            </a:ln>
-          </p:spPr>
-          <p:txBody>
-            <a:bodyPr lIns="38100" tIns="38100" rIns="38100" bIns="38100" anchor="ctr"/>
-            <a:lstStyle/>
-            <a:p>
-              <a:pPr>
-                <a:defRPr sz="3000">
-                  <a:solidFill>
-                    <a:srgbClr val="FFFFFF"/>
-                  </a:solidFill>
-                  <a:effectLst>
-                    <a:outerShdw blurRad="38100" dist="12700" dir="5400000" rotWithShape="0">
-                      <a:srgbClr val="000000">
-                        <a:alpha val="50000"/>
-                      </a:srgbClr>
-                    </a:outerShdw>
-                  </a:effectLst>
-                </a:defRPr>
-              </a:pPr>
-              <a:endParaRPr/>
-            </a:p>
-          </p:txBody>
-        </p:sp>
-        <p:sp>
-          <p:nvSpPr>
-            <p:cNvPr id="14" name="Shape">
-              <a:extLst>
-                <a:ext uri="{FF2B5EF4-FFF2-40B4-BE49-F238E27FC236}">
-                  <a16:creationId xmlns:a16="http://schemas.microsoft.com/office/drawing/2014/main" id="{8424FCF3-A618-B0CF-8AFA-C95700E3EF39}"/>
-                </a:ext>
-              </a:extLst>
-            </p:cNvPr>
-            <p:cNvSpPr/>
-            <p:nvPr userDrawn="1"/>
-          </p:nvSpPr>
-          <p:spPr>
-            <a:xfrm>
-              <a:off x="1885036" y="5446059"/>
-              <a:ext cx="221938" cy="116778"/>
-            </a:xfrm>
-            <a:custGeom>
-              <a:avLst/>
-              <a:gdLst/>
-              <a:ahLst/>
-              <a:cxnLst>
-                <a:cxn ang="0">
-                  <a:pos x="wd2" y="hd2"/>
-                </a:cxn>
-                <a:cxn ang="5400000">
-                  <a:pos x="wd2" y="hd2"/>
-                </a:cxn>
-                <a:cxn ang="10800000">
-                  <a:pos x="wd2" y="hd2"/>
-                </a:cxn>
-                <a:cxn ang="16200000">
-                  <a:pos x="wd2" y="hd2"/>
-                </a:cxn>
-              </a:cxnLst>
-              <a:rect l="0" t="0" r="r" b="b"/>
-              <a:pathLst>
-                <a:path w="21600" h="21600" extrusionOk="0">
-                  <a:moveTo>
-                    <a:pt x="2875" y="20525"/>
-                  </a:moveTo>
-                  <a:cubicBezTo>
-                    <a:pt x="2875" y="12221"/>
-                    <a:pt x="6430" y="5464"/>
-                    <a:pt x="10800" y="5464"/>
-                  </a:cubicBezTo>
-                  <a:cubicBezTo>
-                    <a:pt x="15170" y="5464"/>
-                    <a:pt x="18725" y="12221"/>
-                    <a:pt x="18725" y="20525"/>
-                  </a:cubicBezTo>
-                  <a:lnTo>
-                    <a:pt x="18725" y="21600"/>
-                  </a:lnTo>
-                  <a:lnTo>
-                    <a:pt x="21600" y="21600"/>
-                  </a:lnTo>
-                  <a:lnTo>
-                    <a:pt x="21600" y="20526"/>
-                  </a:lnTo>
-                  <a:cubicBezTo>
-                    <a:pt x="21600" y="9190"/>
-                    <a:pt x="16765" y="0"/>
-                    <a:pt x="10800" y="0"/>
-                  </a:cubicBezTo>
-                  <a:cubicBezTo>
-                    <a:pt x="4835" y="0"/>
-                    <a:pt x="0" y="9190"/>
-                    <a:pt x="0" y="20526"/>
-                  </a:cubicBezTo>
-                  <a:lnTo>
-                    <a:pt x="0" y="21600"/>
-                  </a:lnTo>
-                  <a:lnTo>
-                    <a:pt x="2875" y="21600"/>
-                  </a:lnTo>
-                  <a:cubicBezTo>
-                    <a:pt x="2875" y="21600"/>
-                    <a:pt x="2875" y="20525"/>
-                    <a:pt x="2875" y="20525"/>
-                  </a:cubicBezTo>
-                  <a:close/>
-                </a:path>
-              </a:pathLst>
-            </a:custGeom>
-            <a:solidFill>
-              <a:schemeClr val="accent6"/>
-            </a:solidFill>
-            <a:ln w="12700">
-              <a:miter lim="400000"/>
-            </a:ln>
-          </p:spPr>
-          <p:txBody>
-            <a:bodyPr lIns="38100" tIns="38100" rIns="38100" bIns="38100" anchor="ctr"/>
-            <a:lstStyle/>
-            <a:p>
-              <a:pPr>
-                <a:defRPr sz="3000">
-                  <a:solidFill>
-                    <a:srgbClr val="FFFFFF"/>
-                  </a:solidFill>
-                  <a:effectLst>
-                    <a:outerShdw blurRad="38100" dist="12700" dir="5400000" rotWithShape="0">
-                      <a:srgbClr val="000000">
-                        <a:alpha val="50000"/>
-                      </a:srgbClr>
-                    </a:outerShdw>
-                  </a:effectLst>
-                </a:defRPr>
-              </a:pPr>
-              <a:endParaRPr/>
-            </a:p>
-          </p:txBody>
-        </p:sp>
-        <p:sp>
-          <p:nvSpPr>
-            <p:cNvPr id="15" name="Shape">
-              <a:extLst>
-                <a:ext uri="{FF2B5EF4-FFF2-40B4-BE49-F238E27FC236}">
-                  <a16:creationId xmlns:a16="http://schemas.microsoft.com/office/drawing/2014/main" id="{C5C37F9D-058A-325A-96C2-5C35F1BF3F72}"/>
-                </a:ext>
-              </a:extLst>
-            </p:cNvPr>
-            <p:cNvSpPr/>
-            <p:nvPr userDrawn="1"/>
-          </p:nvSpPr>
-          <p:spPr>
-            <a:xfrm>
-              <a:off x="1885036" y="5840730"/>
-              <a:ext cx="221938" cy="116777"/>
-            </a:xfrm>
-            <a:custGeom>
-              <a:avLst/>
-              <a:gdLst/>
-              <a:ahLst/>
-              <a:cxnLst>
-                <a:cxn ang="0">
-                  <a:pos x="wd2" y="hd2"/>
-                </a:cxn>
-                <a:cxn ang="5400000">
-                  <a:pos x="wd2" y="hd2"/>
-                </a:cxn>
-                <a:cxn ang="10800000">
-                  <a:pos x="wd2" y="hd2"/>
-                </a:cxn>
-                <a:cxn ang="16200000">
-                  <a:pos x="wd2" y="hd2"/>
-                </a:cxn>
-              </a:cxnLst>
-              <a:rect l="0" t="0" r="r" b="b"/>
-              <a:pathLst>
-                <a:path w="21600" h="21600" extrusionOk="0">
-                  <a:moveTo>
-                    <a:pt x="18725" y="1074"/>
-                  </a:moveTo>
-                  <a:cubicBezTo>
-                    <a:pt x="18725" y="9379"/>
-                    <a:pt x="15170" y="16136"/>
-                    <a:pt x="10800" y="16136"/>
-                  </a:cubicBezTo>
-                  <a:cubicBezTo>
-                    <a:pt x="6430" y="16136"/>
-                    <a:pt x="2875" y="9379"/>
-                    <a:pt x="2875" y="1074"/>
-                  </a:cubicBezTo>
-                  <a:lnTo>
-                    <a:pt x="2875" y="0"/>
-                  </a:lnTo>
-                  <a:lnTo>
-                    <a:pt x="0" y="0"/>
-                  </a:lnTo>
-                  <a:lnTo>
-                    <a:pt x="0" y="1074"/>
-                  </a:lnTo>
-                  <a:cubicBezTo>
-                    <a:pt x="0" y="12410"/>
-                    <a:pt x="4835" y="21600"/>
-                    <a:pt x="10800" y="21600"/>
-                  </a:cubicBezTo>
-                  <a:cubicBezTo>
-                    <a:pt x="16765" y="21600"/>
-                    <a:pt x="21600" y="12410"/>
-                    <a:pt x="21600" y="1074"/>
-                  </a:cubicBezTo>
-                  <a:lnTo>
-                    <a:pt x="21600" y="0"/>
-                  </a:lnTo>
-                  <a:lnTo>
-                    <a:pt x="18725" y="0"/>
-                  </a:lnTo>
-                  <a:cubicBezTo>
-                    <a:pt x="18725" y="0"/>
-                    <a:pt x="18725" y="1074"/>
-                    <a:pt x="18725" y="1074"/>
-                  </a:cubicBezTo>
-                  <a:close/>
-                </a:path>
-              </a:pathLst>
-            </a:custGeom>
-            <a:solidFill>
-              <a:schemeClr val="accent6"/>
-            </a:solidFill>
-            <a:ln w="12700">
-              <a:miter lim="400000"/>
-            </a:ln>
-          </p:spPr>
-          <p:txBody>
-            <a:bodyPr lIns="38100" tIns="38100" rIns="38100" bIns="38100" anchor="ctr"/>
-            <a:lstStyle/>
-            <a:p>
-              <a:pPr>
-                <a:defRPr sz="3000">
-                  <a:solidFill>
-                    <a:srgbClr val="FFFFFF"/>
-                  </a:solidFill>
-                  <a:effectLst>
-                    <a:outerShdw blurRad="38100" dist="12700" dir="5400000" rotWithShape="0">
-                      <a:srgbClr val="000000">
-                        <a:alpha val="50000"/>
-                      </a:srgbClr>
-                    </a:outerShdw>
-                  </a:effectLst>
-                </a:defRPr>
-              </a:pPr>
-              <a:endParaRPr/>
-            </a:p>
-          </p:txBody>
-        </p:sp>
-        <p:sp>
-          <p:nvSpPr>
-            <p:cNvPr id="16" name="POWERPOINT TEMPLATE">
-              <a:extLst>
-                <a:ext uri="{FF2B5EF4-FFF2-40B4-BE49-F238E27FC236}">
-                  <a16:creationId xmlns:a16="http://schemas.microsoft.com/office/drawing/2014/main" id="{39D77031-92BA-B24A-5D06-D1029324BFD6}"/>
-                </a:ext>
-              </a:extLst>
-            </p:cNvPr>
-            <p:cNvSpPr/>
-            <p:nvPr userDrawn="1"/>
-          </p:nvSpPr>
-          <p:spPr>
-            <a:xfrm>
-              <a:off x="1832720" y="5510100"/>
-              <a:ext cx="5887702" cy="384721"/>
-            </a:xfrm>
-            <a:prstGeom prst="rect">
-              <a:avLst/>
-            </a:prstGeom>
-            <a:ln w="12700">
-              <a:miter lim="400000"/>
-            </a:ln>
-            <a:extLst>
-              <a:ext uri="{C572A759-6A51-4108-AA02-DFA0A04FC94B}">
-                <ma14:wrappingTextBoxFlag xmlns:ma14="http://schemas.microsoft.com/office/mac/drawingml/2011/main" xmlns:a14="http://schemas.microsoft.com/office/drawing/2010/main" xmlns:m="http://schemas.openxmlformats.org/officeDocument/2006/math" xmlns="" val="1"/>
-              </a:ext>
-            </a:extLst>
-          </p:spPr>
-          <p:txBody>
-            <a:bodyPr wrap="none" lIns="38100" tIns="38100" rIns="38100" bIns="38100" anchor="ctr">
-              <a:spAutoFit/>
-            </a:bodyPr>
-            <a:lstStyle>
-              <a:lvl1pPr>
-                <a:lnSpc>
-                  <a:spcPts val="4500"/>
-                </a:lnSpc>
-                <a:tabLst>
-                  <a:tab pos="1066800" algn="l"/>
-                </a:tabLst>
-                <a:defRPr sz="3821">
-                  <a:latin typeface="Arial"/>
-                  <a:ea typeface="Arial"/>
-                  <a:cs typeface="Arial"/>
-                  <a:sym typeface="Arial"/>
-                </a:defRPr>
-              </a:lvl1pPr>
-            </a:lstStyle>
-            <a:p>
-              <a:pPr algn="l">
-                <a:lnSpc>
-                  <a:spcPct val="100000"/>
-                </a:lnSpc>
-              </a:pPr>
-              <a:r>
-                <a:rPr lang="zh-CN" altLang="en-US" sz="2000" dirty="0">
-                  <a:solidFill>
-                    <a:schemeClr val="tx2"/>
-                  </a:solidFill>
-                </a:rPr>
-                <a:t>基于</a:t>
-              </a:r>
-              <a:r>
-                <a:rPr lang="en-US" sz="2000" dirty="0">
-                  <a:solidFill>
-                    <a:schemeClr val="accent3"/>
-                  </a:solidFill>
-                  <a:latin typeface="Arial Black" panose="020B0604020202020204" pitchFamily="34" charset="0"/>
-                  <a:cs typeface="Arial Black" panose="020B0604020202020204" pitchFamily="34" charset="0"/>
-                </a:rPr>
-                <a:t>V</a:t>
-              </a:r>
-              <a:r>
-                <a:rPr lang="en-US" altLang="zh-CN" sz="2000" dirty="0">
-                  <a:solidFill>
-                    <a:schemeClr val="accent3"/>
-                  </a:solidFill>
-                  <a:latin typeface="Arial Black" panose="020B0604020202020204" pitchFamily="34" charset="0"/>
-                  <a:cs typeface="Arial Black" panose="020B0604020202020204" pitchFamily="34" charset="0"/>
-                </a:rPr>
-                <a:t>isual Texture Exchange</a:t>
-              </a:r>
-              <a:r>
-                <a:rPr lang="zh-CN" altLang="en-US" sz="2000" dirty="0">
-                  <a:solidFill>
-                    <a:schemeClr val="tx2"/>
-                  </a:solidFill>
-                </a:rPr>
-                <a:t>的文本交互系</a:t>
-              </a:r>
-              <a:r>
-                <a:rPr lang="zh-CN" altLang="en-US" sz="2000" b="1" dirty="0">
-                  <a:solidFill>
-                    <a:schemeClr val="tx2"/>
-                  </a:solidFill>
-                </a:rPr>
-                <a:t>统</a:t>
-              </a:r>
-              <a:endParaRPr lang="en-US" sz="2000" b="1" spc="170" dirty="0">
-                <a:solidFill>
-                  <a:schemeClr val="accent3"/>
-                </a:solidFill>
-              </a:endParaRPr>
-            </a:p>
-          </p:txBody>
-        </p:sp>
-      </p:grpSp>
-      <p:grpSp>
-        <p:nvGrpSpPr>
           <p:cNvPr id="17" name="Group 31">
             <a:extLst>
               <a:ext uri="{FF2B5EF4-FFF2-40B4-BE49-F238E27FC236}">
@@ -14691,6 +14014,582 @@
           </p:txBody>
         </p:sp>
       </p:grpSp>
+      <p:grpSp>
+        <p:nvGrpSpPr>
+          <p:cNvPr id="9" name="Group 19">
+            <a:extLst>
+              <a:ext uri="{FF2B5EF4-FFF2-40B4-BE49-F238E27FC236}">
+                <a16:creationId xmlns:a16="http://schemas.microsoft.com/office/drawing/2014/main" id="{1F166729-9003-AFB5-58E8-AA6483C8DB43}"/>
+              </a:ext>
+            </a:extLst>
+          </p:cNvPr>
+          <p:cNvGrpSpPr/>
+          <p:nvPr userDrawn="1"/>
+        </p:nvGrpSpPr>
+        <p:grpSpPr>
+          <a:xfrm>
+            <a:off x="494469" y="6247857"/>
+            <a:ext cx="5887702" cy="511448"/>
+            <a:chOff x="1832720" y="5446059"/>
+            <a:chExt cx="5887702" cy="511448"/>
+          </a:xfrm>
+        </p:grpSpPr>
+        <p:sp>
+          <p:nvSpPr>
+            <p:cNvPr id="10" name="Shape">
+              <a:extLst>
+                <a:ext uri="{FF2B5EF4-FFF2-40B4-BE49-F238E27FC236}">
+                  <a16:creationId xmlns:a16="http://schemas.microsoft.com/office/drawing/2014/main" id="{5FDC72D4-3182-1E57-1FDA-C46D0C9ECF6E}"/>
+                </a:ext>
+              </a:extLst>
+            </p:cNvPr>
+            <p:cNvSpPr/>
+            <p:nvPr userDrawn="1"/>
+          </p:nvSpPr>
+          <p:spPr>
+            <a:xfrm>
+              <a:off x="1944118" y="5505141"/>
+              <a:ext cx="103773" cy="57696"/>
+            </a:xfrm>
+            <a:custGeom>
+              <a:avLst/>
+              <a:gdLst/>
+              <a:ahLst/>
+              <a:cxnLst>
+                <a:cxn ang="0">
+                  <a:pos x="wd2" y="hd2"/>
+                </a:cxn>
+                <a:cxn ang="5400000">
+                  <a:pos x="wd2" y="hd2"/>
+                </a:cxn>
+                <a:cxn ang="10800000">
+                  <a:pos x="wd2" y="hd2"/>
+                </a:cxn>
+                <a:cxn ang="16200000">
+                  <a:pos x="wd2" y="hd2"/>
+                </a:cxn>
+              </a:cxnLst>
+              <a:rect l="0" t="0" r="r" b="b"/>
+              <a:pathLst>
+                <a:path w="21600" h="21600" extrusionOk="0">
+                  <a:moveTo>
+                    <a:pt x="6149" y="19425"/>
+                  </a:moveTo>
+                  <a:cubicBezTo>
+                    <a:pt x="6149" y="14812"/>
+                    <a:pt x="8235" y="11059"/>
+                    <a:pt x="10800" y="11059"/>
+                  </a:cubicBezTo>
+                  <a:cubicBezTo>
+                    <a:pt x="13365" y="11059"/>
+                    <a:pt x="15451" y="14812"/>
+                    <a:pt x="15451" y="19425"/>
+                  </a:cubicBezTo>
+                  <a:lnTo>
+                    <a:pt x="15451" y="21600"/>
+                  </a:lnTo>
+                  <a:lnTo>
+                    <a:pt x="21600" y="21600"/>
+                  </a:lnTo>
+                  <a:lnTo>
+                    <a:pt x="21600" y="19425"/>
+                  </a:lnTo>
+                  <a:cubicBezTo>
+                    <a:pt x="21600" y="8714"/>
+                    <a:pt x="16755" y="0"/>
+                    <a:pt x="10800" y="0"/>
+                  </a:cubicBezTo>
+                  <a:cubicBezTo>
+                    <a:pt x="4845" y="0"/>
+                    <a:pt x="0" y="8714"/>
+                    <a:pt x="0" y="19425"/>
+                  </a:cubicBezTo>
+                  <a:lnTo>
+                    <a:pt x="0" y="21600"/>
+                  </a:lnTo>
+                  <a:lnTo>
+                    <a:pt x="6149" y="21600"/>
+                  </a:lnTo>
+                  <a:cubicBezTo>
+                    <a:pt x="6149" y="21600"/>
+                    <a:pt x="6149" y="19425"/>
+                    <a:pt x="6149" y="19425"/>
+                  </a:cubicBezTo>
+                  <a:close/>
+                </a:path>
+              </a:pathLst>
+            </a:custGeom>
+            <a:solidFill>
+              <a:schemeClr val="accent3"/>
+            </a:solidFill>
+            <a:ln w="12700">
+              <a:miter lim="400000"/>
+            </a:ln>
+          </p:spPr>
+          <p:txBody>
+            <a:bodyPr lIns="38100" tIns="38100" rIns="38100" bIns="38100" anchor="ctr"/>
+            <a:lstStyle/>
+            <a:p>
+              <a:pPr>
+                <a:defRPr sz="3000">
+                  <a:solidFill>
+                    <a:srgbClr val="FFFFFF"/>
+                  </a:solidFill>
+                  <a:effectLst>
+                    <a:outerShdw blurRad="38100" dist="12700" dir="5400000" rotWithShape="0">
+                      <a:srgbClr val="000000">
+                        <a:alpha val="50000"/>
+                      </a:srgbClr>
+                    </a:outerShdw>
+                  </a:effectLst>
+                </a:defRPr>
+              </a:pPr>
+              <a:endParaRPr/>
+            </a:p>
+          </p:txBody>
+        </p:sp>
+        <p:sp>
+          <p:nvSpPr>
+            <p:cNvPr id="11" name="Shape">
+              <a:extLst>
+                <a:ext uri="{FF2B5EF4-FFF2-40B4-BE49-F238E27FC236}">
+                  <a16:creationId xmlns:a16="http://schemas.microsoft.com/office/drawing/2014/main" id="{F8082267-CA43-3FFD-AEE3-7E2E03C4B21F}"/>
+                </a:ext>
+              </a:extLst>
+            </p:cNvPr>
+            <p:cNvSpPr/>
+            <p:nvPr userDrawn="1"/>
+          </p:nvSpPr>
+          <p:spPr>
+            <a:xfrm>
+              <a:off x="1944118" y="5840730"/>
+              <a:ext cx="103773" cy="57694"/>
+            </a:xfrm>
+            <a:custGeom>
+              <a:avLst/>
+              <a:gdLst/>
+              <a:ahLst/>
+              <a:cxnLst>
+                <a:cxn ang="0">
+                  <a:pos x="wd2" y="hd2"/>
+                </a:cxn>
+                <a:cxn ang="5400000">
+                  <a:pos x="wd2" y="hd2"/>
+                </a:cxn>
+                <a:cxn ang="10800000">
+                  <a:pos x="wd2" y="hd2"/>
+                </a:cxn>
+                <a:cxn ang="16200000">
+                  <a:pos x="wd2" y="hd2"/>
+                </a:cxn>
+              </a:cxnLst>
+              <a:rect l="0" t="0" r="r" b="b"/>
+              <a:pathLst>
+                <a:path w="21600" h="21600" extrusionOk="0">
+                  <a:moveTo>
+                    <a:pt x="15451" y="2174"/>
+                  </a:moveTo>
+                  <a:cubicBezTo>
+                    <a:pt x="15451" y="6787"/>
+                    <a:pt x="13365" y="10540"/>
+                    <a:pt x="10800" y="10540"/>
+                  </a:cubicBezTo>
+                  <a:cubicBezTo>
+                    <a:pt x="8235" y="10540"/>
+                    <a:pt x="6149" y="6787"/>
+                    <a:pt x="6149" y="2174"/>
+                  </a:cubicBezTo>
+                  <a:lnTo>
+                    <a:pt x="6149" y="0"/>
+                  </a:lnTo>
+                  <a:lnTo>
+                    <a:pt x="0" y="0"/>
+                  </a:lnTo>
+                  <a:lnTo>
+                    <a:pt x="0" y="2174"/>
+                  </a:lnTo>
+                  <a:cubicBezTo>
+                    <a:pt x="0" y="12886"/>
+                    <a:pt x="4845" y="21600"/>
+                    <a:pt x="10800" y="21600"/>
+                  </a:cubicBezTo>
+                  <a:cubicBezTo>
+                    <a:pt x="16755" y="21600"/>
+                    <a:pt x="21600" y="12886"/>
+                    <a:pt x="21600" y="2174"/>
+                  </a:cubicBezTo>
+                  <a:lnTo>
+                    <a:pt x="21600" y="0"/>
+                  </a:lnTo>
+                  <a:lnTo>
+                    <a:pt x="15451" y="0"/>
+                  </a:lnTo>
+                  <a:cubicBezTo>
+                    <a:pt x="15451" y="0"/>
+                    <a:pt x="15451" y="2174"/>
+                    <a:pt x="15451" y="2174"/>
+                  </a:cubicBezTo>
+                  <a:close/>
+                </a:path>
+              </a:pathLst>
+            </a:custGeom>
+            <a:solidFill>
+              <a:schemeClr val="accent3"/>
+            </a:solidFill>
+            <a:ln w="12700">
+              <a:miter lim="400000"/>
+            </a:ln>
+          </p:spPr>
+          <p:txBody>
+            <a:bodyPr lIns="38100" tIns="38100" rIns="38100" bIns="38100" anchor="ctr"/>
+            <a:lstStyle/>
+            <a:p>
+              <a:pPr>
+                <a:defRPr sz="3000">
+                  <a:solidFill>
+                    <a:srgbClr val="FFFFFF"/>
+                  </a:solidFill>
+                  <a:effectLst>
+                    <a:outerShdw blurRad="38100" dist="12700" dir="5400000" rotWithShape="0">
+                      <a:srgbClr val="000000">
+                        <a:alpha val="50000"/>
+                      </a:srgbClr>
+                    </a:outerShdw>
+                  </a:effectLst>
+                </a:defRPr>
+              </a:pPr>
+              <a:endParaRPr/>
+            </a:p>
+          </p:txBody>
+        </p:sp>
+        <p:sp>
+          <p:nvSpPr>
+            <p:cNvPr id="12" name="Shape">
+              <a:extLst>
+                <a:ext uri="{FF2B5EF4-FFF2-40B4-BE49-F238E27FC236}">
+                  <a16:creationId xmlns:a16="http://schemas.microsoft.com/office/drawing/2014/main" id="{AD337577-643A-5D7E-AB6C-DA9AE2CA18CC}"/>
+                </a:ext>
+              </a:extLst>
+            </p:cNvPr>
+            <p:cNvSpPr/>
+            <p:nvPr userDrawn="1"/>
+          </p:nvSpPr>
+          <p:spPr>
+            <a:xfrm>
+              <a:off x="1885036" y="5446059"/>
+              <a:ext cx="221938" cy="116778"/>
+            </a:xfrm>
+            <a:custGeom>
+              <a:avLst/>
+              <a:gdLst/>
+              <a:ahLst/>
+              <a:cxnLst>
+                <a:cxn ang="0">
+                  <a:pos x="wd2" y="hd2"/>
+                </a:cxn>
+                <a:cxn ang="5400000">
+                  <a:pos x="wd2" y="hd2"/>
+                </a:cxn>
+                <a:cxn ang="10800000">
+                  <a:pos x="wd2" y="hd2"/>
+                </a:cxn>
+                <a:cxn ang="16200000">
+                  <a:pos x="wd2" y="hd2"/>
+                </a:cxn>
+              </a:cxnLst>
+              <a:rect l="0" t="0" r="r" b="b"/>
+              <a:pathLst>
+                <a:path w="21600" h="21600" extrusionOk="0">
+                  <a:moveTo>
+                    <a:pt x="2875" y="20525"/>
+                  </a:moveTo>
+                  <a:cubicBezTo>
+                    <a:pt x="2875" y="12221"/>
+                    <a:pt x="6430" y="5464"/>
+                    <a:pt x="10800" y="5464"/>
+                  </a:cubicBezTo>
+                  <a:cubicBezTo>
+                    <a:pt x="15170" y="5464"/>
+                    <a:pt x="18725" y="12221"/>
+                    <a:pt x="18725" y="20525"/>
+                  </a:cubicBezTo>
+                  <a:lnTo>
+                    <a:pt x="18725" y="21600"/>
+                  </a:lnTo>
+                  <a:lnTo>
+                    <a:pt x="21600" y="21600"/>
+                  </a:lnTo>
+                  <a:lnTo>
+                    <a:pt x="21600" y="20526"/>
+                  </a:lnTo>
+                  <a:cubicBezTo>
+                    <a:pt x="21600" y="9190"/>
+                    <a:pt x="16765" y="0"/>
+                    <a:pt x="10800" y="0"/>
+                  </a:cubicBezTo>
+                  <a:cubicBezTo>
+                    <a:pt x="4835" y="0"/>
+                    <a:pt x="0" y="9190"/>
+                    <a:pt x="0" y="20526"/>
+                  </a:cubicBezTo>
+                  <a:lnTo>
+                    <a:pt x="0" y="21600"/>
+                  </a:lnTo>
+                  <a:lnTo>
+                    <a:pt x="2875" y="21600"/>
+                  </a:lnTo>
+                  <a:cubicBezTo>
+                    <a:pt x="2875" y="21600"/>
+                    <a:pt x="2875" y="20525"/>
+                    <a:pt x="2875" y="20525"/>
+                  </a:cubicBezTo>
+                  <a:close/>
+                </a:path>
+              </a:pathLst>
+            </a:custGeom>
+            <a:solidFill>
+              <a:schemeClr val="accent6"/>
+            </a:solidFill>
+            <a:ln w="12700">
+              <a:miter lim="400000"/>
+            </a:ln>
+          </p:spPr>
+          <p:txBody>
+            <a:bodyPr lIns="38100" tIns="38100" rIns="38100" bIns="38100" anchor="ctr"/>
+            <a:lstStyle/>
+            <a:p>
+              <a:pPr>
+                <a:defRPr sz="3000">
+                  <a:solidFill>
+                    <a:srgbClr val="FFFFFF"/>
+                  </a:solidFill>
+                  <a:effectLst>
+                    <a:outerShdw blurRad="38100" dist="12700" dir="5400000" rotWithShape="0">
+                      <a:srgbClr val="000000">
+                        <a:alpha val="50000"/>
+                      </a:srgbClr>
+                    </a:outerShdw>
+                  </a:effectLst>
+                </a:defRPr>
+              </a:pPr>
+              <a:endParaRPr/>
+            </a:p>
+          </p:txBody>
+        </p:sp>
+        <p:sp>
+          <p:nvSpPr>
+            <p:cNvPr id="13" name="Shape">
+              <a:extLst>
+                <a:ext uri="{FF2B5EF4-FFF2-40B4-BE49-F238E27FC236}">
+                  <a16:creationId xmlns:a16="http://schemas.microsoft.com/office/drawing/2014/main" id="{8AF824D7-9448-1545-B551-E46A51BD6474}"/>
+                </a:ext>
+              </a:extLst>
+            </p:cNvPr>
+            <p:cNvSpPr/>
+            <p:nvPr userDrawn="1"/>
+          </p:nvSpPr>
+          <p:spPr>
+            <a:xfrm>
+              <a:off x="1885036" y="5840730"/>
+              <a:ext cx="221938" cy="116777"/>
+            </a:xfrm>
+            <a:custGeom>
+              <a:avLst/>
+              <a:gdLst/>
+              <a:ahLst/>
+              <a:cxnLst>
+                <a:cxn ang="0">
+                  <a:pos x="wd2" y="hd2"/>
+                </a:cxn>
+                <a:cxn ang="5400000">
+                  <a:pos x="wd2" y="hd2"/>
+                </a:cxn>
+                <a:cxn ang="10800000">
+                  <a:pos x="wd2" y="hd2"/>
+                </a:cxn>
+                <a:cxn ang="16200000">
+                  <a:pos x="wd2" y="hd2"/>
+                </a:cxn>
+              </a:cxnLst>
+              <a:rect l="0" t="0" r="r" b="b"/>
+              <a:pathLst>
+                <a:path w="21600" h="21600" extrusionOk="0">
+                  <a:moveTo>
+                    <a:pt x="18725" y="1074"/>
+                  </a:moveTo>
+                  <a:cubicBezTo>
+                    <a:pt x="18725" y="9379"/>
+                    <a:pt x="15170" y="16136"/>
+                    <a:pt x="10800" y="16136"/>
+                  </a:cubicBezTo>
+                  <a:cubicBezTo>
+                    <a:pt x="6430" y="16136"/>
+                    <a:pt x="2875" y="9379"/>
+                    <a:pt x="2875" y="1074"/>
+                  </a:cubicBezTo>
+                  <a:lnTo>
+                    <a:pt x="2875" y="0"/>
+                  </a:lnTo>
+                  <a:lnTo>
+                    <a:pt x="0" y="0"/>
+                  </a:lnTo>
+                  <a:lnTo>
+                    <a:pt x="0" y="1074"/>
+                  </a:lnTo>
+                  <a:cubicBezTo>
+                    <a:pt x="0" y="12410"/>
+                    <a:pt x="4835" y="21600"/>
+                    <a:pt x="10800" y="21600"/>
+                  </a:cubicBezTo>
+                  <a:cubicBezTo>
+                    <a:pt x="16765" y="21600"/>
+                    <a:pt x="21600" y="12410"/>
+                    <a:pt x="21600" y="1074"/>
+                  </a:cubicBezTo>
+                  <a:lnTo>
+                    <a:pt x="21600" y="0"/>
+                  </a:lnTo>
+                  <a:lnTo>
+                    <a:pt x="18725" y="0"/>
+                  </a:lnTo>
+                  <a:cubicBezTo>
+                    <a:pt x="18725" y="0"/>
+                    <a:pt x="18725" y="1074"/>
+                    <a:pt x="18725" y="1074"/>
+                  </a:cubicBezTo>
+                  <a:close/>
+                </a:path>
+              </a:pathLst>
+            </a:custGeom>
+            <a:solidFill>
+              <a:schemeClr val="accent6"/>
+            </a:solidFill>
+            <a:ln w="12700">
+              <a:miter lim="400000"/>
+            </a:ln>
+          </p:spPr>
+          <p:txBody>
+            <a:bodyPr lIns="38100" tIns="38100" rIns="38100" bIns="38100" anchor="ctr"/>
+            <a:lstStyle/>
+            <a:p>
+              <a:pPr>
+                <a:defRPr sz="3000">
+                  <a:solidFill>
+                    <a:srgbClr val="FFFFFF"/>
+                  </a:solidFill>
+                  <a:effectLst>
+                    <a:outerShdw blurRad="38100" dist="12700" dir="5400000" rotWithShape="0">
+                      <a:srgbClr val="000000">
+                        <a:alpha val="50000"/>
+                      </a:srgbClr>
+                    </a:outerShdw>
+                  </a:effectLst>
+                </a:defRPr>
+              </a:pPr>
+              <a:endParaRPr/>
+            </a:p>
+          </p:txBody>
+        </p:sp>
+        <p:sp>
+          <p:nvSpPr>
+            <p:cNvPr id="18" name="POWERPOINT TEMPLATE">
+              <a:extLst>
+                <a:ext uri="{FF2B5EF4-FFF2-40B4-BE49-F238E27FC236}">
+                  <a16:creationId xmlns:a16="http://schemas.microsoft.com/office/drawing/2014/main" id="{0D45B2DD-FF7A-632B-4698-97860EDD75F2}"/>
+                </a:ext>
+              </a:extLst>
+            </p:cNvPr>
+            <p:cNvSpPr/>
+            <p:nvPr userDrawn="1"/>
+          </p:nvSpPr>
+          <p:spPr>
+            <a:xfrm>
+              <a:off x="1832720" y="5510100"/>
+              <a:ext cx="5887702" cy="384721"/>
+            </a:xfrm>
+            <a:prstGeom prst="rect">
+              <a:avLst/>
+            </a:prstGeom>
+            <a:ln w="12700">
+              <a:miter lim="400000"/>
+            </a:ln>
+            <a:extLst>
+              <a:ext uri="{C572A759-6A51-4108-AA02-DFA0A04FC94B}">
+                <ma14:wrappingTextBoxFlag xmlns:ma14="http://schemas.microsoft.com/office/mac/drawingml/2011/main" xmlns:a14="http://schemas.microsoft.com/office/drawing/2010/main" xmlns:m="http://schemas.openxmlformats.org/officeDocument/2006/math" xmlns="" val="1"/>
+              </a:ext>
+            </a:extLst>
+          </p:spPr>
+          <p:txBody>
+            <a:bodyPr wrap="none" lIns="38100" tIns="38100" rIns="38100" bIns="38100" anchor="ctr">
+              <a:spAutoFit/>
+            </a:bodyPr>
+            <a:lstStyle>
+              <a:lvl1pPr>
+                <a:lnSpc>
+                  <a:spcPts val="4500"/>
+                </a:lnSpc>
+                <a:tabLst>
+                  <a:tab pos="1066800" algn="l"/>
+                </a:tabLst>
+                <a:defRPr sz="3821">
+                  <a:latin typeface="Arial"/>
+                  <a:ea typeface="Arial"/>
+                  <a:cs typeface="Arial"/>
+                  <a:sym typeface="Arial"/>
+                </a:defRPr>
+              </a:lvl1pPr>
+            </a:lstStyle>
+            <a:p>
+              <a:pPr algn="l">
+                <a:lnSpc>
+                  <a:spcPct val="100000"/>
+                </a:lnSpc>
+              </a:pPr>
+              <a:r>
+                <a:rPr lang="zh-CN" altLang="en-US" sz="2000" b="1" dirty="0">
+                  <a:solidFill>
+                    <a:schemeClr val="tx2"/>
+                  </a:solidFill>
+                </a:rPr>
+                <a:t>基于</a:t>
+              </a:r>
+              <a:r>
+                <a:rPr lang="en-US" sz="2000" dirty="0">
+                  <a:solidFill>
+                    <a:schemeClr val="accent3"/>
+                  </a:solidFill>
+                  <a:latin typeface="Arial Black" panose="020B0604020202020204" pitchFamily="34" charset="0"/>
+                  <a:cs typeface="Arial Black" panose="020B0604020202020204" pitchFamily="34" charset="0"/>
+                </a:rPr>
+                <a:t>V</a:t>
+              </a:r>
+              <a:r>
+                <a:rPr lang="en-US" altLang="zh-CN" sz="2000" dirty="0">
+                  <a:solidFill>
+                    <a:schemeClr val="accent3"/>
+                  </a:solidFill>
+                  <a:latin typeface="Arial Black" panose="020B0604020202020204" pitchFamily="34" charset="0"/>
+                  <a:cs typeface="Arial Black" panose="020B0604020202020204" pitchFamily="34" charset="0"/>
+                </a:rPr>
+                <a:t>isual Texture Exchange</a:t>
+              </a:r>
+              <a:r>
+                <a:rPr lang="zh-CN" altLang="en-US" sz="2000" b="1" dirty="0">
+                  <a:solidFill>
+                    <a:schemeClr val="tx2"/>
+                  </a:solidFill>
+                </a:rPr>
+                <a:t>的文本交互系统</a:t>
+              </a:r>
+              <a:endParaRPr lang="en-US" sz="2000" b="1" spc="170" dirty="0">
+                <a:solidFill>
+                  <a:schemeClr val="accent3"/>
+                </a:solidFill>
+              </a:endParaRPr>
+            </a:p>
+          </p:txBody>
+        </p:sp>
+      </p:grpSp>
     </p:spTree>
     <p:extLst>
       <p:ext uri="{BB962C8B-B14F-4D97-AF65-F5344CB8AC3E}">
@@ -14961,590 +14860,6 @@
           </a:fontRef>
         </p:style>
       </p:cxnSp>
-      <p:grpSp>
-        <p:nvGrpSpPr>
-          <p:cNvPr id="3" name="Group 19">
-            <a:extLst>
-              <a:ext uri="{FF2B5EF4-FFF2-40B4-BE49-F238E27FC236}">
-                <a16:creationId xmlns:a16="http://schemas.microsoft.com/office/drawing/2014/main" id="{161FE398-3533-697C-0D2D-5A7188B7CCD0}"/>
-              </a:ext>
-            </a:extLst>
-          </p:cNvPr>
-          <p:cNvGrpSpPr/>
-          <p:nvPr userDrawn="1"/>
-        </p:nvGrpSpPr>
-        <p:grpSpPr>
-          <a:xfrm>
-            <a:off x="494469" y="6247857"/>
-            <a:ext cx="5887702" cy="511448"/>
-            <a:chOff x="1832720" y="5446059"/>
-            <a:chExt cx="5887702" cy="511448"/>
-          </a:xfrm>
-        </p:grpSpPr>
-        <p:sp>
-          <p:nvSpPr>
-            <p:cNvPr id="4" name="Shape">
-              <a:extLst>
-                <a:ext uri="{FF2B5EF4-FFF2-40B4-BE49-F238E27FC236}">
-                  <a16:creationId xmlns:a16="http://schemas.microsoft.com/office/drawing/2014/main" id="{87E11441-1A67-14BD-74A2-BC4701650C1E}"/>
-                </a:ext>
-              </a:extLst>
-            </p:cNvPr>
-            <p:cNvSpPr/>
-            <p:nvPr userDrawn="1"/>
-          </p:nvSpPr>
-          <p:spPr>
-            <a:xfrm>
-              <a:off x="1944118" y="5505141"/>
-              <a:ext cx="103773" cy="57696"/>
-            </a:xfrm>
-            <a:custGeom>
-              <a:avLst/>
-              <a:gdLst/>
-              <a:ahLst/>
-              <a:cxnLst>
-                <a:cxn ang="0">
-                  <a:pos x="wd2" y="hd2"/>
-                </a:cxn>
-                <a:cxn ang="5400000">
-                  <a:pos x="wd2" y="hd2"/>
-                </a:cxn>
-                <a:cxn ang="10800000">
-                  <a:pos x="wd2" y="hd2"/>
-                </a:cxn>
-                <a:cxn ang="16200000">
-                  <a:pos x="wd2" y="hd2"/>
-                </a:cxn>
-              </a:cxnLst>
-              <a:rect l="0" t="0" r="r" b="b"/>
-              <a:pathLst>
-                <a:path w="21600" h="21600" extrusionOk="0">
-                  <a:moveTo>
-                    <a:pt x="6149" y="19425"/>
-                  </a:moveTo>
-                  <a:cubicBezTo>
-                    <a:pt x="6149" y="14812"/>
-                    <a:pt x="8235" y="11059"/>
-                    <a:pt x="10800" y="11059"/>
-                  </a:cubicBezTo>
-                  <a:cubicBezTo>
-                    <a:pt x="13365" y="11059"/>
-                    <a:pt x="15451" y="14812"/>
-                    <a:pt x="15451" y="19425"/>
-                  </a:cubicBezTo>
-                  <a:lnTo>
-                    <a:pt x="15451" y="21600"/>
-                  </a:lnTo>
-                  <a:lnTo>
-                    <a:pt x="21600" y="21600"/>
-                  </a:lnTo>
-                  <a:lnTo>
-                    <a:pt x="21600" y="19425"/>
-                  </a:lnTo>
-                  <a:cubicBezTo>
-                    <a:pt x="21600" y="8714"/>
-                    <a:pt x="16755" y="0"/>
-                    <a:pt x="10800" y="0"/>
-                  </a:cubicBezTo>
-                  <a:cubicBezTo>
-                    <a:pt x="4845" y="0"/>
-                    <a:pt x="0" y="8714"/>
-                    <a:pt x="0" y="19425"/>
-                  </a:cubicBezTo>
-                  <a:lnTo>
-                    <a:pt x="0" y="21600"/>
-                  </a:lnTo>
-                  <a:lnTo>
-                    <a:pt x="6149" y="21600"/>
-                  </a:lnTo>
-                  <a:cubicBezTo>
-                    <a:pt x="6149" y="21600"/>
-                    <a:pt x="6149" y="19425"/>
-                    <a:pt x="6149" y="19425"/>
-                  </a:cubicBezTo>
-                  <a:close/>
-                </a:path>
-              </a:pathLst>
-            </a:custGeom>
-            <a:solidFill>
-              <a:schemeClr val="accent3"/>
-            </a:solidFill>
-            <a:ln w="12700">
-              <a:miter lim="400000"/>
-            </a:ln>
-          </p:spPr>
-          <p:txBody>
-            <a:bodyPr lIns="38100" tIns="38100" rIns="38100" bIns="38100" anchor="ctr"/>
-            <a:lstStyle/>
-            <a:p>
-              <a:pPr>
-                <a:defRPr sz="3000">
-                  <a:solidFill>
-                    <a:srgbClr val="FFFFFF"/>
-                  </a:solidFill>
-                  <a:effectLst>
-                    <a:outerShdw blurRad="38100" dist="12700" dir="5400000" rotWithShape="0">
-                      <a:srgbClr val="000000">
-                        <a:alpha val="50000"/>
-                      </a:srgbClr>
-                    </a:outerShdw>
-                  </a:effectLst>
-                </a:defRPr>
-              </a:pPr>
-              <a:endParaRPr/>
-            </a:p>
-          </p:txBody>
-        </p:sp>
-        <p:sp>
-          <p:nvSpPr>
-            <p:cNvPr id="8" name="Shape">
-              <a:extLst>
-                <a:ext uri="{FF2B5EF4-FFF2-40B4-BE49-F238E27FC236}">
-                  <a16:creationId xmlns:a16="http://schemas.microsoft.com/office/drawing/2014/main" id="{9ADBEEC1-00BB-15E3-BB51-940D27D3936E}"/>
-                </a:ext>
-              </a:extLst>
-            </p:cNvPr>
-            <p:cNvSpPr/>
-            <p:nvPr userDrawn="1"/>
-          </p:nvSpPr>
-          <p:spPr>
-            <a:xfrm>
-              <a:off x="1944118" y="5840730"/>
-              <a:ext cx="103773" cy="57694"/>
-            </a:xfrm>
-            <a:custGeom>
-              <a:avLst/>
-              <a:gdLst/>
-              <a:ahLst/>
-              <a:cxnLst>
-                <a:cxn ang="0">
-                  <a:pos x="wd2" y="hd2"/>
-                </a:cxn>
-                <a:cxn ang="5400000">
-                  <a:pos x="wd2" y="hd2"/>
-                </a:cxn>
-                <a:cxn ang="10800000">
-                  <a:pos x="wd2" y="hd2"/>
-                </a:cxn>
-                <a:cxn ang="16200000">
-                  <a:pos x="wd2" y="hd2"/>
-                </a:cxn>
-              </a:cxnLst>
-              <a:rect l="0" t="0" r="r" b="b"/>
-              <a:pathLst>
-                <a:path w="21600" h="21600" extrusionOk="0">
-                  <a:moveTo>
-                    <a:pt x="15451" y="2174"/>
-                  </a:moveTo>
-                  <a:cubicBezTo>
-                    <a:pt x="15451" y="6787"/>
-                    <a:pt x="13365" y="10540"/>
-                    <a:pt x="10800" y="10540"/>
-                  </a:cubicBezTo>
-                  <a:cubicBezTo>
-                    <a:pt x="8235" y="10540"/>
-                    <a:pt x="6149" y="6787"/>
-                    <a:pt x="6149" y="2174"/>
-                  </a:cubicBezTo>
-                  <a:lnTo>
-                    <a:pt x="6149" y="0"/>
-                  </a:lnTo>
-                  <a:lnTo>
-                    <a:pt x="0" y="0"/>
-                  </a:lnTo>
-                  <a:lnTo>
-                    <a:pt x="0" y="2174"/>
-                  </a:lnTo>
-                  <a:cubicBezTo>
-                    <a:pt x="0" y="12886"/>
-                    <a:pt x="4845" y="21600"/>
-                    <a:pt x="10800" y="21600"/>
-                  </a:cubicBezTo>
-                  <a:cubicBezTo>
-                    <a:pt x="16755" y="21600"/>
-                    <a:pt x="21600" y="12886"/>
-                    <a:pt x="21600" y="2174"/>
-                  </a:cubicBezTo>
-                  <a:lnTo>
-                    <a:pt x="21600" y="0"/>
-                  </a:lnTo>
-                  <a:lnTo>
-                    <a:pt x="15451" y="0"/>
-                  </a:lnTo>
-                  <a:cubicBezTo>
-                    <a:pt x="15451" y="0"/>
-                    <a:pt x="15451" y="2174"/>
-                    <a:pt x="15451" y="2174"/>
-                  </a:cubicBezTo>
-                  <a:close/>
-                </a:path>
-              </a:pathLst>
-            </a:custGeom>
-            <a:solidFill>
-              <a:schemeClr val="accent3"/>
-            </a:solidFill>
-            <a:ln w="12700">
-              <a:miter lim="400000"/>
-            </a:ln>
-          </p:spPr>
-          <p:txBody>
-            <a:bodyPr lIns="38100" tIns="38100" rIns="38100" bIns="38100" anchor="ctr"/>
-            <a:lstStyle/>
-            <a:p>
-              <a:pPr>
-                <a:defRPr sz="3000">
-                  <a:solidFill>
-                    <a:srgbClr val="FFFFFF"/>
-                  </a:solidFill>
-                  <a:effectLst>
-                    <a:outerShdw blurRad="38100" dist="12700" dir="5400000" rotWithShape="0">
-                      <a:srgbClr val="000000">
-                        <a:alpha val="50000"/>
-                      </a:srgbClr>
-                    </a:outerShdw>
-                  </a:effectLst>
-                </a:defRPr>
-              </a:pPr>
-              <a:endParaRPr/>
-            </a:p>
-          </p:txBody>
-        </p:sp>
-        <p:sp>
-          <p:nvSpPr>
-            <p:cNvPr id="14" name="Shape">
-              <a:extLst>
-                <a:ext uri="{FF2B5EF4-FFF2-40B4-BE49-F238E27FC236}">
-                  <a16:creationId xmlns:a16="http://schemas.microsoft.com/office/drawing/2014/main" id="{F17F0B3C-86C6-32B7-D4E7-60F4C30DE7C2}"/>
-                </a:ext>
-              </a:extLst>
-            </p:cNvPr>
-            <p:cNvSpPr/>
-            <p:nvPr userDrawn="1"/>
-          </p:nvSpPr>
-          <p:spPr>
-            <a:xfrm>
-              <a:off x="1885036" y="5446059"/>
-              <a:ext cx="221938" cy="116778"/>
-            </a:xfrm>
-            <a:custGeom>
-              <a:avLst/>
-              <a:gdLst/>
-              <a:ahLst/>
-              <a:cxnLst>
-                <a:cxn ang="0">
-                  <a:pos x="wd2" y="hd2"/>
-                </a:cxn>
-                <a:cxn ang="5400000">
-                  <a:pos x="wd2" y="hd2"/>
-                </a:cxn>
-                <a:cxn ang="10800000">
-                  <a:pos x="wd2" y="hd2"/>
-                </a:cxn>
-                <a:cxn ang="16200000">
-                  <a:pos x="wd2" y="hd2"/>
-                </a:cxn>
-              </a:cxnLst>
-              <a:rect l="0" t="0" r="r" b="b"/>
-              <a:pathLst>
-                <a:path w="21600" h="21600" extrusionOk="0">
-                  <a:moveTo>
-                    <a:pt x="2875" y="20525"/>
-                  </a:moveTo>
-                  <a:cubicBezTo>
-                    <a:pt x="2875" y="12221"/>
-                    <a:pt x="6430" y="5464"/>
-                    <a:pt x="10800" y="5464"/>
-                  </a:cubicBezTo>
-                  <a:cubicBezTo>
-                    <a:pt x="15170" y="5464"/>
-                    <a:pt x="18725" y="12221"/>
-                    <a:pt x="18725" y="20525"/>
-                  </a:cubicBezTo>
-                  <a:lnTo>
-                    <a:pt x="18725" y="21600"/>
-                  </a:lnTo>
-                  <a:lnTo>
-                    <a:pt x="21600" y="21600"/>
-                  </a:lnTo>
-                  <a:lnTo>
-                    <a:pt x="21600" y="20526"/>
-                  </a:lnTo>
-                  <a:cubicBezTo>
-                    <a:pt x="21600" y="9190"/>
-                    <a:pt x="16765" y="0"/>
-                    <a:pt x="10800" y="0"/>
-                  </a:cubicBezTo>
-                  <a:cubicBezTo>
-                    <a:pt x="4835" y="0"/>
-                    <a:pt x="0" y="9190"/>
-                    <a:pt x="0" y="20526"/>
-                  </a:cubicBezTo>
-                  <a:lnTo>
-                    <a:pt x="0" y="21600"/>
-                  </a:lnTo>
-                  <a:lnTo>
-                    <a:pt x="2875" y="21600"/>
-                  </a:lnTo>
-                  <a:cubicBezTo>
-                    <a:pt x="2875" y="21600"/>
-                    <a:pt x="2875" y="20525"/>
-                    <a:pt x="2875" y="20525"/>
-                  </a:cubicBezTo>
-                  <a:close/>
-                </a:path>
-              </a:pathLst>
-            </a:custGeom>
-            <a:solidFill>
-              <a:schemeClr val="accent6"/>
-            </a:solidFill>
-            <a:ln w="12700">
-              <a:miter lim="400000"/>
-            </a:ln>
-          </p:spPr>
-          <p:txBody>
-            <a:bodyPr lIns="38100" tIns="38100" rIns="38100" bIns="38100" anchor="ctr"/>
-            <a:lstStyle/>
-            <a:p>
-              <a:pPr>
-                <a:defRPr sz="3000">
-                  <a:solidFill>
-                    <a:srgbClr val="FFFFFF"/>
-                  </a:solidFill>
-                  <a:effectLst>
-                    <a:outerShdw blurRad="38100" dist="12700" dir="5400000" rotWithShape="0">
-                      <a:srgbClr val="000000">
-                        <a:alpha val="50000"/>
-                      </a:srgbClr>
-                    </a:outerShdw>
-                  </a:effectLst>
-                </a:defRPr>
-              </a:pPr>
-              <a:endParaRPr/>
-            </a:p>
-          </p:txBody>
-        </p:sp>
-        <p:sp>
-          <p:nvSpPr>
-            <p:cNvPr id="15" name="Shape">
-              <a:extLst>
-                <a:ext uri="{FF2B5EF4-FFF2-40B4-BE49-F238E27FC236}">
-                  <a16:creationId xmlns:a16="http://schemas.microsoft.com/office/drawing/2014/main" id="{AD737700-161B-2D36-720E-483B59A97BB1}"/>
-                </a:ext>
-              </a:extLst>
-            </p:cNvPr>
-            <p:cNvSpPr/>
-            <p:nvPr userDrawn="1"/>
-          </p:nvSpPr>
-          <p:spPr>
-            <a:xfrm>
-              <a:off x="1885036" y="5840730"/>
-              <a:ext cx="221938" cy="116777"/>
-            </a:xfrm>
-            <a:custGeom>
-              <a:avLst/>
-              <a:gdLst/>
-              <a:ahLst/>
-              <a:cxnLst>
-                <a:cxn ang="0">
-                  <a:pos x="wd2" y="hd2"/>
-                </a:cxn>
-                <a:cxn ang="5400000">
-                  <a:pos x="wd2" y="hd2"/>
-                </a:cxn>
-                <a:cxn ang="10800000">
-                  <a:pos x="wd2" y="hd2"/>
-                </a:cxn>
-                <a:cxn ang="16200000">
-                  <a:pos x="wd2" y="hd2"/>
-                </a:cxn>
-              </a:cxnLst>
-              <a:rect l="0" t="0" r="r" b="b"/>
-              <a:pathLst>
-                <a:path w="21600" h="21600" extrusionOk="0">
-                  <a:moveTo>
-                    <a:pt x="18725" y="1074"/>
-                  </a:moveTo>
-                  <a:cubicBezTo>
-                    <a:pt x="18725" y="9379"/>
-                    <a:pt x="15170" y="16136"/>
-                    <a:pt x="10800" y="16136"/>
-                  </a:cubicBezTo>
-                  <a:cubicBezTo>
-                    <a:pt x="6430" y="16136"/>
-                    <a:pt x="2875" y="9379"/>
-                    <a:pt x="2875" y="1074"/>
-                  </a:cubicBezTo>
-                  <a:lnTo>
-                    <a:pt x="2875" y="0"/>
-                  </a:lnTo>
-                  <a:lnTo>
-                    <a:pt x="0" y="0"/>
-                  </a:lnTo>
-                  <a:lnTo>
-                    <a:pt x="0" y="1074"/>
-                  </a:lnTo>
-                  <a:cubicBezTo>
-                    <a:pt x="0" y="12410"/>
-                    <a:pt x="4835" y="21600"/>
-                    <a:pt x="10800" y="21600"/>
-                  </a:cubicBezTo>
-                  <a:cubicBezTo>
-                    <a:pt x="16765" y="21600"/>
-                    <a:pt x="21600" y="12410"/>
-                    <a:pt x="21600" y="1074"/>
-                  </a:cubicBezTo>
-                  <a:lnTo>
-                    <a:pt x="21600" y="0"/>
-                  </a:lnTo>
-                  <a:lnTo>
-                    <a:pt x="18725" y="0"/>
-                  </a:lnTo>
-                  <a:cubicBezTo>
-                    <a:pt x="18725" y="0"/>
-                    <a:pt x="18725" y="1074"/>
-                    <a:pt x="18725" y="1074"/>
-                  </a:cubicBezTo>
-                  <a:close/>
-                </a:path>
-              </a:pathLst>
-            </a:custGeom>
-            <a:solidFill>
-              <a:schemeClr val="accent6"/>
-            </a:solidFill>
-            <a:ln w="12700">
-              <a:miter lim="400000"/>
-            </a:ln>
-          </p:spPr>
-          <p:txBody>
-            <a:bodyPr lIns="38100" tIns="38100" rIns="38100" bIns="38100" anchor="ctr"/>
-            <a:lstStyle/>
-            <a:p>
-              <a:pPr>
-                <a:defRPr sz="3000">
-                  <a:solidFill>
-                    <a:srgbClr val="FFFFFF"/>
-                  </a:solidFill>
-                  <a:effectLst>
-                    <a:outerShdw blurRad="38100" dist="12700" dir="5400000" rotWithShape="0">
-                      <a:srgbClr val="000000">
-                        <a:alpha val="50000"/>
-                      </a:srgbClr>
-                    </a:outerShdw>
-                  </a:effectLst>
-                </a:defRPr>
-              </a:pPr>
-              <a:endParaRPr/>
-            </a:p>
-          </p:txBody>
-        </p:sp>
-        <p:sp>
-          <p:nvSpPr>
-            <p:cNvPr id="16" name="POWERPOINT TEMPLATE">
-              <a:extLst>
-                <a:ext uri="{FF2B5EF4-FFF2-40B4-BE49-F238E27FC236}">
-                  <a16:creationId xmlns:a16="http://schemas.microsoft.com/office/drawing/2014/main" id="{6396B153-1C7E-CDEB-9A58-3EDBA9A53371}"/>
-                </a:ext>
-              </a:extLst>
-            </p:cNvPr>
-            <p:cNvSpPr/>
-            <p:nvPr userDrawn="1"/>
-          </p:nvSpPr>
-          <p:spPr>
-            <a:xfrm>
-              <a:off x="1832720" y="5510100"/>
-              <a:ext cx="5887702" cy="384721"/>
-            </a:xfrm>
-            <a:prstGeom prst="rect">
-              <a:avLst/>
-            </a:prstGeom>
-            <a:ln w="12700">
-              <a:miter lim="400000"/>
-            </a:ln>
-            <a:extLst>
-              <a:ext uri="{C572A759-6A51-4108-AA02-DFA0A04FC94B}">
-                <ma14:wrappingTextBoxFlag xmlns:ma14="http://schemas.microsoft.com/office/mac/drawingml/2011/main" xmlns:a14="http://schemas.microsoft.com/office/drawing/2010/main" xmlns:m="http://schemas.openxmlformats.org/officeDocument/2006/math" xmlns="" val="1"/>
-              </a:ext>
-            </a:extLst>
-          </p:spPr>
-          <p:txBody>
-            <a:bodyPr wrap="none" lIns="38100" tIns="38100" rIns="38100" bIns="38100" anchor="ctr">
-              <a:spAutoFit/>
-            </a:bodyPr>
-            <a:lstStyle>
-              <a:lvl1pPr>
-                <a:lnSpc>
-                  <a:spcPts val="4500"/>
-                </a:lnSpc>
-                <a:tabLst>
-                  <a:tab pos="1066800" algn="l"/>
-                </a:tabLst>
-                <a:defRPr sz="3821">
-                  <a:latin typeface="Arial"/>
-                  <a:ea typeface="Arial"/>
-                  <a:cs typeface="Arial"/>
-                  <a:sym typeface="Arial"/>
-                </a:defRPr>
-              </a:lvl1pPr>
-            </a:lstStyle>
-            <a:p>
-              <a:pPr algn="l">
-                <a:lnSpc>
-                  <a:spcPct val="100000"/>
-                </a:lnSpc>
-              </a:pPr>
-              <a:r>
-                <a:rPr lang="zh-CN" altLang="en-US" sz="2000" dirty="0">
-                  <a:solidFill>
-                    <a:schemeClr val="tx2"/>
-                  </a:solidFill>
-                </a:rPr>
-                <a:t>基于</a:t>
-              </a:r>
-              <a:r>
-                <a:rPr lang="en-US" sz="2000" dirty="0">
-                  <a:solidFill>
-                    <a:schemeClr val="accent3"/>
-                  </a:solidFill>
-                  <a:latin typeface="Arial Black" panose="020B0604020202020204" pitchFamily="34" charset="0"/>
-                  <a:cs typeface="Arial Black" panose="020B0604020202020204" pitchFamily="34" charset="0"/>
-                </a:rPr>
-                <a:t>V</a:t>
-              </a:r>
-              <a:r>
-                <a:rPr lang="en-US" altLang="zh-CN" sz="2000" dirty="0">
-                  <a:solidFill>
-                    <a:schemeClr val="accent3"/>
-                  </a:solidFill>
-                  <a:latin typeface="Arial Black" panose="020B0604020202020204" pitchFamily="34" charset="0"/>
-                  <a:cs typeface="Arial Black" panose="020B0604020202020204" pitchFamily="34" charset="0"/>
-                </a:rPr>
-                <a:t>isual Texture Exchange</a:t>
-              </a:r>
-              <a:r>
-                <a:rPr lang="zh-CN" altLang="en-US" sz="2000" dirty="0">
-                  <a:solidFill>
-                    <a:schemeClr val="tx2"/>
-                  </a:solidFill>
-                </a:rPr>
-                <a:t>的文本交互系</a:t>
-              </a:r>
-              <a:r>
-                <a:rPr lang="zh-CN" altLang="en-US" sz="2000" b="1" dirty="0">
-                  <a:solidFill>
-                    <a:schemeClr val="tx2"/>
-                  </a:solidFill>
-                </a:rPr>
-                <a:t>统</a:t>
-              </a:r>
-              <a:endParaRPr lang="en-US" sz="2000" b="1" spc="170" dirty="0">
-                <a:solidFill>
-                  <a:schemeClr val="accent3"/>
-                </a:solidFill>
-              </a:endParaRPr>
-            </a:p>
-          </p:txBody>
-        </p:sp>
-      </p:grpSp>
       <p:grpSp>
         <p:nvGrpSpPr>
           <p:cNvPr id="17" name="Group 31">
@@ -15822,6 +15137,582 @@
             <a:p>
               <a:pPr algn="ctr"/>
               <a:endParaRPr lang="en-US"/>
+            </a:p>
+          </p:txBody>
+        </p:sp>
+      </p:grpSp>
+      <p:grpSp>
+        <p:nvGrpSpPr>
+          <p:cNvPr id="9" name="Group 19">
+            <a:extLst>
+              <a:ext uri="{FF2B5EF4-FFF2-40B4-BE49-F238E27FC236}">
+                <a16:creationId xmlns:a16="http://schemas.microsoft.com/office/drawing/2014/main" id="{A61AF83F-5E8E-EE24-869C-3EF0F6A188E8}"/>
+              </a:ext>
+            </a:extLst>
+          </p:cNvPr>
+          <p:cNvGrpSpPr/>
+          <p:nvPr userDrawn="1"/>
+        </p:nvGrpSpPr>
+        <p:grpSpPr>
+          <a:xfrm>
+            <a:off x="494469" y="6247857"/>
+            <a:ext cx="5887702" cy="511448"/>
+            <a:chOff x="1832720" y="5446059"/>
+            <a:chExt cx="5887702" cy="511448"/>
+          </a:xfrm>
+        </p:grpSpPr>
+        <p:sp>
+          <p:nvSpPr>
+            <p:cNvPr id="10" name="Shape">
+              <a:extLst>
+                <a:ext uri="{FF2B5EF4-FFF2-40B4-BE49-F238E27FC236}">
+                  <a16:creationId xmlns:a16="http://schemas.microsoft.com/office/drawing/2014/main" id="{597A0CB8-F0F3-40B4-AEE6-2816661A2671}"/>
+                </a:ext>
+              </a:extLst>
+            </p:cNvPr>
+            <p:cNvSpPr/>
+            <p:nvPr userDrawn="1"/>
+          </p:nvSpPr>
+          <p:spPr>
+            <a:xfrm>
+              <a:off x="1944118" y="5505141"/>
+              <a:ext cx="103773" cy="57696"/>
+            </a:xfrm>
+            <a:custGeom>
+              <a:avLst/>
+              <a:gdLst/>
+              <a:ahLst/>
+              <a:cxnLst>
+                <a:cxn ang="0">
+                  <a:pos x="wd2" y="hd2"/>
+                </a:cxn>
+                <a:cxn ang="5400000">
+                  <a:pos x="wd2" y="hd2"/>
+                </a:cxn>
+                <a:cxn ang="10800000">
+                  <a:pos x="wd2" y="hd2"/>
+                </a:cxn>
+                <a:cxn ang="16200000">
+                  <a:pos x="wd2" y="hd2"/>
+                </a:cxn>
+              </a:cxnLst>
+              <a:rect l="0" t="0" r="r" b="b"/>
+              <a:pathLst>
+                <a:path w="21600" h="21600" extrusionOk="0">
+                  <a:moveTo>
+                    <a:pt x="6149" y="19425"/>
+                  </a:moveTo>
+                  <a:cubicBezTo>
+                    <a:pt x="6149" y="14812"/>
+                    <a:pt x="8235" y="11059"/>
+                    <a:pt x="10800" y="11059"/>
+                  </a:cubicBezTo>
+                  <a:cubicBezTo>
+                    <a:pt x="13365" y="11059"/>
+                    <a:pt x="15451" y="14812"/>
+                    <a:pt x="15451" y="19425"/>
+                  </a:cubicBezTo>
+                  <a:lnTo>
+                    <a:pt x="15451" y="21600"/>
+                  </a:lnTo>
+                  <a:lnTo>
+                    <a:pt x="21600" y="21600"/>
+                  </a:lnTo>
+                  <a:lnTo>
+                    <a:pt x="21600" y="19425"/>
+                  </a:lnTo>
+                  <a:cubicBezTo>
+                    <a:pt x="21600" y="8714"/>
+                    <a:pt x="16755" y="0"/>
+                    <a:pt x="10800" y="0"/>
+                  </a:cubicBezTo>
+                  <a:cubicBezTo>
+                    <a:pt x="4845" y="0"/>
+                    <a:pt x="0" y="8714"/>
+                    <a:pt x="0" y="19425"/>
+                  </a:cubicBezTo>
+                  <a:lnTo>
+                    <a:pt x="0" y="21600"/>
+                  </a:lnTo>
+                  <a:lnTo>
+                    <a:pt x="6149" y="21600"/>
+                  </a:lnTo>
+                  <a:cubicBezTo>
+                    <a:pt x="6149" y="21600"/>
+                    <a:pt x="6149" y="19425"/>
+                    <a:pt x="6149" y="19425"/>
+                  </a:cubicBezTo>
+                  <a:close/>
+                </a:path>
+              </a:pathLst>
+            </a:custGeom>
+            <a:solidFill>
+              <a:schemeClr val="accent3"/>
+            </a:solidFill>
+            <a:ln w="12700">
+              <a:miter lim="400000"/>
+            </a:ln>
+          </p:spPr>
+          <p:txBody>
+            <a:bodyPr lIns="38100" tIns="38100" rIns="38100" bIns="38100" anchor="ctr"/>
+            <a:lstStyle/>
+            <a:p>
+              <a:pPr>
+                <a:defRPr sz="3000">
+                  <a:solidFill>
+                    <a:srgbClr val="FFFFFF"/>
+                  </a:solidFill>
+                  <a:effectLst>
+                    <a:outerShdw blurRad="38100" dist="12700" dir="5400000" rotWithShape="0">
+                      <a:srgbClr val="000000">
+                        <a:alpha val="50000"/>
+                      </a:srgbClr>
+                    </a:outerShdw>
+                  </a:effectLst>
+                </a:defRPr>
+              </a:pPr>
+              <a:endParaRPr/>
+            </a:p>
+          </p:txBody>
+        </p:sp>
+        <p:sp>
+          <p:nvSpPr>
+            <p:cNvPr id="11" name="Shape">
+              <a:extLst>
+                <a:ext uri="{FF2B5EF4-FFF2-40B4-BE49-F238E27FC236}">
+                  <a16:creationId xmlns:a16="http://schemas.microsoft.com/office/drawing/2014/main" id="{EBA8DF60-65A9-D908-4138-A3E1CCDE94FB}"/>
+                </a:ext>
+              </a:extLst>
+            </p:cNvPr>
+            <p:cNvSpPr/>
+            <p:nvPr userDrawn="1"/>
+          </p:nvSpPr>
+          <p:spPr>
+            <a:xfrm>
+              <a:off x="1944118" y="5840730"/>
+              <a:ext cx="103773" cy="57694"/>
+            </a:xfrm>
+            <a:custGeom>
+              <a:avLst/>
+              <a:gdLst/>
+              <a:ahLst/>
+              <a:cxnLst>
+                <a:cxn ang="0">
+                  <a:pos x="wd2" y="hd2"/>
+                </a:cxn>
+                <a:cxn ang="5400000">
+                  <a:pos x="wd2" y="hd2"/>
+                </a:cxn>
+                <a:cxn ang="10800000">
+                  <a:pos x="wd2" y="hd2"/>
+                </a:cxn>
+                <a:cxn ang="16200000">
+                  <a:pos x="wd2" y="hd2"/>
+                </a:cxn>
+              </a:cxnLst>
+              <a:rect l="0" t="0" r="r" b="b"/>
+              <a:pathLst>
+                <a:path w="21600" h="21600" extrusionOk="0">
+                  <a:moveTo>
+                    <a:pt x="15451" y="2174"/>
+                  </a:moveTo>
+                  <a:cubicBezTo>
+                    <a:pt x="15451" y="6787"/>
+                    <a:pt x="13365" y="10540"/>
+                    <a:pt x="10800" y="10540"/>
+                  </a:cubicBezTo>
+                  <a:cubicBezTo>
+                    <a:pt x="8235" y="10540"/>
+                    <a:pt x="6149" y="6787"/>
+                    <a:pt x="6149" y="2174"/>
+                  </a:cubicBezTo>
+                  <a:lnTo>
+                    <a:pt x="6149" y="0"/>
+                  </a:lnTo>
+                  <a:lnTo>
+                    <a:pt x="0" y="0"/>
+                  </a:lnTo>
+                  <a:lnTo>
+                    <a:pt x="0" y="2174"/>
+                  </a:lnTo>
+                  <a:cubicBezTo>
+                    <a:pt x="0" y="12886"/>
+                    <a:pt x="4845" y="21600"/>
+                    <a:pt x="10800" y="21600"/>
+                  </a:cubicBezTo>
+                  <a:cubicBezTo>
+                    <a:pt x="16755" y="21600"/>
+                    <a:pt x="21600" y="12886"/>
+                    <a:pt x="21600" y="2174"/>
+                  </a:cubicBezTo>
+                  <a:lnTo>
+                    <a:pt x="21600" y="0"/>
+                  </a:lnTo>
+                  <a:lnTo>
+                    <a:pt x="15451" y="0"/>
+                  </a:lnTo>
+                  <a:cubicBezTo>
+                    <a:pt x="15451" y="0"/>
+                    <a:pt x="15451" y="2174"/>
+                    <a:pt x="15451" y="2174"/>
+                  </a:cubicBezTo>
+                  <a:close/>
+                </a:path>
+              </a:pathLst>
+            </a:custGeom>
+            <a:solidFill>
+              <a:schemeClr val="accent3"/>
+            </a:solidFill>
+            <a:ln w="12700">
+              <a:miter lim="400000"/>
+            </a:ln>
+          </p:spPr>
+          <p:txBody>
+            <a:bodyPr lIns="38100" tIns="38100" rIns="38100" bIns="38100" anchor="ctr"/>
+            <a:lstStyle/>
+            <a:p>
+              <a:pPr>
+                <a:defRPr sz="3000">
+                  <a:solidFill>
+                    <a:srgbClr val="FFFFFF"/>
+                  </a:solidFill>
+                  <a:effectLst>
+                    <a:outerShdw blurRad="38100" dist="12700" dir="5400000" rotWithShape="0">
+                      <a:srgbClr val="000000">
+                        <a:alpha val="50000"/>
+                      </a:srgbClr>
+                    </a:outerShdw>
+                  </a:effectLst>
+                </a:defRPr>
+              </a:pPr>
+              <a:endParaRPr/>
+            </a:p>
+          </p:txBody>
+        </p:sp>
+        <p:sp>
+          <p:nvSpPr>
+            <p:cNvPr id="12" name="Shape">
+              <a:extLst>
+                <a:ext uri="{FF2B5EF4-FFF2-40B4-BE49-F238E27FC236}">
+                  <a16:creationId xmlns:a16="http://schemas.microsoft.com/office/drawing/2014/main" id="{59169324-3139-22D4-BF15-15FAEDBA6C45}"/>
+                </a:ext>
+              </a:extLst>
+            </p:cNvPr>
+            <p:cNvSpPr/>
+            <p:nvPr userDrawn="1"/>
+          </p:nvSpPr>
+          <p:spPr>
+            <a:xfrm>
+              <a:off x="1885036" y="5446059"/>
+              <a:ext cx="221938" cy="116778"/>
+            </a:xfrm>
+            <a:custGeom>
+              <a:avLst/>
+              <a:gdLst/>
+              <a:ahLst/>
+              <a:cxnLst>
+                <a:cxn ang="0">
+                  <a:pos x="wd2" y="hd2"/>
+                </a:cxn>
+                <a:cxn ang="5400000">
+                  <a:pos x="wd2" y="hd2"/>
+                </a:cxn>
+                <a:cxn ang="10800000">
+                  <a:pos x="wd2" y="hd2"/>
+                </a:cxn>
+                <a:cxn ang="16200000">
+                  <a:pos x="wd2" y="hd2"/>
+                </a:cxn>
+              </a:cxnLst>
+              <a:rect l="0" t="0" r="r" b="b"/>
+              <a:pathLst>
+                <a:path w="21600" h="21600" extrusionOk="0">
+                  <a:moveTo>
+                    <a:pt x="2875" y="20525"/>
+                  </a:moveTo>
+                  <a:cubicBezTo>
+                    <a:pt x="2875" y="12221"/>
+                    <a:pt x="6430" y="5464"/>
+                    <a:pt x="10800" y="5464"/>
+                  </a:cubicBezTo>
+                  <a:cubicBezTo>
+                    <a:pt x="15170" y="5464"/>
+                    <a:pt x="18725" y="12221"/>
+                    <a:pt x="18725" y="20525"/>
+                  </a:cubicBezTo>
+                  <a:lnTo>
+                    <a:pt x="18725" y="21600"/>
+                  </a:lnTo>
+                  <a:lnTo>
+                    <a:pt x="21600" y="21600"/>
+                  </a:lnTo>
+                  <a:lnTo>
+                    <a:pt x="21600" y="20526"/>
+                  </a:lnTo>
+                  <a:cubicBezTo>
+                    <a:pt x="21600" y="9190"/>
+                    <a:pt x="16765" y="0"/>
+                    <a:pt x="10800" y="0"/>
+                  </a:cubicBezTo>
+                  <a:cubicBezTo>
+                    <a:pt x="4835" y="0"/>
+                    <a:pt x="0" y="9190"/>
+                    <a:pt x="0" y="20526"/>
+                  </a:cubicBezTo>
+                  <a:lnTo>
+                    <a:pt x="0" y="21600"/>
+                  </a:lnTo>
+                  <a:lnTo>
+                    <a:pt x="2875" y="21600"/>
+                  </a:lnTo>
+                  <a:cubicBezTo>
+                    <a:pt x="2875" y="21600"/>
+                    <a:pt x="2875" y="20525"/>
+                    <a:pt x="2875" y="20525"/>
+                  </a:cubicBezTo>
+                  <a:close/>
+                </a:path>
+              </a:pathLst>
+            </a:custGeom>
+            <a:solidFill>
+              <a:schemeClr val="accent6"/>
+            </a:solidFill>
+            <a:ln w="12700">
+              <a:miter lim="400000"/>
+            </a:ln>
+          </p:spPr>
+          <p:txBody>
+            <a:bodyPr lIns="38100" tIns="38100" rIns="38100" bIns="38100" anchor="ctr"/>
+            <a:lstStyle/>
+            <a:p>
+              <a:pPr>
+                <a:defRPr sz="3000">
+                  <a:solidFill>
+                    <a:srgbClr val="FFFFFF"/>
+                  </a:solidFill>
+                  <a:effectLst>
+                    <a:outerShdw blurRad="38100" dist="12700" dir="5400000" rotWithShape="0">
+                      <a:srgbClr val="000000">
+                        <a:alpha val="50000"/>
+                      </a:srgbClr>
+                    </a:outerShdw>
+                  </a:effectLst>
+                </a:defRPr>
+              </a:pPr>
+              <a:endParaRPr/>
+            </a:p>
+          </p:txBody>
+        </p:sp>
+        <p:sp>
+          <p:nvSpPr>
+            <p:cNvPr id="13" name="Shape">
+              <a:extLst>
+                <a:ext uri="{FF2B5EF4-FFF2-40B4-BE49-F238E27FC236}">
+                  <a16:creationId xmlns:a16="http://schemas.microsoft.com/office/drawing/2014/main" id="{C91A8F56-9553-CFED-0638-8FA85826A65C}"/>
+                </a:ext>
+              </a:extLst>
+            </p:cNvPr>
+            <p:cNvSpPr/>
+            <p:nvPr userDrawn="1"/>
+          </p:nvSpPr>
+          <p:spPr>
+            <a:xfrm>
+              <a:off x="1885036" y="5840730"/>
+              <a:ext cx="221938" cy="116777"/>
+            </a:xfrm>
+            <a:custGeom>
+              <a:avLst/>
+              <a:gdLst/>
+              <a:ahLst/>
+              <a:cxnLst>
+                <a:cxn ang="0">
+                  <a:pos x="wd2" y="hd2"/>
+                </a:cxn>
+                <a:cxn ang="5400000">
+                  <a:pos x="wd2" y="hd2"/>
+                </a:cxn>
+                <a:cxn ang="10800000">
+                  <a:pos x="wd2" y="hd2"/>
+                </a:cxn>
+                <a:cxn ang="16200000">
+                  <a:pos x="wd2" y="hd2"/>
+                </a:cxn>
+              </a:cxnLst>
+              <a:rect l="0" t="0" r="r" b="b"/>
+              <a:pathLst>
+                <a:path w="21600" h="21600" extrusionOk="0">
+                  <a:moveTo>
+                    <a:pt x="18725" y="1074"/>
+                  </a:moveTo>
+                  <a:cubicBezTo>
+                    <a:pt x="18725" y="9379"/>
+                    <a:pt x="15170" y="16136"/>
+                    <a:pt x="10800" y="16136"/>
+                  </a:cubicBezTo>
+                  <a:cubicBezTo>
+                    <a:pt x="6430" y="16136"/>
+                    <a:pt x="2875" y="9379"/>
+                    <a:pt x="2875" y="1074"/>
+                  </a:cubicBezTo>
+                  <a:lnTo>
+                    <a:pt x="2875" y="0"/>
+                  </a:lnTo>
+                  <a:lnTo>
+                    <a:pt x="0" y="0"/>
+                  </a:lnTo>
+                  <a:lnTo>
+                    <a:pt x="0" y="1074"/>
+                  </a:lnTo>
+                  <a:cubicBezTo>
+                    <a:pt x="0" y="12410"/>
+                    <a:pt x="4835" y="21600"/>
+                    <a:pt x="10800" y="21600"/>
+                  </a:cubicBezTo>
+                  <a:cubicBezTo>
+                    <a:pt x="16765" y="21600"/>
+                    <a:pt x="21600" y="12410"/>
+                    <a:pt x="21600" y="1074"/>
+                  </a:cubicBezTo>
+                  <a:lnTo>
+                    <a:pt x="21600" y="0"/>
+                  </a:lnTo>
+                  <a:lnTo>
+                    <a:pt x="18725" y="0"/>
+                  </a:lnTo>
+                  <a:cubicBezTo>
+                    <a:pt x="18725" y="0"/>
+                    <a:pt x="18725" y="1074"/>
+                    <a:pt x="18725" y="1074"/>
+                  </a:cubicBezTo>
+                  <a:close/>
+                </a:path>
+              </a:pathLst>
+            </a:custGeom>
+            <a:solidFill>
+              <a:schemeClr val="accent6"/>
+            </a:solidFill>
+            <a:ln w="12700">
+              <a:miter lim="400000"/>
+            </a:ln>
+          </p:spPr>
+          <p:txBody>
+            <a:bodyPr lIns="38100" tIns="38100" rIns="38100" bIns="38100" anchor="ctr"/>
+            <a:lstStyle/>
+            <a:p>
+              <a:pPr>
+                <a:defRPr sz="3000">
+                  <a:solidFill>
+                    <a:srgbClr val="FFFFFF"/>
+                  </a:solidFill>
+                  <a:effectLst>
+                    <a:outerShdw blurRad="38100" dist="12700" dir="5400000" rotWithShape="0">
+                      <a:srgbClr val="000000">
+                        <a:alpha val="50000"/>
+                      </a:srgbClr>
+                    </a:outerShdw>
+                  </a:effectLst>
+                </a:defRPr>
+              </a:pPr>
+              <a:endParaRPr/>
+            </a:p>
+          </p:txBody>
+        </p:sp>
+        <p:sp>
+          <p:nvSpPr>
+            <p:cNvPr id="18" name="POWERPOINT TEMPLATE">
+              <a:extLst>
+                <a:ext uri="{FF2B5EF4-FFF2-40B4-BE49-F238E27FC236}">
+                  <a16:creationId xmlns:a16="http://schemas.microsoft.com/office/drawing/2014/main" id="{9DAB6A11-E5B3-E6AB-F725-0DAEE979AE8D}"/>
+                </a:ext>
+              </a:extLst>
+            </p:cNvPr>
+            <p:cNvSpPr/>
+            <p:nvPr userDrawn="1"/>
+          </p:nvSpPr>
+          <p:spPr>
+            <a:xfrm>
+              <a:off x="1832720" y="5510100"/>
+              <a:ext cx="5887702" cy="384721"/>
+            </a:xfrm>
+            <a:prstGeom prst="rect">
+              <a:avLst/>
+            </a:prstGeom>
+            <a:ln w="12700">
+              <a:miter lim="400000"/>
+            </a:ln>
+            <a:extLst>
+              <a:ext uri="{C572A759-6A51-4108-AA02-DFA0A04FC94B}">
+                <ma14:wrappingTextBoxFlag xmlns:ma14="http://schemas.microsoft.com/office/mac/drawingml/2011/main" xmlns:a14="http://schemas.microsoft.com/office/drawing/2010/main" xmlns:m="http://schemas.openxmlformats.org/officeDocument/2006/math" xmlns="" val="1"/>
+              </a:ext>
+            </a:extLst>
+          </p:spPr>
+          <p:txBody>
+            <a:bodyPr wrap="none" lIns="38100" tIns="38100" rIns="38100" bIns="38100" anchor="ctr">
+              <a:spAutoFit/>
+            </a:bodyPr>
+            <a:lstStyle>
+              <a:lvl1pPr>
+                <a:lnSpc>
+                  <a:spcPts val="4500"/>
+                </a:lnSpc>
+                <a:tabLst>
+                  <a:tab pos="1066800" algn="l"/>
+                </a:tabLst>
+                <a:defRPr sz="3821">
+                  <a:latin typeface="Arial"/>
+                  <a:ea typeface="Arial"/>
+                  <a:cs typeface="Arial"/>
+                  <a:sym typeface="Arial"/>
+                </a:defRPr>
+              </a:lvl1pPr>
+            </a:lstStyle>
+            <a:p>
+              <a:pPr algn="l">
+                <a:lnSpc>
+                  <a:spcPct val="100000"/>
+                </a:lnSpc>
+              </a:pPr>
+              <a:r>
+                <a:rPr lang="zh-CN" altLang="en-US" sz="2000" b="1" dirty="0">
+                  <a:solidFill>
+                    <a:schemeClr val="tx2"/>
+                  </a:solidFill>
+                </a:rPr>
+                <a:t>基于</a:t>
+              </a:r>
+              <a:r>
+                <a:rPr lang="en-US" sz="2000" dirty="0">
+                  <a:solidFill>
+                    <a:schemeClr val="accent3"/>
+                  </a:solidFill>
+                  <a:latin typeface="Arial Black" panose="020B0604020202020204" pitchFamily="34" charset="0"/>
+                  <a:cs typeface="Arial Black" panose="020B0604020202020204" pitchFamily="34" charset="0"/>
+                </a:rPr>
+                <a:t>V</a:t>
+              </a:r>
+              <a:r>
+                <a:rPr lang="en-US" altLang="zh-CN" sz="2000" dirty="0">
+                  <a:solidFill>
+                    <a:schemeClr val="accent3"/>
+                  </a:solidFill>
+                  <a:latin typeface="Arial Black" panose="020B0604020202020204" pitchFamily="34" charset="0"/>
+                  <a:cs typeface="Arial Black" panose="020B0604020202020204" pitchFamily="34" charset="0"/>
+                </a:rPr>
+                <a:t>isual Texture Exchange</a:t>
+              </a:r>
+              <a:r>
+                <a:rPr lang="zh-CN" altLang="en-US" sz="2000" b="1" dirty="0">
+                  <a:solidFill>
+                    <a:schemeClr val="tx2"/>
+                  </a:solidFill>
+                </a:rPr>
+                <a:t>的文本交互系统</a:t>
+              </a:r>
+              <a:endParaRPr lang="en-US" sz="2000" b="1" spc="170" dirty="0">
+                <a:solidFill>
+                  <a:schemeClr val="accent3"/>
+                </a:solidFill>
+              </a:endParaRPr>
             </a:p>
           </p:txBody>
         </p:sp>
@@ -19988,7 +19879,7 @@
               </a:lnSpc>
             </a:pPr>
             <a:r>
-              <a:rPr lang="zh-CN" altLang="en-US" sz="6600" dirty="0">
+              <a:rPr lang="zh-CN" altLang="en-US" sz="6600" b="1" dirty="0">
                 <a:solidFill>
                   <a:schemeClr val="bg1"/>
                 </a:solidFill>
@@ -20006,14 +19897,14 @@
               <a:t>VTE</a:t>
             </a:r>
             <a:r>
-              <a:rPr lang="zh-CN" altLang="en-US" sz="6600" dirty="0">
+              <a:rPr lang="zh-CN" altLang="en-US" sz="6600" b="1" dirty="0">
                 <a:solidFill>
                   <a:schemeClr val="bg1"/>
                 </a:solidFill>
               </a:rPr>
               <a:t>的文本交互系统</a:t>
             </a:r>
-            <a:endParaRPr sz="6600" spc="170" dirty="0">
+            <a:endParaRPr sz="6600" b="1" spc="170" dirty="0">
               <a:solidFill>
                 <a:schemeClr val="bg1"/>
               </a:solidFill>
